--- a/translations/en-us/CoreValues/CVJudging.pptx
+++ b/translations/en-us/CoreValues/CVJudging.pptx
@@ -1,6 +1,6 @@
 
 <file path=ppt/presentation.xml><?xml version="1.0" encoding="utf-8"?>
-<p:presentation xmlns:a="http://schemas.openxmlformats.org/drawingml/2006/main" xmlns:r="http://schemas.openxmlformats.org/officeDocument/2006/relationships" xmlns:p="http://schemas.openxmlformats.org/presentationml/2006/main" autoCompressPictures="0">
+<p:presentation xmlns:a="http://schemas.openxmlformats.org/drawingml/2006/main" xmlns:r="http://schemas.openxmlformats.org/officeDocument/2006/relationships" xmlns:p="http://schemas.openxmlformats.org/presentationml/2006/main" showSpecialPlsOnTitleSld="0" autoCompressPictures="0">
   <p:sldMasterIdLst>
     <p:sldMasterId id="2147483672" r:id="rId1"/>
   </p:sldMasterIdLst>
@@ -204,7 +204,7 @@
           <a:p>
             <a:fld id="{C528CD71-4833-D241-9C24-E07BA428460D}" type="datetimeFigureOut">
               <a:rPr lang="en-US" smtClean="0"/>
-              <a:t>10/27/22</a:t>
+              <a:t>5/29/23</a:t>
             </a:fld>
             <a:endParaRPr lang="en-US"/>
           </a:p>
@@ -1472,9 +1472,9 @@
               <a:rPr lang="en-US"/>
               <a:t>: </a:t>
             </a:r>
-            <a:fld id="{A8EC73E3-3AFE-4243-B0C0-8C181B331849}" type="datetime1">
+            <a:fld id="{B0599773-11A5-944D-8FFA-F86809759A4D}" type="datetime1">
               <a:rPr lang="en-US" smtClean="0"/>
-              <a:t>10/27/22</a:t>
+              <a:t>5/29/23</a:t>
             </a:fld>
             <a:endParaRPr lang="en-US" dirty="0"/>
           </a:p>
@@ -1516,7 +1516,7 @@
           <a:p>
             <a:r>
               <a:rPr lang="en-US"/>
-              <a:t>Copyright 2021, FLLTutorials.com</a:t>
+              <a:t>Copyright 2023, FLLTutorials.com. Last Update 5/29/2023</a:t>
             </a:r>
             <a:endParaRPr lang="en-US" dirty="0"/>
           </a:p>
@@ -1783,9 +1783,9 @@
           <a:bodyPr/>
           <a:lstStyle/>
           <a:p>
-            <a:fld id="{1564DF94-04E7-1E40-A6EF-544E564AA7B0}" type="datetime1">
+            <a:fld id="{BECF15BF-D8D0-7547-BB28-51661AFF6544}" type="datetime1">
               <a:rPr lang="en-US" smtClean="0"/>
-              <a:t>10/27/22</a:t>
+              <a:t>5/29/23</a:t>
             </a:fld>
             <a:endParaRPr lang="en-US" dirty="0"/>
           </a:p>
@@ -1816,7 +1816,7 @@
           <a:p>
             <a:r>
               <a:rPr lang="en-US"/>
-              <a:t>Copyright 2021, FLLTutorials.com</a:t>
+              <a:t>Copyright 2023, FLLTutorials.com. Last Update 5/29/2023</a:t>
             </a:r>
             <a:endParaRPr lang="en-US" dirty="0"/>
           </a:p>
@@ -2042,9 +2042,9 @@
             </a:lvl1pPr>
           </a:lstStyle>
           <a:p>
-            <a:fld id="{C2F2A69B-7FA2-F14B-B27E-F1238BFF3476}" type="datetime1">
+            <a:fld id="{5EAF1571-E5EE-0044-B688-7B99D4F5EAC9}" type="datetime1">
               <a:rPr lang="en-US" smtClean="0"/>
-              <a:t>10/27/22</a:t>
+              <a:t>5/29/23</a:t>
             </a:fld>
             <a:endParaRPr lang="en-US" dirty="0"/>
           </a:p>
@@ -2075,7 +2075,7 @@
           <a:p>
             <a:r>
               <a:rPr lang="en-US"/>
-              <a:t>Copyright 2021, FLLTutorials.com</a:t>
+              <a:t>Copyright 2023, FLLTutorials.com. Last Update 5/29/2023</a:t>
             </a:r>
             <a:endParaRPr lang="en-US" dirty="0"/>
           </a:p>
@@ -2337,9 +2337,9 @@
               <a:rPr lang="en-US"/>
               <a:t>: </a:t>
             </a:r>
-            <a:fld id="{9F18BFE5-D7D5-8E4F-90A1-9D0FB057209C}" type="datetime1">
+            <a:fld id="{47FED357-F72D-6E4C-BE3D-29F42CF1AAC0}" type="datetime1">
               <a:rPr lang="en-US" smtClean="0"/>
-              <a:t>10/27/22</a:t>
+              <a:t>5/29/23</a:t>
             </a:fld>
             <a:endParaRPr lang="en-US" dirty="0"/>
           </a:p>
@@ -2384,7 +2384,7 @@
           <a:p>
             <a:r>
               <a:rPr lang="en-US"/>
-              <a:t>Copyright 2021, FLLTutorials.com</a:t>
+              <a:t>Copyright 2023, FLLTutorials.com. Last Update 5/29/2023</a:t>
             </a:r>
             <a:endParaRPr lang="en-US" dirty="0"/>
           </a:p>
@@ -2793,7 +2793,7 @@
             <a:fld id="{B61BEF0D-F0BB-DE4B-95CE-6DB70DBA9567}" type="datetimeFigureOut">
               <a:rPr lang="en-US" smtClean="0"/>
               <a:pPr/>
-              <a:t>10/27/22</a:t>
+              <a:t>5/29/23</a:t>
             </a:fld>
             <a:endParaRPr lang="en-US" dirty="0"/>
           </a:p>
@@ -3297,9 +3297,9 @@
           <a:bodyPr/>
           <a:lstStyle/>
           <a:p>
-            <a:fld id="{90F759D9-8FC7-F14F-A9C0-9D9A6329A9FC}" type="datetime1">
+            <a:fld id="{2A58A400-2A48-2C41-9893-6F2940CBC17D}" type="datetime1">
               <a:rPr lang="en-US" smtClean="0"/>
-              <a:t>10/27/22</a:t>
+              <a:t>5/29/23</a:t>
             </a:fld>
             <a:endParaRPr lang="en-US" dirty="0"/>
           </a:p>
@@ -3330,7 +3330,7 @@
           <a:p>
             <a:r>
               <a:rPr lang="en-US"/>
-              <a:t>Copyright 2021, FLLTutorials.com</a:t>
+              <a:t>Copyright 2023, FLLTutorials.com. Last Update 5/29/2023</a:t>
             </a:r>
             <a:endParaRPr lang="en-US" dirty="0"/>
           </a:p>
@@ -3747,9 +3747,9 @@
           <a:bodyPr/>
           <a:lstStyle/>
           <a:p>
-            <a:fld id="{E346F097-3E00-6A4D-9807-74929D139299}" type="datetime1">
+            <a:fld id="{2A58FEA2-5998-FB4A-B4B9-5BE8E7226281}" type="datetime1">
               <a:rPr lang="en-US" smtClean="0"/>
-              <a:t>10/27/22</a:t>
+              <a:t>5/29/23</a:t>
             </a:fld>
             <a:endParaRPr lang="en-US" dirty="0"/>
           </a:p>
@@ -3780,7 +3780,7 @@
           <a:p>
             <a:r>
               <a:rPr lang="en-US"/>
-              <a:t>Copyright 2021, FLLTutorials.com</a:t>
+              <a:t>Copyright 2023, FLLTutorials.com. Last Update 5/29/2023</a:t>
             </a:r>
             <a:endParaRPr lang="en-US" dirty="0"/>
           </a:p>
@@ -3933,9 +3933,9 @@
           <a:bodyPr/>
           <a:lstStyle/>
           <a:p>
-            <a:fld id="{FF28E24B-F835-FC43-83A0-7DA7342729F6}" type="datetime1">
+            <a:fld id="{BCBDF66C-1B4D-A540-BF9A-9F0A78123139}" type="datetime1">
               <a:rPr lang="en-US" smtClean="0"/>
-              <a:t>10/27/22</a:t>
+              <a:t>5/29/23</a:t>
             </a:fld>
             <a:endParaRPr lang="en-US" dirty="0"/>
           </a:p>
@@ -3970,7 +3970,7 @@
           <a:p>
             <a:r>
               <a:rPr lang="en-US"/>
-              <a:t>Copyright 2021, FLLTutorials.com</a:t>
+              <a:t>Copyright 2023, FLLTutorials.com. Last Update 5/29/2023</a:t>
             </a:r>
             <a:endParaRPr lang="en-US" dirty="0"/>
           </a:p>
@@ -4065,9 +4065,9 @@
           <a:bodyPr/>
           <a:lstStyle/>
           <a:p>
-            <a:fld id="{1885806B-0BEA-954E-BE6D-AECFBDA2BD64}" type="datetime1">
+            <a:fld id="{278540D9-4CD3-C64D-8BFE-A43F289C7C50}" type="datetime1">
               <a:rPr lang="en-US" smtClean="0"/>
-              <a:t>10/27/22</a:t>
+              <a:t>5/29/23</a:t>
             </a:fld>
             <a:endParaRPr lang="en-US" dirty="0"/>
           </a:p>
@@ -4098,7 +4098,7 @@
           <a:p>
             <a:r>
               <a:rPr lang="en-US"/>
-              <a:t>Copyright 2021, FLLTutorials.com</a:t>
+              <a:t>Copyright 2023, FLLTutorials.com. Last Update 5/29/2023</a:t>
             </a:r>
             <a:endParaRPr lang="en-US" dirty="0"/>
           </a:p>
@@ -4472,9 +4472,9 @@
             </a:lvl1pPr>
           </a:lstStyle>
           <a:p>
-            <a:fld id="{4B167545-DCCE-314F-8FAB-F91B6BCA6FDC}" type="datetime1">
+            <a:fld id="{81816BA6-22FC-7643-9B94-074ACF885DDE}" type="datetime1">
               <a:rPr lang="en-US" smtClean="0"/>
-              <a:t>10/27/22</a:t>
+              <a:t>5/29/23</a:t>
             </a:fld>
             <a:endParaRPr lang="en-US" dirty="0"/>
           </a:p>
@@ -4516,7 +4516,7 @@
           <a:p>
             <a:r>
               <a:rPr lang="en-US"/>
-              <a:t>Copyright 2021, FLLTutorials.com</a:t>
+              <a:t>Copyright 2023, FLLTutorials.com. Last Update 5/29/2023</a:t>
             </a:r>
             <a:endParaRPr lang="en-US" dirty="0"/>
           </a:p>
@@ -4790,9 +4790,9 @@
           <a:bodyPr/>
           <a:lstStyle/>
           <a:p>
-            <a:fld id="{36DA4113-8758-6343-B98E-49A94A0E8AB5}" type="datetime1">
+            <a:fld id="{446FCB52-0199-1646-B4EA-AB538ADB02C3}" type="datetime1">
               <a:rPr lang="en-US" smtClean="0"/>
-              <a:t>10/27/22</a:t>
+              <a:t>5/29/23</a:t>
             </a:fld>
             <a:endParaRPr lang="en-US" dirty="0"/>
           </a:p>
@@ -4823,7 +4823,7 @@
           <a:p>
             <a:r>
               <a:rPr lang="en-US"/>
-              <a:t>Copyright 2021, FLLTutorials.com</a:t>
+              <a:t>Copyright 2023, FLLTutorials.com. Last Update 5/29/2023</a:t>
             </a:r>
             <a:endParaRPr lang="en-US" dirty="0"/>
           </a:p>
@@ -5150,9 +5150,9 @@
               <a:rPr lang="en-US"/>
               <a:t>: </a:t>
             </a:r>
-            <a:fld id="{82438690-5311-F948-AE1C-C4B03E4DD04B}" type="datetime1">
+            <a:fld id="{FAA321E8-DDA5-504D-8DAC-E0DBE3176D51}" type="datetime1">
               <a:rPr lang="en-US" smtClean="0"/>
-              <a:t>10/27/22</a:t>
+              <a:t>5/29/23</a:t>
             </a:fld>
             <a:endParaRPr lang="en-US" dirty="0"/>
           </a:p>
@@ -5200,7 +5200,7 @@
           <a:p>
             <a:r>
               <a:rPr lang="en-US"/>
-              <a:t>Copyright 2021, FLLTutorials.com</a:t>
+              <a:t>Copyright 2023, FLLTutorials.com. Last Update 5/29/2023</a:t>
             </a:r>
             <a:endParaRPr lang="en-US" dirty="0"/>
           </a:p>
@@ -5784,7 +5784,7 @@
           <a:p>
             <a:r>
               <a:rPr lang="en-US" dirty="0"/>
-              <a:t>MEET THE TEAM</a:t>
+              <a:t>MEET THE AUTHORS</a:t>
             </a:r>
           </a:p>
         </p:txBody>
@@ -5811,12 +5811,8 @@
           <a:lstStyle/>
           <a:p>
             <a:r>
-              <a:rPr lang="en-US" dirty="0"/>
-              <a:t>Copyright 2022, </a:t>
-            </a:r>
-            <a:r>
-              <a:rPr lang="en-US" dirty="0" err="1"/>
-              <a:t>FLLTutorials.com</a:t>
+              <a:rPr lang="en-US"/>
+              <a:t>Copyright 2023, FLLTutorials.com. Last Update 5/29/2023</a:t>
             </a:r>
             <a:endParaRPr lang="en-US" dirty="0"/>
           </a:p>
@@ -6380,7 +6376,7 @@
               <a:buNone/>
             </a:pPr>
             <a:r>
-              <a:rPr lang="en-US" b="0" i="0" u="none" strike="noStrike" cap="none" dirty="0">
+              <a:rPr lang="en-US" b="0" i="0" u="none" strike="noStrike" cap="none">
                 <a:solidFill>
                   <a:srgbClr val="2D58AC"/>
                 </a:solidFill>
@@ -6389,19 +6385,7 @@
                 <a:cs typeface="Cabin"/>
                 <a:sym typeface="Cabin"/>
               </a:rPr>
-              <a:t>Copyright 2022, </a:t>
-            </a:r>
-            <a:r>
-              <a:rPr lang="en-US" b="0" i="0" u="none" strike="noStrike" cap="none" dirty="0" err="1">
-                <a:solidFill>
-                  <a:srgbClr val="2D58AC"/>
-                </a:solidFill>
-                <a:latin typeface="Cabin"/>
-                <a:ea typeface="Cabin"/>
-                <a:cs typeface="Cabin"/>
-                <a:sym typeface="Cabin"/>
-              </a:rPr>
-              <a:t>FLLTutorials.com</a:t>
+              <a:t>Copyright 2023, FLLTutorials.com. Last Update 5/29/2023</a:t>
             </a:r>
             <a:endParaRPr sz="1000" dirty="0"/>
           </a:p>
@@ -6580,7 +6564,7 @@
             </a:pPr>
             <a:r>
               <a:rPr lang="en-US" sz="2400" dirty="0"/>
-              <a:t>Core Values judging is a lot of fun. It’s your team’s chance to share its identity.  </a:t>
+              <a:t>Core Values judging is a lot of fun. It is your team’s chance to share its identity.  </a:t>
             </a:r>
           </a:p>
           <a:p>
@@ -6595,7 +6579,7 @@
             </a:pPr>
             <a:r>
               <a:rPr lang="en-US" sz="2400" dirty="0"/>
-              <a:t>It’s your chance to share your team goals and why being a part of FLL is important to you. These are some things you can cover in the Team Welcome.</a:t>
+              <a:t>It is your chance to share your team goals and why being a part of FLL is important to you. These are some things you can cover in the Team Welcome.</a:t>
             </a:r>
             <a:endParaRPr sz="2400" dirty="0"/>
           </a:p>
@@ -6660,7 +6644,7 @@
               <a:buNone/>
             </a:pPr>
             <a:r>
-              <a:rPr lang="en-US" b="0" i="0" u="none" strike="noStrike" cap="none" dirty="0">
+              <a:rPr lang="en-US" b="0" i="0" u="none" strike="noStrike" cap="none">
                 <a:solidFill>
                   <a:srgbClr val="2D58AC"/>
                 </a:solidFill>
@@ -6669,19 +6653,7 @@
                 <a:cs typeface="Cabin"/>
                 <a:sym typeface="Cabin"/>
               </a:rPr>
-              <a:t>Copyright 2022, </a:t>
-            </a:r>
-            <a:r>
-              <a:rPr lang="en-US" b="0" i="0" u="none" strike="noStrike" cap="none" dirty="0" err="1">
-                <a:solidFill>
-                  <a:srgbClr val="2D58AC"/>
-                </a:solidFill>
-                <a:latin typeface="Cabin"/>
-                <a:ea typeface="Cabin"/>
-                <a:cs typeface="Cabin"/>
-                <a:sym typeface="Cabin"/>
-              </a:rPr>
-              <a:t>FLLTutorials.com</a:t>
+              <a:t>Copyright 2023, FLLTutorials.com. Last Update 5/29/2023</a:t>
             </a:r>
             <a:endParaRPr sz="1000" dirty="0"/>
           </a:p>
@@ -6900,7 +6872,15 @@
             </a:pPr>
             <a:r>
               <a:rPr lang="en-US" sz="2200" dirty="0"/>
-              <a:t>Be sure to cite specific examples of how your team used or applied each of the Core Values during the season</a:t>
+              <a:t>Be sure to cite </a:t>
+            </a:r>
+            <a:r>
+              <a:rPr lang="en-US" sz="2200" u="sng" dirty="0"/>
+              <a:t>specific examples</a:t>
+            </a:r>
+            <a:r>
+              <a:rPr lang="en-US" sz="2200" dirty="0"/>
+              <a:t> of how your team used or applied each of the Core Values during the season</a:t>
             </a:r>
           </a:p>
           <a:p>
@@ -6914,7 +6894,15 @@
             </a:pPr>
             <a:r>
               <a:rPr lang="en-US" sz="2200" dirty="0"/>
-              <a:t>Make sure that multiple students can give examples</a:t>
+              <a:t>Make sure that </a:t>
+            </a:r>
+            <a:r>
+              <a:rPr lang="en-US" sz="2200" u="sng" dirty="0"/>
+              <a:t>multiple</a:t>
+            </a:r>
+            <a:r>
+              <a:rPr lang="en-US" sz="2200" dirty="0"/>
+              <a:t> students can give examples</a:t>
             </a:r>
           </a:p>
           <a:p>
@@ -6955,12 +6943,8 @@
           <a:lstStyle/>
           <a:p>
             <a:r>
-              <a:rPr lang="en-US" dirty="0"/>
-              <a:t>Copyright 2022, </a:t>
-            </a:r>
-            <a:r>
-              <a:rPr lang="en-US" dirty="0" err="1"/>
-              <a:t>FLLTutorials.com</a:t>
+              <a:rPr lang="en-US"/>
+              <a:t>Copyright 2023, FLLTutorials.com. Last Update 5/29/2023</a:t>
             </a:r>
             <a:endParaRPr lang="en-US" dirty="0"/>
           </a:p>
@@ -7183,12 +7167,8 @@
           <a:lstStyle/>
           <a:p>
             <a:r>
-              <a:rPr lang="en-US" dirty="0"/>
-              <a:t>Copyright 2022, </a:t>
-            </a:r>
-            <a:r>
-              <a:rPr lang="en-US" dirty="0" err="1"/>
-              <a:t>FLLTutorials.com</a:t>
+              <a:rPr lang="en-US"/>
+              <a:t>Copyright 2023, FLLTutorials.com. Last Update 5/29/2023</a:t>
             </a:r>
             <a:endParaRPr lang="en-US" dirty="0"/>
           </a:p>
@@ -7460,7 +7440,7 @@
               <a:buNone/>
             </a:pPr>
             <a:r>
-              <a:rPr lang="en-US" b="0" i="0" u="none" strike="noStrike" cap="none" dirty="0">
+              <a:rPr lang="en-US" b="0" i="0" u="none" strike="noStrike" cap="none">
                 <a:solidFill>
                   <a:srgbClr val="2D58AC"/>
                 </a:solidFill>
@@ -7469,19 +7449,7 @@
                 <a:cs typeface="Cabin"/>
                 <a:sym typeface="Cabin"/>
               </a:rPr>
-              <a:t>Copyright 2022, </a:t>
-            </a:r>
-            <a:r>
-              <a:rPr lang="en-US" b="0" i="0" u="none" strike="noStrike" cap="none" dirty="0" err="1">
-                <a:solidFill>
-                  <a:srgbClr val="2D58AC"/>
-                </a:solidFill>
-                <a:latin typeface="Cabin"/>
-                <a:ea typeface="Cabin"/>
-                <a:cs typeface="Cabin"/>
-                <a:sym typeface="Cabin"/>
-              </a:rPr>
-              <a:t>FLLTutorials.com</a:t>
+              <a:t>Copyright 2023, FLLTutorials.com. Last Update 5/29/2023</a:t>
             </a:r>
             <a:endParaRPr b="0" i="0" u="none" strike="noStrike" cap="none" dirty="0">
               <a:solidFill>
@@ -7863,7 +7831,7 @@
               <a:buNone/>
             </a:pPr>
             <a:r>
-              <a:rPr lang="en-US" sz="1800" b="0" i="0" u="none" strike="noStrike" cap="none" dirty="0">
+              <a:rPr lang="en-US" sz="1800" b="0" i="0" u="none" strike="noStrike" cap="none">
                 <a:solidFill>
                   <a:srgbClr val="2D58AC"/>
                 </a:solidFill>
@@ -7872,19 +7840,7 @@
                 <a:cs typeface="Cabin"/>
                 <a:sym typeface="Cabin"/>
               </a:rPr>
-              <a:t>Copyright 2022, </a:t>
-            </a:r>
-            <a:r>
-              <a:rPr lang="en-US" sz="1800" b="0" i="0" u="none" strike="noStrike" cap="none" dirty="0" err="1">
-                <a:solidFill>
-                  <a:srgbClr val="2D58AC"/>
-                </a:solidFill>
-                <a:latin typeface="Cabin"/>
-                <a:ea typeface="Cabin"/>
-                <a:cs typeface="Cabin"/>
-                <a:sym typeface="Cabin"/>
-              </a:rPr>
-              <a:t>FLLTutorials.com</a:t>
+              <a:t>Copyright 2023, FLLTutorials.com. Last Update 5/29/2023</a:t>
             </a:r>
             <a:endParaRPr sz="1800" b="0" i="0" u="none" strike="noStrike" cap="none" dirty="0">
               <a:solidFill>

--- a/translations/en-us/CoreValues/CVJudging.pptx
+++ b/translations/en-us/CoreValues/CVJudging.pptx
@@ -5,7 +5,7 @@
     <p:sldMasterId id="2147483672" r:id="rId1"/>
   </p:sldMasterIdLst>
   <p:notesMasterIdLst>
-    <p:notesMasterId r:id="rId10"/>
+    <p:notesMasterId r:id="rId12"/>
   </p:notesMasterIdLst>
   <p:sldIdLst>
     <p:sldId id="256" r:id="rId2"/>
@@ -15,7 +15,9 @@
     <p:sldId id="263" r:id="rId6"/>
     <p:sldId id="258" r:id="rId7"/>
     <p:sldId id="259" r:id="rId8"/>
-    <p:sldId id="267" r:id="rId9"/>
+    <p:sldId id="399" r:id="rId9"/>
+    <p:sldId id="400" r:id="rId10"/>
+    <p:sldId id="267" r:id="rId11"/>
   </p:sldIdLst>
   <p:sldSz cx="9144000" cy="6858000" type="screen4x3"/>
   <p:notesSz cx="6858000" cy="9144000"/>
@@ -5724,10 +5726,9 @@
           <a:lstStyle/>
           <a:p>
             <a:r>
-              <a:rPr lang="en-US"/>
-              <a:t>Bayou Builders</a:t>
-            </a:r>
-            <a:endParaRPr lang="en-US" dirty="0"/>
+              <a:rPr lang="en-US" dirty="0"/>
+              <a:t>Bayou Builders  AND SESHAN BROTHERS</a:t>
+            </a:r>
           </a:p>
         </p:txBody>
       </p:sp>
@@ -5735,6 +5736,452 @@
     <p:extLst>
       <p:ext uri="{BB962C8B-B14F-4D97-AF65-F5344CB8AC3E}">
         <p14:creationId xmlns:p14="http://schemas.microsoft.com/office/powerpoint/2010/main" val="892384379"/>
+      </p:ext>
+    </p:extLst>
+  </p:cSld>
+  <p:clrMapOvr>
+    <a:masterClrMapping/>
+  </p:clrMapOvr>
+</p:sld>
+</file>
+
+<file path=ppt/slides/slide10.xml><?xml version="1.0" encoding="utf-8"?>
+<p:sld xmlns:a="http://schemas.openxmlformats.org/drawingml/2006/main" xmlns:r="http://schemas.openxmlformats.org/officeDocument/2006/relationships" xmlns:p="http://schemas.openxmlformats.org/presentationml/2006/main">
+  <p:cSld>
+    <p:spTree>
+      <p:nvGrpSpPr>
+        <p:cNvPr id="1" name="Shape 207"/>
+        <p:cNvGrpSpPr/>
+        <p:nvPr/>
+      </p:nvGrpSpPr>
+      <p:grpSpPr>
+        <a:xfrm>
+          <a:off x="0" y="0"/>
+          <a:ext cx="0" cy="0"/>
+          <a:chOff x="0" y="0"/>
+          <a:chExt cx="0" cy="0"/>
+        </a:xfrm>
+      </p:grpSpPr>
+      <p:sp>
+        <p:nvSpPr>
+          <p:cNvPr id="208" name="Shape 208"/>
+          <p:cNvSpPr txBox="1">
+            <a:spLocks noGrp="1"/>
+          </p:cNvSpPr>
+          <p:nvPr>
+            <p:ph type="title"/>
+          </p:nvPr>
+        </p:nvSpPr>
+        <p:spPr>
+          <a:prstGeom prst="rect">
+            <a:avLst/>
+          </a:prstGeom>
+          <a:noFill/>
+          <a:ln>
+            <a:noFill/>
+          </a:ln>
+        </p:spPr>
+        <p:txBody>
+          <a:bodyPr spcFirstLastPara="1" wrap="square" lIns="91425" tIns="45700" rIns="91425" bIns="45700" anchor="b" anchorCtr="0">
+            <a:noAutofit/>
+          </a:bodyPr>
+          <a:lstStyle/>
+          <a:p>
+            <a:pPr marL="0" marR="0" lvl="0" indent="0" algn="l" rtl="0">
+              <a:spcBef>
+                <a:spcPts val="0"/>
+              </a:spcBef>
+              <a:spcAft>
+                <a:spcPts val="0"/>
+              </a:spcAft>
+              <a:buClr>
+                <a:schemeClr val="lt1"/>
+              </a:buClr>
+              <a:buSzPts val="2800"/>
+              <a:buFont typeface="Cabin"/>
+              <a:buNone/>
+            </a:pPr>
+            <a:r>
+              <a:rPr lang="en-US" sz="2800" b="0" i="0" u="none" strike="noStrike" cap="none">
+                <a:solidFill>
+                  <a:schemeClr val="lt1"/>
+                </a:solidFill>
+                <a:latin typeface="Cabin"/>
+                <a:ea typeface="Cabin"/>
+                <a:cs typeface="Cabin"/>
+                <a:sym typeface="Cabin"/>
+              </a:rPr>
+              <a:t>CREDITS</a:t>
+            </a:r>
+            <a:endParaRPr/>
+          </a:p>
+        </p:txBody>
+      </p:sp>
+      <p:sp>
+        <p:nvSpPr>
+          <p:cNvPr id="209" name="Shape 209"/>
+          <p:cNvSpPr txBox="1">
+            <a:spLocks noGrp="1"/>
+          </p:cNvSpPr>
+          <p:nvPr>
+            <p:ph idx="1"/>
+          </p:nvPr>
+        </p:nvSpPr>
+        <p:spPr>
+          <a:prstGeom prst="rect">
+            <a:avLst/>
+          </a:prstGeom>
+          <a:noFill/>
+          <a:ln>
+            <a:noFill/>
+          </a:ln>
+        </p:spPr>
+        <p:txBody>
+          <a:bodyPr spcFirstLastPara="1" wrap="square" lIns="91425" tIns="45700" rIns="91425" bIns="45700" anchor="t" anchorCtr="0">
+            <a:noAutofit/>
+          </a:bodyPr>
+          <a:lstStyle/>
+          <a:p>
+            <a:pPr>
+              <a:spcBef>
+                <a:spcPts val="0"/>
+              </a:spcBef>
+              <a:spcAft>
+                <a:spcPts val="0"/>
+              </a:spcAft>
+              <a:buSzPts val="2576"/>
+            </a:pPr>
+            <a:r>
+              <a:rPr lang="en-US" sz="2800" b="0" i="0" u="none" strike="noStrike" cap="none" dirty="0">
+                <a:solidFill>
+                  <a:schemeClr val="dk2"/>
+                </a:solidFill>
+                <a:latin typeface="Cabin"/>
+                <a:ea typeface="Cabin"/>
+                <a:cs typeface="Cabin"/>
+                <a:sym typeface="Cabin"/>
+              </a:rPr>
+              <a:t>This lesson was written by</a:t>
+            </a:r>
+            <a:r>
+              <a:rPr lang="en-US" sz="2800" dirty="0"/>
+              <a:t> the Bayou Builders (</a:t>
+            </a:r>
+            <a:r>
+              <a:rPr lang="en-US" sz="2800" dirty="0">
+                <a:hlinkClick r:id="rId3"/>
+              </a:rPr>
+              <a:t>https://www.bayoubuilders.org/</a:t>
+            </a:r>
+            <a:r>
+              <a:rPr lang="en-US" sz="2800" dirty="0"/>
+              <a:t>) and the Seshan Brothers</a:t>
+            </a:r>
+            <a:endParaRPr dirty="0"/>
+          </a:p>
+          <a:p>
+            <a:pPr>
+              <a:spcBef>
+                <a:spcPts val="1160"/>
+              </a:spcBef>
+              <a:spcAft>
+                <a:spcPts val="0"/>
+              </a:spcAft>
+              <a:buSzPts val="2576"/>
+            </a:pPr>
+            <a:r>
+              <a:rPr lang="en-US" sz="2800" b="0" i="0" u="none" strike="noStrike" cap="none" dirty="0">
+                <a:solidFill>
+                  <a:schemeClr val="dk2"/>
+                </a:solidFill>
+                <a:latin typeface="Cabin"/>
+                <a:ea typeface="Cabin"/>
+                <a:cs typeface="Cabin"/>
+                <a:sym typeface="Cabin"/>
+              </a:rPr>
+              <a:t>More lessons for FIRST LEGO League are available at </a:t>
+            </a:r>
+            <a:r>
+              <a:rPr lang="en-US" sz="2800" b="0" i="0" u="sng" strike="noStrike" cap="none" dirty="0">
+                <a:solidFill>
+                  <a:schemeClr val="hlink"/>
+                </a:solidFill>
+                <a:latin typeface="Cabin"/>
+                <a:ea typeface="Cabin"/>
+                <a:cs typeface="Cabin"/>
+                <a:sym typeface="Cabin"/>
+                <a:hlinkClick r:id="rId4"/>
+              </a:rPr>
+              <a:t>www.flltutorials.com</a:t>
+            </a:r>
+            <a:endParaRPr sz="2800" b="0" i="0" u="none" strike="noStrike" cap="none" dirty="0">
+              <a:solidFill>
+                <a:srgbClr val="0070C0"/>
+              </a:solidFill>
+              <a:latin typeface="Cabin"/>
+              <a:ea typeface="Cabin"/>
+              <a:cs typeface="Cabin"/>
+              <a:sym typeface="Cabin"/>
+            </a:endParaRPr>
+          </a:p>
+          <a:p>
+            <a:pPr marL="306000" marR="0" lvl="0" indent="-142424" algn="l" rtl="0">
+              <a:spcBef>
+                <a:spcPts val="1160"/>
+              </a:spcBef>
+              <a:spcAft>
+                <a:spcPts val="0"/>
+              </a:spcAft>
+              <a:buClr>
+                <a:schemeClr val="accent2"/>
+              </a:buClr>
+              <a:buSzPts val="2576"/>
+              <a:buFont typeface="Noto Sans Symbols"/>
+              <a:buNone/>
+            </a:pPr>
+            <a:endParaRPr sz="2800" b="0" i="0" u="none" strike="noStrike" cap="none" dirty="0">
+              <a:solidFill>
+                <a:schemeClr val="dk2"/>
+              </a:solidFill>
+              <a:latin typeface="Cabin"/>
+              <a:ea typeface="Cabin"/>
+              <a:cs typeface="Cabin"/>
+              <a:sym typeface="Cabin"/>
+            </a:endParaRPr>
+          </a:p>
+          <a:p>
+            <a:pPr marL="306000" marR="0" lvl="0" indent="-95688" algn="l" rtl="0">
+              <a:spcBef>
+                <a:spcPts val="1320"/>
+              </a:spcBef>
+              <a:spcAft>
+                <a:spcPts val="0"/>
+              </a:spcAft>
+              <a:buClr>
+                <a:schemeClr val="accent2"/>
+              </a:buClr>
+              <a:buSzPts val="3312"/>
+              <a:buFont typeface="Noto Sans Symbols"/>
+              <a:buNone/>
+            </a:pPr>
+            <a:endParaRPr sz="3600" b="0" i="0" u="none" strike="noStrike" cap="none" dirty="0">
+              <a:solidFill>
+                <a:schemeClr val="dk2"/>
+              </a:solidFill>
+              <a:latin typeface="Cabin"/>
+              <a:ea typeface="Cabin"/>
+              <a:cs typeface="Cabin"/>
+              <a:sym typeface="Cabin"/>
+            </a:endParaRPr>
+          </a:p>
+        </p:txBody>
+      </p:sp>
+      <p:sp>
+        <p:nvSpPr>
+          <p:cNvPr id="211" name="Shape 211"/>
+          <p:cNvSpPr txBox="1">
+            <a:spLocks noGrp="1"/>
+          </p:cNvSpPr>
+          <p:nvPr>
+            <p:ph type="ftr" sz="quarter" idx="11"/>
+          </p:nvPr>
+        </p:nvSpPr>
+        <p:spPr>
+          <a:prstGeom prst="rect">
+            <a:avLst/>
+          </a:prstGeom>
+          <a:noFill/>
+          <a:ln>
+            <a:noFill/>
+          </a:ln>
+        </p:spPr>
+        <p:txBody>
+          <a:bodyPr spcFirstLastPara="1" wrap="square" lIns="91425" tIns="45700" rIns="91425" bIns="45700" anchor="t" anchorCtr="0">
+            <a:noAutofit/>
+          </a:bodyPr>
+          <a:lstStyle/>
+          <a:p>
+            <a:pPr marL="0" marR="0" lvl="0" indent="0" algn="l" rtl="0">
+              <a:spcBef>
+                <a:spcPts val="0"/>
+              </a:spcBef>
+              <a:spcAft>
+                <a:spcPts val="0"/>
+              </a:spcAft>
+              <a:buNone/>
+            </a:pPr>
+            <a:r>
+              <a:rPr lang="en-US" sz="1800" b="0" i="0" u="none" strike="noStrike" cap="none">
+                <a:solidFill>
+                  <a:srgbClr val="2D58AC"/>
+                </a:solidFill>
+                <a:latin typeface="Cabin"/>
+                <a:ea typeface="Cabin"/>
+                <a:cs typeface="Cabin"/>
+                <a:sym typeface="Cabin"/>
+              </a:rPr>
+              <a:t>Copyright 2023, FLLTutorials.com. Last Update 5/29/2023</a:t>
+            </a:r>
+            <a:endParaRPr sz="1800" b="0" i="0" u="none" strike="noStrike" cap="none" dirty="0">
+              <a:solidFill>
+                <a:srgbClr val="2D58AC"/>
+              </a:solidFill>
+              <a:latin typeface="Cabin"/>
+              <a:ea typeface="Cabin"/>
+              <a:cs typeface="Cabin"/>
+              <a:sym typeface="Cabin"/>
+            </a:endParaRPr>
+          </a:p>
+        </p:txBody>
+      </p:sp>
+      <p:sp>
+        <p:nvSpPr>
+          <p:cNvPr id="212" name="Shape 212"/>
+          <p:cNvSpPr txBox="1">
+            <a:spLocks noGrp="1"/>
+          </p:cNvSpPr>
+          <p:nvPr>
+            <p:ph type="sldNum" sz="quarter" idx="12"/>
+          </p:nvPr>
+        </p:nvSpPr>
+        <p:spPr>
+          <a:prstGeom prst="rect">
+            <a:avLst/>
+          </a:prstGeom>
+          <a:noFill/>
+          <a:ln>
+            <a:noFill/>
+          </a:ln>
+        </p:spPr>
+        <p:txBody>
+          <a:bodyPr spcFirstLastPara="1" wrap="square" lIns="91425" tIns="45700" rIns="91425" bIns="45700" anchor="t" anchorCtr="0">
+            <a:noAutofit/>
+          </a:bodyPr>
+          <a:lstStyle/>
+          <a:p>
+            <a:pPr marL="0" marR="0" lvl="0" indent="0" algn="l" rtl="0">
+              <a:spcBef>
+                <a:spcPts val="0"/>
+              </a:spcBef>
+              <a:spcAft>
+                <a:spcPts val="0"/>
+              </a:spcAft>
+              <a:buNone/>
+            </a:pPr>
+            <a:fld id="{00000000-1234-1234-1234-123412341234}" type="slidenum">
+              <a:rPr lang="en-US" sz="1800" b="0" i="0" u="none" strike="noStrike" cap="none">
+                <a:solidFill>
+                  <a:srgbClr val="2D58AC"/>
+                </a:solidFill>
+                <a:latin typeface="Cabin"/>
+                <a:ea typeface="Cabin"/>
+                <a:cs typeface="Cabin"/>
+                <a:sym typeface="Cabin"/>
+              </a:rPr>
+              <a:t>10</a:t>
+            </a:fld>
+            <a:endParaRPr sz="1800" b="0" i="0" u="none" strike="noStrike" cap="none">
+              <a:solidFill>
+                <a:srgbClr val="2D58AC"/>
+              </a:solidFill>
+              <a:latin typeface="Cabin"/>
+              <a:ea typeface="Cabin"/>
+              <a:cs typeface="Cabin"/>
+              <a:sym typeface="Cabin"/>
+            </a:endParaRPr>
+          </a:p>
+        </p:txBody>
+      </p:sp>
+      <p:sp>
+        <p:nvSpPr>
+          <p:cNvPr id="213" name="Shape 213"/>
+          <p:cNvSpPr txBox="1"/>
+          <p:nvPr/>
+        </p:nvSpPr>
+        <p:spPr>
+          <a:xfrm>
+            <a:off x="572568" y="5047077"/>
+            <a:ext cx="7989752" cy="830997"/>
+          </a:xfrm>
+          <a:prstGeom prst="rect">
+            <a:avLst/>
+          </a:prstGeom>
+          <a:noFill/>
+          <a:ln>
+            <a:noFill/>
+          </a:ln>
+        </p:spPr>
+        <p:txBody>
+          <a:bodyPr spcFirstLastPara="1" wrap="square" lIns="91425" tIns="45700" rIns="91425" bIns="45700" anchor="t" anchorCtr="0">
+            <a:noAutofit/>
+          </a:bodyPr>
+          <a:lstStyle/>
+          <a:p>
+            <a:pPr marL="0" marR="0" lvl="0" indent="0" algn="ctr" rtl="0">
+              <a:spcBef>
+                <a:spcPts val="0"/>
+              </a:spcBef>
+              <a:spcAft>
+                <a:spcPts val="0"/>
+              </a:spcAft>
+              <a:buNone/>
+            </a:pPr>
+            <a:r>
+              <a:rPr lang="en-US" sz="2400" b="0" i="0" u="sng" strike="noStrike" cap="none">
+                <a:solidFill>
+                  <a:schemeClr val="hlink"/>
+                </a:solidFill>
+                <a:latin typeface="Cabin"/>
+                <a:ea typeface="Cabin"/>
+                <a:cs typeface="Cabin"/>
+                <a:sym typeface="Cabin"/>
+                <a:hlinkClick r:id="rId5"/>
+              </a:rPr>
+              <a:t>Creative Commons Attribution-NonCommercial-ShareAlike 4.0 International License</a:t>
+            </a:r>
+            <a:endParaRPr sz="2400" b="0" i="0" u="none" strike="noStrike" cap="none">
+              <a:solidFill>
+                <a:schemeClr val="dk1"/>
+              </a:solidFill>
+              <a:latin typeface="Cabin"/>
+              <a:ea typeface="Cabin"/>
+              <a:cs typeface="Cabin"/>
+              <a:sym typeface="Cabin"/>
+            </a:endParaRPr>
+          </a:p>
+        </p:txBody>
+      </p:sp>
+      <p:pic>
+        <p:nvPicPr>
+          <p:cNvPr id="214" name="Shape 214"/>
+          <p:cNvPicPr preferRelativeResize="0"/>
+          <p:nvPr/>
+        </p:nvPicPr>
+        <p:blipFill rotWithShape="1">
+          <a:blip r:embed="rId6">
+            <a:alphaModFix/>
+          </a:blip>
+          <a:srcRect/>
+          <a:stretch/>
+        </p:blipFill>
+        <p:spPr>
+          <a:xfrm>
+            <a:off x="3486559" y="4035813"/>
+            <a:ext cx="2552700" cy="889000"/>
+          </a:xfrm>
+          <a:prstGeom prst="rect">
+            <a:avLst/>
+          </a:prstGeom>
+          <a:noFill/>
+          <a:ln>
+            <a:noFill/>
+          </a:ln>
+        </p:spPr>
+      </p:pic>
+    </p:spTree>
+    <p:extLst>
+      <p:ext uri="{BB962C8B-B14F-4D97-AF65-F5344CB8AC3E}">
+        <p14:creationId xmlns:p14="http://schemas.microsoft.com/office/powerpoint/2010/main" val="4210231749"/>
       </p:ext>
     </p:extLst>
   </p:cSld>
@@ -6310,10 +6757,18 @@
               <a:buSzPts val="2208"/>
             </a:pPr>
             <a:r>
-              <a:rPr lang="en-US" sz="2000" dirty="0"/>
+              <a:rPr lang="en-US" sz="2000" dirty="0">
+                <a:solidFill>
+                  <a:srgbClr val="FF0000"/>
+                </a:solidFill>
+              </a:rPr>
               <a:t>Core Values judges will be listening during the entire session so make sure you talk about Core Values during the Team Welcome, Innovation Project and Robot Design.</a:t>
             </a:r>
-            <a:endParaRPr sz="2000" dirty="0"/>
+            <a:endParaRPr sz="2000" dirty="0">
+              <a:solidFill>
+                <a:srgbClr val="FF0000"/>
+              </a:solidFill>
+            </a:endParaRPr>
           </a:p>
           <a:p>
             <a:pPr marL="0" marR="0" lvl="0" indent="0" algn="l" rtl="0">
@@ -6943,10 +7398,17 @@
           <a:lstStyle/>
           <a:p>
             <a:r>
-              <a:rPr lang="en-US"/>
-              <a:t>Copyright 2023, FLLTutorials.com. Last Update 5/29/2023</a:t>
-            </a:r>
-            <a:endParaRPr lang="en-US" dirty="0"/>
+              <a:rPr lang="en-US" dirty="0"/>
+              <a:t>Copyright 2023, </a:t>
+            </a:r>
+            <a:r>
+              <a:rPr lang="en-US" dirty="0" err="1"/>
+              <a:t>FLLTutorials.com</a:t>
+            </a:r>
+            <a:r>
+              <a:rPr lang="en-US" dirty="0"/>
+              <a:t>. Last Update 5/29/2023</a:t>
+            </a:r>
           </a:p>
         </p:txBody>
       </p:sp>
@@ -7319,15 +7781,7 @@
             </a:pPr>
             <a:r>
               <a:rPr lang="en-US" dirty="0"/>
-              <a:t>TEAM BUILDING ACTIVITY (</a:t>
-            </a:r>
-            <a:r>
-              <a:rPr lang="en-US" dirty="0" err="1"/>
-              <a:t>NoT</a:t>
-            </a:r>
-            <a:r>
-              <a:rPr lang="en-US" dirty="0"/>
-              <a:t> USED)</a:t>
+              <a:t>TEAM BUILDING ACTIVITY</a:t>
             </a:r>
             <a:endParaRPr dirty="0"/>
           </a:p>
@@ -7572,7 +8026,7 @@
   <p:cSld>
     <p:spTree>
       <p:nvGrpSpPr>
-        <p:cNvPr id="1" name="Shape 207"/>
+        <p:cNvPr id="1" name=""/>
         <p:cNvGrpSpPr/>
         <p:nvPr/>
       </p:nvGrpSpPr>
@@ -7586,422 +8040,372 @@
       </p:grpSpPr>
       <p:sp>
         <p:nvSpPr>
-          <p:cNvPr id="208" name="Shape 208"/>
-          <p:cNvSpPr txBox="1">
+          <p:cNvPr id="2" name="Title 1">
+            <a:extLst>
+              <a:ext uri="{FF2B5EF4-FFF2-40B4-BE49-F238E27FC236}">
+                <a16:creationId xmlns:a16="http://schemas.microsoft.com/office/drawing/2014/main" id="{1EFD2DD7-1EBE-9ADE-BC02-ED7C095747C9}"/>
+              </a:ext>
+            </a:extLst>
+          </p:cNvPr>
+          <p:cNvSpPr>
             <a:spLocks noGrp="1"/>
           </p:cNvSpPr>
           <p:nvPr>
             <p:ph type="title"/>
           </p:nvPr>
         </p:nvSpPr>
-        <p:spPr>
-          <a:prstGeom prst="rect">
-            <a:avLst/>
-          </a:prstGeom>
-          <a:noFill/>
-          <a:ln>
-            <a:noFill/>
-          </a:ln>
-        </p:spPr>
-        <p:txBody>
-          <a:bodyPr spcFirstLastPara="1" wrap="square" lIns="91425" tIns="45700" rIns="91425" bIns="45700" anchor="b" anchorCtr="0">
-            <a:noAutofit/>
+        <p:spPr/>
+        <p:txBody>
+          <a:bodyPr/>
+          <a:lstStyle/>
+          <a:p>
+            <a:r>
+              <a:rPr lang="en-US" dirty="0"/>
+              <a:t>FAQs</a:t>
+            </a:r>
+          </a:p>
+        </p:txBody>
+      </p:sp>
+      <p:sp>
+        <p:nvSpPr>
+          <p:cNvPr id="3" name="Content Placeholder 2">
+            <a:extLst>
+              <a:ext uri="{FF2B5EF4-FFF2-40B4-BE49-F238E27FC236}">
+                <a16:creationId xmlns:a16="http://schemas.microsoft.com/office/drawing/2014/main" id="{52B14860-2877-DAD5-77D0-6D070DEEE09C}"/>
+              </a:ext>
+            </a:extLst>
+          </p:cNvPr>
+          <p:cNvSpPr>
+            <a:spLocks noGrp="1"/>
+          </p:cNvSpPr>
+          <p:nvPr>
+            <p:ph idx="1"/>
+          </p:nvPr>
+        </p:nvSpPr>
+        <p:spPr>
+          <a:xfrm>
+            <a:off x="448091" y="1505582"/>
+            <a:ext cx="8238707" cy="4844417"/>
+          </a:xfrm>
+        </p:spPr>
+        <p:txBody>
+          <a:bodyPr>
+            <a:normAutofit fontScale="55000" lnSpcReduction="20000"/>
           </a:bodyPr>
           <a:lstStyle/>
           <a:p>
-            <a:pPr marL="0" marR="0" lvl="0" indent="0" algn="l" rtl="0">
-              <a:spcBef>
-                <a:spcPts val="0"/>
-              </a:spcBef>
-              <a:spcAft>
-                <a:spcPts val="0"/>
-              </a:spcAft>
-              <a:buClr>
-                <a:schemeClr val="lt1"/>
-              </a:buClr>
-              <a:buSzPts val="2800"/>
-              <a:buFont typeface="Cabin"/>
-              <a:buNone/>
-            </a:pPr>
-            <a:r>
-              <a:rPr lang="en-US" sz="2800" b="0" i="0" u="none" strike="noStrike" cap="none">
-                <a:solidFill>
-                  <a:schemeClr val="lt1"/>
-                </a:solidFill>
-                <a:latin typeface="Cabin"/>
-                <a:ea typeface="Cabin"/>
-                <a:cs typeface="Cabin"/>
-                <a:sym typeface="Cabin"/>
-              </a:rPr>
-              <a:t>CREDITS</a:t>
-            </a:r>
-            <a:endParaRPr/>
-          </a:p>
-        </p:txBody>
-      </p:sp>
-      <p:sp>
-        <p:nvSpPr>
-          <p:cNvPr id="209" name="Shape 209"/>
-          <p:cNvSpPr txBox="1">
-            <a:spLocks noGrp="1"/>
-          </p:cNvSpPr>
-          <p:nvPr>
-            <p:ph idx="1"/>
-          </p:nvPr>
-        </p:nvSpPr>
-        <p:spPr>
-          <a:prstGeom prst="rect">
-            <a:avLst/>
-          </a:prstGeom>
-          <a:noFill/>
-          <a:ln>
-            <a:noFill/>
-          </a:ln>
-        </p:spPr>
-        <p:txBody>
-          <a:bodyPr spcFirstLastPara="1" wrap="square" lIns="91425" tIns="45700" rIns="91425" bIns="45700" anchor="t" anchorCtr="0">
-            <a:noAutofit/>
-          </a:bodyPr>
+            <a:r>
+              <a:rPr lang="en-US" dirty="0"/>
+              <a:t>Will we get to give a presentation during the Core Values Reflection component?</a:t>
+            </a:r>
+          </a:p>
+          <a:p>
+            <a:pPr lvl="1"/>
+            <a:r>
+              <a:rPr lang="en-US" dirty="0"/>
+              <a:t>No. Judges are supposed to ask your team questions during this period. Ask ahead of time if presentations are allowed.</a:t>
+            </a:r>
+          </a:p>
+          <a:p>
+            <a:r>
+              <a:rPr lang="en-US" dirty="0"/>
+              <a:t>Then how can I tell the judge about about our team’s Core Values?</a:t>
+            </a:r>
+          </a:p>
+          <a:p>
+            <a:pPr lvl="1"/>
+            <a:r>
+              <a:rPr lang="en-US" dirty="0"/>
+              <a:t>You should include examples through the entire 30mins – e.g. how you picked a project topic together, how you resolved a problem during robot building, how you helped another team, program, etc.</a:t>
+            </a:r>
+          </a:p>
+          <a:p>
+            <a:r>
+              <a:rPr lang="en-US" dirty="0"/>
+              <a:t>Do we need to have a tri-fold or poster?</a:t>
+            </a:r>
+          </a:p>
+          <a:p>
+            <a:pPr lvl="1"/>
+            <a:r>
+              <a:rPr lang="en-US" dirty="0"/>
+              <a:t>No. Some teams will bring one (if allowed). They are not required and simply extra props a team chooses to have.</a:t>
+            </a:r>
+          </a:p>
+          <a:p>
+            <a:r>
+              <a:rPr lang="en-US" dirty="0"/>
+              <a:t>What type of documentation is useful?</a:t>
+            </a:r>
+          </a:p>
+          <a:p>
+            <a:pPr lvl="1"/>
+            <a:r>
+              <a:rPr lang="en-US" dirty="0"/>
+              <a:t>Posters with photographs and a Core Values journal documenting all your activities are common among teams.</a:t>
+            </a:r>
+          </a:p>
+        </p:txBody>
+      </p:sp>
+      <p:sp>
+        <p:nvSpPr>
+          <p:cNvPr id="4" name="Footer Placeholder 3">
+            <a:extLst>
+              <a:ext uri="{FF2B5EF4-FFF2-40B4-BE49-F238E27FC236}">
+                <a16:creationId xmlns:a16="http://schemas.microsoft.com/office/drawing/2014/main" id="{6E024D6D-A137-6C9A-B33F-CE60C20F0F01}"/>
+              </a:ext>
+            </a:extLst>
+          </p:cNvPr>
+          <p:cNvSpPr>
+            <a:spLocks noGrp="1"/>
+          </p:cNvSpPr>
+          <p:nvPr>
+            <p:ph type="ftr" sz="quarter" idx="11"/>
+          </p:nvPr>
+        </p:nvSpPr>
+        <p:spPr/>
+        <p:txBody>
+          <a:bodyPr/>
           <a:lstStyle/>
           <a:p>
-            <a:pPr>
-              <a:spcBef>
-                <a:spcPts val="0"/>
-              </a:spcBef>
-              <a:spcAft>
-                <a:spcPts val="0"/>
-              </a:spcAft>
-              <a:buSzPts val="2576"/>
-            </a:pPr>
-            <a:r>
-              <a:rPr lang="en-US" sz="2800" b="0" i="0" u="none" strike="noStrike" cap="none" dirty="0">
-                <a:solidFill>
-                  <a:schemeClr val="dk2"/>
-                </a:solidFill>
-                <a:latin typeface="Cabin"/>
-                <a:ea typeface="Cabin"/>
-                <a:cs typeface="Cabin"/>
-                <a:sym typeface="Cabin"/>
-              </a:rPr>
-              <a:t>This lesson was written by</a:t>
-            </a:r>
-            <a:r>
-              <a:rPr lang="en-US" sz="2800" dirty="0"/>
-              <a:t> the Bayou Builders (https://</a:t>
-            </a:r>
-            <a:r>
-              <a:rPr lang="en-US" sz="2800" dirty="0" err="1"/>
-              <a:t>www.bayoubuilders.org</a:t>
-            </a:r>
-            <a:r>
-              <a:rPr lang="en-US" sz="2800" dirty="0"/>
-              <a:t>/)</a:t>
-            </a:r>
-            <a:endParaRPr dirty="0"/>
-          </a:p>
-          <a:p>
-            <a:pPr>
-              <a:spcBef>
-                <a:spcPts val="1160"/>
-              </a:spcBef>
-              <a:spcAft>
-                <a:spcPts val="0"/>
-              </a:spcAft>
-              <a:buSzPts val="2576"/>
-            </a:pPr>
-            <a:r>
-              <a:rPr lang="en-US" sz="2800" b="0" i="0" u="none" strike="noStrike" cap="none" dirty="0">
-                <a:solidFill>
-                  <a:schemeClr val="dk2"/>
-                </a:solidFill>
-                <a:latin typeface="Cabin"/>
-                <a:ea typeface="Cabin"/>
-                <a:cs typeface="Cabin"/>
-                <a:sym typeface="Cabin"/>
-              </a:rPr>
-              <a:t>More lessons for FIRST LEGO League are available at </a:t>
-            </a:r>
-            <a:r>
-              <a:rPr lang="en-US" sz="2800" b="0" i="0" u="sng" strike="noStrike" cap="none" dirty="0">
-                <a:solidFill>
-                  <a:schemeClr val="hlink"/>
-                </a:solidFill>
-                <a:latin typeface="Cabin"/>
-                <a:ea typeface="Cabin"/>
-                <a:cs typeface="Cabin"/>
-                <a:sym typeface="Cabin"/>
-                <a:hlinkClick r:id="rId3"/>
-              </a:rPr>
-              <a:t>www.flltutorials.com</a:t>
-            </a:r>
-            <a:endParaRPr sz="2800" b="0" i="0" u="none" strike="noStrike" cap="none" dirty="0">
-              <a:solidFill>
-                <a:srgbClr val="0070C0"/>
-              </a:solidFill>
-              <a:latin typeface="Cabin"/>
-              <a:ea typeface="Cabin"/>
-              <a:cs typeface="Cabin"/>
-              <a:sym typeface="Cabin"/>
-            </a:endParaRPr>
-          </a:p>
-          <a:p>
-            <a:pPr marL="306000" marR="0" lvl="0" indent="-142424" algn="l" rtl="0">
-              <a:spcBef>
-                <a:spcPts val="1160"/>
-              </a:spcBef>
-              <a:spcAft>
-                <a:spcPts val="0"/>
-              </a:spcAft>
-              <a:buClr>
-                <a:schemeClr val="accent2"/>
-              </a:buClr>
-              <a:buSzPts val="2576"/>
-              <a:buFont typeface="Noto Sans Symbols"/>
-              <a:buNone/>
-            </a:pPr>
-            <a:endParaRPr sz="2800" b="0" i="0" u="none" strike="noStrike" cap="none" dirty="0">
-              <a:solidFill>
-                <a:schemeClr val="dk2"/>
-              </a:solidFill>
-              <a:latin typeface="Cabin"/>
-              <a:ea typeface="Cabin"/>
-              <a:cs typeface="Cabin"/>
-              <a:sym typeface="Cabin"/>
-            </a:endParaRPr>
-          </a:p>
-          <a:p>
-            <a:pPr marL="306000" marR="0" lvl="0" indent="-95688" algn="l" rtl="0">
-              <a:spcBef>
-                <a:spcPts val="1320"/>
-              </a:spcBef>
-              <a:spcAft>
-                <a:spcPts val="0"/>
-              </a:spcAft>
-              <a:buClr>
-                <a:schemeClr val="accent2"/>
-              </a:buClr>
-              <a:buSzPts val="3312"/>
-              <a:buFont typeface="Noto Sans Symbols"/>
-              <a:buNone/>
-            </a:pPr>
-            <a:endParaRPr sz="3600" b="0" i="0" u="none" strike="noStrike" cap="none" dirty="0">
-              <a:solidFill>
-                <a:schemeClr val="dk2"/>
-              </a:solidFill>
-              <a:latin typeface="Cabin"/>
-              <a:ea typeface="Cabin"/>
-              <a:cs typeface="Cabin"/>
-              <a:sym typeface="Cabin"/>
-            </a:endParaRPr>
-          </a:p>
-        </p:txBody>
-      </p:sp>
-      <p:sp>
-        <p:nvSpPr>
-          <p:cNvPr id="211" name="Shape 211"/>
-          <p:cNvSpPr txBox="1">
-            <a:spLocks noGrp="1"/>
-          </p:cNvSpPr>
-          <p:nvPr>
-            <p:ph type="ftr" sz="quarter" idx="11"/>
-          </p:nvPr>
-        </p:nvSpPr>
-        <p:spPr>
-          <a:prstGeom prst="rect">
-            <a:avLst/>
-          </a:prstGeom>
-          <a:noFill/>
-          <a:ln>
-            <a:noFill/>
-          </a:ln>
-        </p:spPr>
-        <p:txBody>
-          <a:bodyPr spcFirstLastPara="1" wrap="square" lIns="91425" tIns="45700" rIns="91425" bIns="45700" anchor="t" anchorCtr="0">
-            <a:noAutofit/>
-          </a:bodyPr>
+            <a:r>
+              <a:rPr lang="en-US"/>
+              <a:t>Copyright 2023, FLLTutorials.com. Last Update 5/29/2023</a:t>
+            </a:r>
+            <a:endParaRPr lang="en-US" dirty="0"/>
+          </a:p>
+        </p:txBody>
+      </p:sp>
+      <p:sp>
+        <p:nvSpPr>
+          <p:cNvPr id="5" name="Slide Number Placeholder 4">
+            <a:extLst>
+              <a:ext uri="{FF2B5EF4-FFF2-40B4-BE49-F238E27FC236}">
+                <a16:creationId xmlns:a16="http://schemas.microsoft.com/office/drawing/2014/main" id="{E7723787-8CE0-AE87-C11A-8497F6AAF3D1}"/>
+              </a:ext>
+            </a:extLst>
+          </p:cNvPr>
+          <p:cNvSpPr>
+            <a:spLocks noGrp="1"/>
+          </p:cNvSpPr>
+          <p:nvPr>
+            <p:ph type="sldNum" sz="quarter" idx="12"/>
+          </p:nvPr>
+        </p:nvSpPr>
+        <p:spPr/>
+        <p:txBody>
+          <a:bodyPr/>
           <a:lstStyle/>
           <a:p>
-            <a:pPr marL="0" marR="0" lvl="0" indent="0" algn="l" rtl="0">
-              <a:spcBef>
-                <a:spcPts val="0"/>
-              </a:spcBef>
-              <a:spcAft>
-                <a:spcPts val="0"/>
-              </a:spcAft>
-              <a:buNone/>
-            </a:pPr>
-            <a:r>
-              <a:rPr lang="en-US" sz="1800" b="0" i="0" u="none" strike="noStrike" cap="none">
-                <a:solidFill>
-                  <a:srgbClr val="2D58AC"/>
-                </a:solidFill>
-                <a:latin typeface="Cabin"/>
-                <a:ea typeface="Cabin"/>
-                <a:cs typeface="Cabin"/>
-                <a:sym typeface="Cabin"/>
-              </a:rPr>
-              <a:t>Copyright 2023, FLLTutorials.com. Last Update 5/29/2023</a:t>
-            </a:r>
-            <a:endParaRPr sz="1800" b="0" i="0" u="none" strike="noStrike" cap="none" dirty="0">
-              <a:solidFill>
-                <a:srgbClr val="2D58AC"/>
-              </a:solidFill>
-              <a:latin typeface="Cabin"/>
-              <a:ea typeface="Cabin"/>
-              <a:cs typeface="Cabin"/>
-              <a:sym typeface="Cabin"/>
-            </a:endParaRPr>
-          </a:p>
-        </p:txBody>
-      </p:sp>
-      <p:sp>
-        <p:nvSpPr>
-          <p:cNvPr id="212" name="Shape 212"/>
-          <p:cNvSpPr txBox="1">
-            <a:spLocks noGrp="1"/>
-          </p:cNvSpPr>
-          <p:nvPr>
-            <p:ph type="sldNum" sz="quarter" idx="12"/>
-          </p:nvPr>
-        </p:nvSpPr>
-        <p:spPr>
-          <a:prstGeom prst="rect">
-            <a:avLst/>
-          </a:prstGeom>
-          <a:noFill/>
-          <a:ln>
-            <a:noFill/>
-          </a:ln>
-        </p:spPr>
-        <p:txBody>
-          <a:bodyPr spcFirstLastPara="1" wrap="square" lIns="91425" tIns="45700" rIns="91425" bIns="45700" anchor="t" anchorCtr="0">
-            <a:noAutofit/>
-          </a:bodyPr>
-          <a:lstStyle/>
-          <a:p>
-            <a:pPr marL="0" marR="0" lvl="0" indent="0" algn="l" rtl="0">
-              <a:spcBef>
-                <a:spcPts val="0"/>
-              </a:spcBef>
-              <a:spcAft>
-                <a:spcPts val="0"/>
-              </a:spcAft>
-              <a:buNone/>
-            </a:pPr>
-            <a:fld id="{00000000-1234-1234-1234-123412341234}" type="slidenum">
-              <a:rPr lang="en-US" sz="1800" b="0" i="0" u="none" strike="noStrike" cap="none">
-                <a:solidFill>
-                  <a:srgbClr val="2D58AC"/>
-                </a:solidFill>
-                <a:latin typeface="Cabin"/>
-                <a:ea typeface="Cabin"/>
-                <a:cs typeface="Cabin"/>
-                <a:sym typeface="Cabin"/>
-              </a:rPr>
+            <a:fld id="{D57F1E4F-1CFF-5643-939E-217C01CDF565}" type="slidenum">
+              <a:rPr lang="en-US" smtClean="0"/>
+              <a:pPr/>
               <a:t>8</a:t>
             </a:fld>
-            <a:endParaRPr sz="1800" b="0" i="0" u="none" strike="noStrike" cap="none">
-              <a:solidFill>
-                <a:srgbClr val="2D58AC"/>
-              </a:solidFill>
-              <a:latin typeface="Cabin"/>
-              <a:ea typeface="Cabin"/>
-              <a:cs typeface="Cabin"/>
-              <a:sym typeface="Cabin"/>
-            </a:endParaRPr>
-          </a:p>
-        </p:txBody>
-      </p:sp>
-      <p:sp>
-        <p:nvSpPr>
-          <p:cNvPr id="213" name="Shape 213"/>
-          <p:cNvSpPr txBox="1"/>
-          <p:nvPr/>
-        </p:nvSpPr>
-        <p:spPr>
-          <a:xfrm>
-            <a:off x="572568" y="5047077"/>
-            <a:ext cx="7989752" cy="830997"/>
-          </a:xfrm>
-          <a:prstGeom prst="rect">
-            <a:avLst/>
-          </a:prstGeom>
-          <a:noFill/>
-          <a:ln>
-            <a:noFill/>
-          </a:ln>
-        </p:spPr>
-        <p:txBody>
-          <a:bodyPr spcFirstLastPara="1" wrap="square" lIns="91425" tIns="45700" rIns="91425" bIns="45700" anchor="t" anchorCtr="0">
-            <a:noAutofit/>
-          </a:bodyPr>
-          <a:lstStyle/>
-          <a:p>
-            <a:pPr marL="0" marR="0" lvl="0" indent="0" algn="ctr" rtl="0">
-              <a:spcBef>
-                <a:spcPts val="0"/>
-              </a:spcBef>
-              <a:spcAft>
-                <a:spcPts val="0"/>
-              </a:spcAft>
-              <a:buNone/>
-            </a:pPr>
-            <a:r>
-              <a:rPr lang="en-US" sz="2400" b="0" i="0" u="sng" strike="noStrike" cap="none">
-                <a:solidFill>
-                  <a:schemeClr val="hlink"/>
-                </a:solidFill>
-                <a:latin typeface="Cabin"/>
-                <a:ea typeface="Cabin"/>
-                <a:cs typeface="Cabin"/>
-                <a:sym typeface="Cabin"/>
-                <a:hlinkClick r:id="rId4"/>
-              </a:rPr>
-              <a:t>Creative Commons Attribution-NonCommercial-ShareAlike 4.0 International License</a:t>
-            </a:r>
-            <a:endParaRPr sz="2400" b="0" i="0" u="none" strike="noStrike" cap="none">
-              <a:solidFill>
-                <a:schemeClr val="dk1"/>
-              </a:solidFill>
-              <a:latin typeface="Cabin"/>
-              <a:ea typeface="Cabin"/>
-              <a:cs typeface="Cabin"/>
-              <a:sym typeface="Cabin"/>
-            </a:endParaRPr>
-          </a:p>
-        </p:txBody>
-      </p:sp>
-      <p:pic>
-        <p:nvPicPr>
-          <p:cNvPr id="214" name="Shape 214"/>
-          <p:cNvPicPr preferRelativeResize="0"/>
-          <p:nvPr/>
-        </p:nvPicPr>
-        <p:blipFill rotWithShape="1">
-          <a:blip r:embed="rId5">
-            <a:alphaModFix/>
-          </a:blip>
-          <a:srcRect/>
-          <a:stretch/>
-        </p:blipFill>
-        <p:spPr>
-          <a:xfrm>
-            <a:off x="3486559" y="4035813"/>
-            <a:ext cx="2552700" cy="889000"/>
-          </a:xfrm>
-          <a:prstGeom prst="rect">
-            <a:avLst/>
-          </a:prstGeom>
-          <a:noFill/>
-          <a:ln>
-            <a:noFill/>
-          </a:ln>
-        </p:spPr>
-      </p:pic>
+            <a:endParaRPr lang="en-US" dirty="0"/>
+          </a:p>
+        </p:txBody>
+      </p:sp>
     </p:spTree>
     <p:extLst>
       <p:ext uri="{BB962C8B-B14F-4D97-AF65-F5344CB8AC3E}">
-        <p14:creationId xmlns:p14="http://schemas.microsoft.com/office/powerpoint/2010/main" val="4210231749"/>
+        <p14:creationId xmlns:p14="http://schemas.microsoft.com/office/powerpoint/2010/main" val="3332926395"/>
+      </p:ext>
+    </p:extLst>
+  </p:cSld>
+  <p:clrMapOvr>
+    <a:masterClrMapping/>
+  </p:clrMapOvr>
+</p:sld>
+</file>
+
+<file path=ppt/slides/slide9.xml><?xml version="1.0" encoding="utf-8"?>
+<p:sld xmlns:a="http://schemas.openxmlformats.org/drawingml/2006/main" xmlns:r="http://schemas.openxmlformats.org/officeDocument/2006/relationships" xmlns:p="http://schemas.openxmlformats.org/presentationml/2006/main">
+  <p:cSld>
+    <p:spTree>
+      <p:nvGrpSpPr>
+        <p:cNvPr id="1" name=""/>
+        <p:cNvGrpSpPr/>
+        <p:nvPr/>
+      </p:nvGrpSpPr>
+      <p:grpSpPr>
+        <a:xfrm>
+          <a:off x="0" y="0"/>
+          <a:ext cx="0" cy="0"/>
+          <a:chOff x="0" y="0"/>
+          <a:chExt cx="0" cy="0"/>
+        </a:xfrm>
+      </p:grpSpPr>
+      <p:sp>
+        <p:nvSpPr>
+          <p:cNvPr id="2" name="Title 1">
+            <a:extLst>
+              <a:ext uri="{FF2B5EF4-FFF2-40B4-BE49-F238E27FC236}">
+                <a16:creationId xmlns:a16="http://schemas.microsoft.com/office/drawing/2014/main" id="{D8F0C54E-DC39-7A1D-6F80-2C7D973AA758}"/>
+              </a:ext>
+            </a:extLst>
+          </p:cNvPr>
+          <p:cNvSpPr>
+            <a:spLocks noGrp="1"/>
+          </p:cNvSpPr>
+          <p:nvPr>
+            <p:ph type="title"/>
+          </p:nvPr>
+        </p:nvSpPr>
+        <p:spPr/>
+        <p:txBody>
+          <a:bodyPr/>
+          <a:lstStyle/>
+          <a:p>
+            <a:r>
+              <a:rPr lang="en-US" dirty="0"/>
+              <a:t>SAMPLE JUDGE QUESTIONS</a:t>
+            </a:r>
+          </a:p>
+        </p:txBody>
+      </p:sp>
+      <p:sp>
+        <p:nvSpPr>
+          <p:cNvPr id="3" name="Content Placeholder 2">
+            <a:extLst>
+              <a:ext uri="{FF2B5EF4-FFF2-40B4-BE49-F238E27FC236}">
+                <a16:creationId xmlns:a16="http://schemas.microsoft.com/office/drawing/2014/main" id="{CC72BFF5-ADE6-58DD-5B60-8179F2288142}"/>
+              </a:ext>
+            </a:extLst>
+          </p:cNvPr>
+          <p:cNvSpPr>
+            <a:spLocks noGrp="1"/>
+          </p:cNvSpPr>
+          <p:nvPr>
+            <p:ph idx="1"/>
+          </p:nvPr>
+        </p:nvSpPr>
+        <p:spPr>
+          <a:xfrm>
+            <a:off x="448091" y="1505583"/>
+            <a:ext cx="8238707" cy="4664942"/>
+          </a:xfrm>
+        </p:spPr>
+        <p:txBody>
+          <a:bodyPr>
+            <a:normAutofit fontScale="92500" lnSpcReduction="20000"/>
+          </a:bodyPr>
+          <a:lstStyle/>
+          <a:p>
+            <a:r>
+              <a:rPr lang="en-US" sz="2400" dirty="0"/>
+              <a:t>Questions will focus on the rubric categories that the judge has not been able to complete during the rest of your judging session.</a:t>
+            </a:r>
+          </a:p>
+          <a:p>
+            <a:pPr lvl="1"/>
+            <a:r>
+              <a:rPr lang="en-US" sz="2000" dirty="0"/>
+              <a:t>Remember to include everyone and give multiple examples.</a:t>
+            </a:r>
+          </a:p>
+          <a:p>
+            <a:pPr lvl="1"/>
+            <a:r>
+              <a:rPr lang="en-US" sz="2000" dirty="0"/>
+              <a:t>Remember to go beyond just the robot game and innovation project where possible.</a:t>
+            </a:r>
+          </a:p>
+          <a:p>
+            <a:r>
+              <a:rPr lang="en-US" sz="2400" dirty="0"/>
+              <a:t>Describe a challenge your team faced this season and how you overcame it. </a:t>
+            </a:r>
+          </a:p>
+          <a:p>
+            <a:r>
+              <a:rPr lang="en-US" sz="2400" dirty="0"/>
+              <a:t>What was something your team did for fun?</a:t>
+            </a:r>
+          </a:p>
+          <a:p>
+            <a:r>
+              <a:rPr lang="en-US" sz="2400" dirty="0"/>
+              <a:t>Did you have any disagreements this season? How did you resolve it?</a:t>
+            </a:r>
+          </a:p>
+          <a:p>
+            <a:r>
+              <a:rPr lang="en-US" sz="2400" dirty="0"/>
+              <a:t>What is one thing you learned this season?</a:t>
+            </a:r>
+          </a:p>
+          <a:p>
+            <a:r>
+              <a:rPr lang="en-US" sz="2400" dirty="0"/>
+              <a:t>Did you have the opportunity to collaborate with or help another team?</a:t>
+            </a:r>
+          </a:p>
+        </p:txBody>
+      </p:sp>
+      <p:sp>
+        <p:nvSpPr>
+          <p:cNvPr id="4" name="Footer Placeholder 3">
+            <a:extLst>
+              <a:ext uri="{FF2B5EF4-FFF2-40B4-BE49-F238E27FC236}">
+                <a16:creationId xmlns:a16="http://schemas.microsoft.com/office/drawing/2014/main" id="{BC8166A2-33C1-FF25-B1C1-CFF4707CB61A}"/>
+              </a:ext>
+            </a:extLst>
+          </p:cNvPr>
+          <p:cNvSpPr>
+            <a:spLocks noGrp="1"/>
+          </p:cNvSpPr>
+          <p:nvPr>
+            <p:ph type="ftr" sz="quarter" idx="11"/>
+          </p:nvPr>
+        </p:nvSpPr>
+        <p:spPr/>
+        <p:txBody>
+          <a:bodyPr/>
+          <a:lstStyle/>
+          <a:p>
+            <a:r>
+              <a:rPr lang="en-US"/>
+              <a:t>Copyright 2023, FLLTutorials.com. Last Update 5/29/2023</a:t>
+            </a:r>
+            <a:endParaRPr lang="en-US" dirty="0"/>
+          </a:p>
+        </p:txBody>
+      </p:sp>
+      <p:sp>
+        <p:nvSpPr>
+          <p:cNvPr id="5" name="Slide Number Placeholder 4">
+            <a:extLst>
+              <a:ext uri="{FF2B5EF4-FFF2-40B4-BE49-F238E27FC236}">
+                <a16:creationId xmlns:a16="http://schemas.microsoft.com/office/drawing/2014/main" id="{F196F146-5DF5-7B89-6717-B98F357141DE}"/>
+              </a:ext>
+            </a:extLst>
+          </p:cNvPr>
+          <p:cNvSpPr>
+            <a:spLocks noGrp="1"/>
+          </p:cNvSpPr>
+          <p:nvPr>
+            <p:ph type="sldNum" sz="quarter" idx="12"/>
+          </p:nvPr>
+        </p:nvSpPr>
+        <p:spPr/>
+        <p:txBody>
+          <a:bodyPr/>
+          <a:lstStyle/>
+          <a:p>
+            <a:fld id="{D57F1E4F-1CFF-5643-939E-217C01CDF565}" type="slidenum">
+              <a:rPr lang="en-US" smtClean="0"/>
+              <a:pPr/>
+              <a:t>9</a:t>
+            </a:fld>
+            <a:endParaRPr lang="en-US" dirty="0"/>
+          </a:p>
+        </p:txBody>
+      </p:sp>
+    </p:spTree>
+    <p:extLst>
+      <p:ext uri="{BB962C8B-B14F-4D97-AF65-F5344CB8AC3E}">
+        <p14:creationId xmlns:p14="http://schemas.microsoft.com/office/powerpoint/2010/main" val="4020046001"/>
       </p:ext>
     </p:extLst>
   </p:cSld>

--- a/translations/en-us/CoreValues/CVJudging.pptx
+++ b/translations/en-us/CoreValues/CVJudging.pptx
@@ -206,7 +206,7 @@
           <a:p>
             <a:fld id="{C528CD71-4833-D241-9C24-E07BA428460D}" type="datetimeFigureOut">
               <a:rPr lang="en-US" smtClean="0"/>
-              <a:t>5/29/23</a:t>
+              <a:t>8/4/23</a:t>
             </a:fld>
             <a:endParaRPr lang="en-US"/>
           </a:p>
@@ -1476,7 +1476,7 @@
             </a:r>
             <a:fld id="{B0599773-11A5-944D-8FFA-F86809759A4D}" type="datetime1">
               <a:rPr lang="en-US" smtClean="0"/>
-              <a:t>5/29/23</a:t>
+              <a:t>8/4/23</a:t>
             </a:fld>
             <a:endParaRPr lang="en-US" dirty="0"/>
           </a:p>
@@ -1787,7 +1787,7 @@
           <a:p>
             <a:fld id="{BECF15BF-D8D0-7547-BB28-51661AFF6544}" type="datetime1">
               <a:rPr lang="en-US" smtClean="0"/>
-              <a:t>5/29/23</a:t>
+              <a:t>8/4/23</a:t>
             </a:fld>
             <a:endParaRPr lang="en-US" dirty="0"/>
           </a:p>
@@ -2046,7 +2046,7 @@
           <a:p>
             <a:fld id="{5EAF1571-E5EE-0044-B688-7B99D4F5EAC9}" type="datetime1">
               <a:rPr lang="en-US" smtClean="0"/>
-              <a:t>5/29/23</a:t>
+              <a:t>8/4/23</a:t>
             </a:fld>
             <a:endParaRPr lang="en-US" dirty="0"/>
           </a:p>
@@ -2341,7 +2341,7 @@
             </a:r>
             <a:fld id="{47FED357-F72D-6E4C-BE3D-29F42CF1AAC0}" type="datetime1">
               <a:rPr lang="en-US" smtClean="0"/>
-              <a:t>5/29/23</a:t>
+              <a:t>8/4/23</a:t>
             </a:fld>
             <a:endParaRPr lang="en-US" dirty="0"/>
           </a:p>
@@ -2795,7 +2795,7 @@
             <a:fld id="{B61BEF0D-F0BB-DE4B-95CE-6DB70DBA9567}" type="datetimeFigureOut">
               <a:rPr lang="en-US" smtClean="0"/>
               <a:pPr/>
-              <a:t>5/29/23</a:t>
+              <a:t>8/4/23</a:t>
             </a:fld>
             <a:endParaRPr lang="en-US" dirty="0"/>
           </a:p>
@@ -3301,7 +3301,7 @@
           <a:p>
             <a:fld id="{2A58A400-2A48-2C41-9893-6F2940CBC17D}" type="datetime1">
               <a:rPr lang="en-US" smtClean="0"/>
-              <a:t>5/29/23</a:t>
+              <a:t>8/4/23</a:t>
             </a:fld>
             <a:endParaRPr lang="en-US" dirty="0"/>
           </a:p>
@@ -3751,7 +3751,7 @@
           <a:p>
             <a:fld id="{2A58FEA2-5998-FB4A-B4B9-5BE8E7226281}" type="datetime1">
               <a:rPr lang="en-US" smtClean="0"/>
-              <a:t>5/29/23</a:t>
+              <a:t>8/4/23</a:t>
             </a:fld>
             <a:endParaRPr lang="en-US" dirty="0"/>
           </a:p>
@@ -3937,7 +3937,7 @@
           <a:p>
             <a:fld id="{BCBDF66C-1B4D-A540-BF9A-9F0A78123139}" type="datetime1">
               <a:rPr lang="en-US" smtClean="0"/>
-              <a:t>5/29/23</a:t>
+              <a:t>8/4/23</a:t>
             </a:fld>
             <a:endParaRPr lang="en-US" dirty="0"/>
           </a:p>
@@ -4069,7 +4069,7 @@
           <a:p>
             <a:fld id="{278540D9-4CD3-C64D-8BFE-A43F289C7C50}" type="datetime1">
               <a:rPr lang="en-US" smtClean="0"/>
-              <a:t>5/29/23</a:t>
+              <a:t>8/4/23</a:t>
             </a:fld>
             <a:endParaRPr lang="en-US" dirty="0"/>
           </a:p>
@@ -4476,7 +4476,7 @@
           <a:p>
             <a:fld id="{81816BA6-22FC-7643-9B94-074ACF885DDE}" type="datetime1">
               <a:rPr lang="en-US" smtClean="0"/>
-              <a:t>5/29/23</a:t>
+              <a:t>8/4/23</a:t>
             </a:fld>
             <a:endParaRPr lang="en-US" dirty="0"/>
           </a:p>
@@ -4794,7 +4794,7 @@
           <a:p>
             <a:fld id="{446FCB52-0199-1646-B4EA-AB538ADB02C3}" type="datetime1">
               <a:rPr lang="en-US" smtClean="0"/>
-              <a:t>5/29/23</a:t>
+              <a:t>8/4/23</a:t>
             </a:fld>
             <a:endParaRPr lang="en-US" dirty="0"/>
           </a:p>
@@ -5154,7 +5154,7 @@
             </a:r>
             <a:fld id="{FAA321E8-DDA5-504D-8DAC-E0DBE3176D51}" type="datetime1">
               <a:rPr lang="en-US" smtClean="0"/>
-              <a:t>5/29/23</a:t>
+              <a:t>8/4/23</a:t>
             </a:fld>
             <a:endParaRPr lang="en-US" dirty="0"/>
           </a:p>
@@ -6878,10 +6878,10 @@
       </p:sp>
       <p:pic>
         <p:nvPicPr>
-          <p:cNvPr id="7" name="Picture 6" descr="Chart&#10;&#10;Description automatically generated with low confidence">
+          <p:cNvPr id="4" name="Picture 3" descr="A diagram of a team&#10;&#10;Description automatically generated">
             <a:extLst>
               <a:ext uri="{FF2B5EF4-FFF2-40B4-BE49-F238E27FC236}">
-                <a16:creationId xmlns:a16="http://schemas.microsoft.com/office/drawing/2014/main" id="{87F3C499-C6A7-2D4D-6A93-648916FB0FA9}"/>
+                <a16:creationId xmlns:a16="http://schemas.microsoft.com/office/drawing/2014/main" id="{C3E9A195-9658-E05A-1595-BDCF2CF7B532}"/>
               </a:ext>
             </a:extLst>
           </p:cNvPr>
@@ -6898,8 +6898,8 @@
         </p:blipFill>
         <p:spPr>
           <a:xfrm>
-            <a:off x="5000014" y="1505560"/>
-            <a:ext cx="3852711" cy="5169877"/>
+            <a:off x="4973388" y="1505583"/>
+            <a:ext cx="3722520" cy="5029200"/>
           </a:xfrm>
           <a:prstGeom prst="rect">
             <a:avLst/>
@@ -7019,7 +7019,7 @@
             </a:pPr>
             <a:r>
               <a:rPr lang="en-US" sz="2400" dirty="0"/>
-              <a:t>Core Values judging is a lot of fun. It is your team’s chance to share its identity.  </a:t>
+              <a:t>Share your goals and why being a part of FIRST is important to you. </a:t>
             </a:r>
           </a:p>
           <a:p>
@@ -7033,24 +7033,63 @@
               <a:buSzPts val="2208"/>
             </a:pPr>
             <a:r>
-              <a:rPr lang="en-US" sz="2400" dirty="0"/>
-              <a:t>It is your chance to share your team goals and why being a part of FLL is important to you. These are some things you can cover in the Team Welcome.</a:t>
-            </a:r>
-            <a:endParaRPr sz="2400" dirty="0"/>
-          </a:p>
-          <a:p>
-            <a:pPr marL="0" marR="0" lvl="0" indent="0" algn="l" rtl="0">
+              <a:rPr lang="en-US" sz="2400" b="0" i="0" u="none" strike="noStrike" cap="none" dirty="0">
+                <a:solidFill>
+                  <a:schemeClr val="dk2"/>
+                </a:solidFill>
+                <a:latin typeface="Cabin"/>
+                <a:ea typeface="Cabin"/>
+                <a:cs typeface="Cabin"/>
+                <a:sym typeface="Cabin"/>
+              </a:rPr>
+              <a:t>Share </a:t>
+            </a:r>
+            <a:r>
+              <a:rPr lang="en-US" sz="2400" dirty="0">
+                <a:solidFill>
+                  <a:schemeClr val="dk2"/>
+                </a:solidFill>
+                <a:latin typeface="Cabin"/>
+                <a:ea typeface="Cabin"/>
+                <a:cs typeface="Cabin"/>
+                <a:sym typeface="Cabin"/>
+              </a:rPr>
+              <a:t>your team’s identity.</a:t>
+            </a:r>
+          </a:p>
+          <a:p>
+            <a:pPr marL="342900" lvl="1" indent="-342900">
               <a:spcBef>
                 <a:spcPts val="0"/>
               </a:spcBef>
               <a:spcAft>
                 <a:spcPts val="0"/>
               </a:spcAft>
-              <a:buNone/>
+              <a:buSzPts val="2208"/>
             </a:pPr>
             <a:r>
-              <a:rPr lang="en-US" sz="2400" dirty="0"/>
-              <a:t> </a:t>
+              <a:rPr lang="en-US" sz="2400" b="0" i="0" u="none" strike="noStrike" cap="none" dirty="0">
+                <a:solidFill>
+                  <a:schemeClr val="dk2"/>
+                </a:solidFill>
+                <a:latin typeface="Cabin"/>
+                <a:ea typeface="Cabin"/>
+                <a:cs typeface="Cabin"/>
+                <a:sym typeface="Cabin"/>
+              </a:rPr>
+              <a:t>Share specific (and multiple) examples of how your </a:t>
+            </a:r>
+            <a:r>
+              <a:rPr lang="en-US" sz="2400" dirty="0">
+                <a:solidFill>
+                  <a:schemeClr val="dk2"/>
+                </a:solidFill>
+                <a:latin typeface="Cabin"/>
+                <a:ea typeface="Cabin"/>
+                <a:cs typeface="Cabin"/>
+                <a:sym typeface="Cabin"/>
+              </a:rPr>
+              <a:t>team used the Core Values all season.</a:t>
             </a:r>
             <a:endParaRPr sz="2400" b="0" i="0" u="none" strike="noStrike" cap="none" dirty="0">
               <a:solidFill>
@@ -7456,10 +7495,10 @@
       </p:sp>
       <p:pic>
         <p:nvPicPr>
-          <p:cNvPr id="4" name="Picture 3" descr="Chart, bar chart&#10;&#10;Description automatically generated">
+          <p:cNvPr id="5" name="Picture 4" descr="A pink and white survey&#10;&#10;Description automatically generated">
             <a:extLst>
               <a:ext uri="{FF2B5EF4-FFF2-40B4-BE49-F238E27FC236}">
-                <a16:creationId xmlns:a16="http://schemas.microsoft.com/office/drawing/2014/main" id="{274CD818-838F-BEC8-D89E-678EAF11ED71}"/>
+                <a16:creationId xmlns:a16="http://schemas.microsoft.com/office/drawing/2014/main" id="{186D73BF-F132-4298-F5E9-74763B015175}"/>
               </a:ext>
             </a:extLst>
           </p:cNvPr>
@@ -7468,15 +7507,16 @@
           </p:cNvPicPr>
           <p:nvPr/>
         </p:nvPicPr>
-        <p:blipFill rotWithShape="1">
+        <p:blipFill>
           <a:blip r:embed="rId3"/>
-          <a:srcRect r="26728"/>
-          <a:stretch/>
+          <a:stretch>
+            <a:fillRect/>
+          </a:stretch>
         </p:blipFill>
         <p:spPr>
           <a:xfrm>
-            <a:off x="5006169" y="2006767"/>
-            <a:ext cx="3564775" cy="3350846"/>
+            <a:off x="4908684" y="2426690"/>
+            <a:ext cx="3787225" cy="2607792"/>
           </a:xfrm>
           <a:prstGeom prst="rect">
             <a:avLst/>
@@ -7587,7 +7627,7 @@
             </a:pPr>
             <a:r>
               <a:rPr lang="en-US" sz="2400" dirty="0"/>
-              <a:t>You may create a Core Values Poster to help you remember your season or as a visual for your judges.</a:t>
+              <a:t>Some teams create a Core Values Poster to help you remember your season or as a visual for your judges.</a:t>
             </a:r>
           </a:p>
           <a:p>
@@ -7602,7 +7642,7 @@
             </a:pPr>
             <a:r>
               <a:rPr lang="en-US" sz="2400" dirty="0"/>
-              <a:t>You may also consider a Core Values Journal where you document your team’s activities </a:t>
+              <a:t>Some teams create Core Values Journal where you document your team’s activities </a:t>
             </a:r>
           </a:p>
         </p:txBody>

--- a/translations/en-us/CoreValues/CVJudging.pptx
+++ b/translations/en-us/CoreValues/CVJudging.pptx
@@ -5,19 +5,16 @@
     <p:sldMasterId id="2147483672" r:id="rId1"/>
   </p:sldMasterIdLst>
   <p:notesMasterIdLst>
-    <p:notesMasterId r:id="rId12"/>
+    <p:notesMasterId r:id="rId9"/>
   </p:notesMasterIdLst>
   <p:sldIdLst>
     <p:sldId id="256" r:id="rId2"/>
-    <p:sldId id="397" r:id="rId3"/>
-    <p:sldId id="398" r:id="rId4"/>
-    <p:sldId id="257" r:id="rId5"/>
-    <p:sldId id="263" r:id="rId6"/>
-    <p:sldId id="258" r:id="rId7"/>
-    <p:sldId id="259" r:id="rId8"/>
-    <p:sldId id="399" r:id="rId9"/>
-    <p:sldId id="400" r:id="rId10"/>
-    <p:sldId id="267" r:id="rId11"/>
+    <p:sldId id="398" r:id="rId3"/>
+    <p:sldId id="257" r:id="rId4"/>
+    <p:sldId id="401" r:id="rId5"/>
+    <p:sldId id="402" r:id="rId6"/>
+    <p:sldId id="403" r:id="rId7"/>
+    <p:sldId id="267" r:id="rId8"/>
   </p:sldIdLst>
   <p:sldSz cx="9144000" cy="6858000" type="screen4x3"/>
   <p:notesSz cx="6858000" cy="9144000"/>
@@ -206,7 +203,7 @@
           <a:p>
             <a:fld id="{C528CD71-4833-D241-9C24-E07BA428460D}" type="datetimeFigureOut">
               <a:rPr lang="en-US" smtClean="0"/>
-              <a:t>8/4/23</a:t>
+              <a:t>8/6/24</a:t>
             </a:fld>
             <a:endParaRPr lang="en-US"/>
           </a:p>
@@ -696,425 +693,6 @@
   <p:cSld>
     <p:spTree>
       <p:nvGrpSpPr>
-        <p:cNvPr id="1" name="Shape 165"/>
-        <p:cNvGrpSpPr/>
-        <p:nvPr/>
-      </p:nvGrpSpPr>
-      <p:grpSpPr>
-        <a:xfrm>
-          <a:off x="0" y="0"/>
-          <a:ext cx="0" cy="0"/>
-          <a:chOff x="0" y="0"/>
-          <a:chExt cx="0" cy="0"/>
-        </a:xfrm>
-      </p:grpSpPr>
-      <p:sp>
-        <p:nvSpPr>
-          <p:cNvPr id="166" name="Shape 166"/>
-          <p:cNvSpPr>
-            <a:spLocks noGrp="1" noRot="1" noChangeAspect="1"/>
-          </p:cNvSpPr>
-          <p:nvPr>
-            <p:ph type="sldImg" idx="2"/>
-          </p:nvPr>
-        </p:nvSpPr>
-        <p:spPr>
-          <a:xfrm>
-            <a:off x="1371600" y="1143000"/>
-            <a:ext cx="4114800" cy="3086100"/>
-          </a:xfrm>
-          <a:custGeom>
-            <a:avLst/>
-            <a:gdLst/>
-            <a:ahLst/>
-            <a:cxnLst/>
-            <a:rect l="0" t="0" r="0" b="0"/>
-            <a:pathLst>
-              <a:path w="120000" h="120000" extrusionOk="0">
-                <a:moveTo>
-                  <a:pt x="0" y="0"/>
-                </a:moveTo>
-                <a:lnTo>
-                  <a:pt x="120000" y="0"/>
-                </a:lnTo>
-                <a:lnTo>
-                  <a:pt x="120000" y="120000"/>
-                </a:lnTo>
-                <a:lnTo>
-                  <a:pt x="0" y="120000"/>
-                </a:lnTo>
-                <a:close/>
-              </a:path>
-            </a:pathLst>
-          </a:custGeom>
-        </p:spPr>
-      </p:sp>
-      <p:sp>
-        <p:nvSpPr>
-          <p:cNvPr id="167" name="Shape 167"/>
-          <p:cNvSpPr txBox="1">
-            <a:spLocks noGrp="1"/>
-          </p:cNvSpPr>
-          <p:nvPr>
-            <p:ph type="body" idx="1"/>
-          </p:nvPr>
-        </p:nvSpPr>
-        <p:spPr>
-          <a:xfrm>
-            <a:off x="685800" y="4400550"/>
-            <a:ext cx="5486400" cy="3600600"/>
-          </a:xfrm>
-          <a:prstGeom prst="rect">
-            <a:avLst/>
-          </a:prstGeom>
-        </p:spPr>
-        <p:txBody>
-          <a:bodyPr spcFirstLastPara="1" wrap="square" lIns="91425" tIns="45700" rIns="91425" bIns="45700" anchor="t" anchorCtr="0">
-            <a:noAutofit/>
-          </a:bodyPr>
-          <a:lstStyle/>
-          <a:p>
-            <a:pPr marL="0" lvl="0" indent="0">
-              <a:spcBef>
-                <a:spcPts val="0"/>
-              </a:spcBef>
-              <a:spcAft>
-                <a:spcPts val="0"/>
-              </a:spcAft>
-              <a:buNone/>
-            </a:pPr>
-            <a:endParaRPr/>
-          </a:p>
-        </p:txBody>
-      </p:sp>
-      <p:sp>
-        <p:nvSpPr>
-          <p:cNvPr id="168" name="Shape 168"/>
-          <p:cNvSpPr txBox="1">
-            <a:spLocks noGrp="1"/>
-          </p:cNvSpPr>
-          <p:nvPr>
-            <p:ph type="sldNum" idx="12"/>
-          </p:nvPr>
-        </p:nvSpPr>
-        <p:spPr>
-          <a:xfrm>
-            <a:off x="3884613" y="8685213"/>
-            <a:ext cx="2971800" cy="458700"/>
-          </a:xfrm>
-          <a:prstGeom prst="rect">
-            <a:avLst/>
-          </a:prstGeom>
-        </p:spPr>
-        <p:txBody>
-          <a:bodyPr spcFirstLastPara="1" wrap="square" lIns="91425" tIns="45700" rIns="91425" bIns="45700" anchor="b" anchorCtr="0">
-            <a:noAutofit/>
-          </a:bodyPr>
-          <a:lstStyle/>
-          <a:p>
-            <a:pPr marL="0" lvl="0" indent="0">
-              <a:spcBef>
-                <a:spcPts val="0"/>
-              </a:spcBef>
-              <a:spcAft>
-                <a:spcPts val="0"/>
-              </a:spcAft>
-              <a:buClr>
-                <a:srgbClr val="000000"/>
-              </a:buClr>
-              <a:buFont typeface="Arial"/>
-              <a:buNone/>
-            </a:pPr>
-            <a:fld id="{00000000-1234-1234-1234-123412341234}" type="slidenum">
-              <a:rPr lang="en-US"/>
-              <a:t>5</a:t>
-            </a:fld>
-            <a:endParaRPr/>
-          </a:p>
-        </p:txBody>
-      </p:sp>
-    </p:spTree>
-    <p:extLst>
-      <p:ext uri="{BB962C8B-B14F-4D97-AF65-F5344CB8AC3E}">
-        <p14:creationId xmlns:p14="http://schemas.microsoft.com/office/powerpoint/2010/main" val="1363545963"/>
-      </p:ext>
-    </p:extLst>
-  </p:cSld>
-  <p:clrMapOvr>
-    <a:masterClrMapping/>
-  </p:clrMapOvr>
-</p:notes>
-</file>
-
-<file path=ppt/notesSlides/notesSlide4.xml><?xml version="1.0" encoding="utf-8"?>
-<p:notes xmlns:a="http://schemas.openxmlformats.org/drawingml/2006/main" xmlns:r="http://schemas.openxmlformats.org/officeDocument/2006/relationships" xmlns:p="http://schemas.openxmlformats.org/presentationml/2006/main" showMasterSp="0" showMasterPhAnim="0">
-  <p:cSld>
-    <p:spTree>
-      <p:nvGrpSpPr>
-        <p:cNvPr id="1" name="Shape 114"/>
-        <p:cNvGrpSpPr/>
-        <p:nvPr/>
-      </p:nvGrpSpPr>
-      <p:grpSpPr>
-        <a:xfrm>
-          <a:off x="0" y="0"/>
-          <a:ext cx="0" cy="0"/>
-          <a:chOff x="0" y="0"/>
-          <a:chExt cx="0" cy="0"/>
-        </a:xfrm>
-      </p:grpSpPr>
-      <p:sp>
-        <p:nvSpPr>
-          <p:cNvPr id="115" name="Shape 115"/>
-          <p:cNvSpPr>
-            <a:spLocks noGrp="1" noRot="1" noChangeAspect="1"/>
-          </p:cNvSpPr>
-          <p:nvPr>
-            <p:ph type="sldImg" idx="2"/>
-          </p:nvPr>
-        </p:nvSpPr>
-        <p:spPr>
-          <a:xfrm>
-            <a:off x="1371600" y="1143000"/>
-            <a:ext cx="4114800" cy="3086100"/>
-          </a:xfrm>
-          <a:custGeom>
-            <a:avLst/>
-            <a:gdLst/>
-            <a:ahLst/>
-            <a:cxnLst/>
-            <a:rect l="0" t="0" r="0" b="0"/>
-            <a:pathLst>
-              <a:path w="120000" h="120000" extrusionOk="0">
-                <a:moveTo>
-                  <a:pt x="0" y="0"/>
-                </a:moveTo>
-                <a:lnTo>
-                  <a:pt x="120000" y="0"/>
-                </a:lnTo>
-                <a:lnTo>
-                  <a:pt x="120000" y="120000"/>
-                </a:lnTo>
-                <a:lnTo>
-                  <a:pt x="0" y="120000"/>
-                </a:lnTo>
-                <a:close/>
-              </a:path>
-            </a:pathLst>
-          </a:custGeom>
-        </p:spPr>
-      </p:sp>
-      <p:sp>
-        <p:nvSpPr>
-          <p:cNvPr id="116" name="Shape 116"/>
-          <p:cNvSpPr txBox="1">
-            <a:spLocks noGrp="1"/>
-          </p:cNvSpPr>
-          <p:nvPr>
-            <p:ph type="body" idx="1"/>
-          </p:nvPr>
-        </p:nvSpPr>
-        <p:spPr>
-          <a:xfrm>
-            <a:off x="685800" y="4400550"/>
-            <a:ext cx="5486400" cy="3600600"/>
-          </a:xfrm>
-          <a:prstGeom prst="rect">
-            <a:avLst/>
-          </a:prstGeom>
-        </p:spPr>
-        <p:txBody>
-          <a:bodyPr spcFirstLastPara="1" wrap="square" lIns="91425" tIns="45700" rIns="91425" bIns="45700" anchor="t" anchorCtr="0">
-            <a:noAutofit/>
-          </a:bodyPr>
-          <a:lstStyle/>
-          <a:p>
-            <a:pPr marL="0" lvl="0" indent="0">
-              <a:spcBef>
-                <a:spcPts val="0"/>
-              </a:spcBef>
-              <a:spcAft>
-                <a:spcPts val="0"/>
-              </a:spcAft>
-              <a:buNone/>
-            </a:pPr>
-            <a:endParaRPr/>
-          </a:p>
-        </p:txBody>
-      </p:sp>
-      <p:sp>
-        <p:nvSpPr>
-          <p:cNvPr id="117" name="Shape 117"/>
-          <p:cNvSpPr txBox="1">
-            <a:spLocks noGrp="1"/>
-          </p:cNvSpPr>
-          <p:nvPr>
-            <p:ph type="sldNum" idx="12"/>
-          </p:nvPr>
-        </p:nvSpPr>
-        <p:spPr>
-          <a:xfrm>
-            <a:off x="3884613" y="8685213"/>
-            <a:ext cx="2971800" cy="458700"/>
-          </a:xfrm>
-          <a:prstGeom prst="rect">
-            <a:avLst/>
-          </a:prstGeom>
-        </p:spPr>
-        <p:txBody>
-          <a:bodyPr spcFirstLastPara="1" wrap="square" lIns="91425" tIns="45700" rIns="91425" bIns="45700" anchor="b" anchorCtr="0">
-            <a:noAutofit/>
-          </a:bodyPr>
-          <a:lstStyle/>
-          <a:p>
-            <a:pPr marL="0" lvl="0" indent="0">
-              <a:spcBef>
-                <a:spcPts val="0"/>
-              </a:spcBef>
-              <a:spcAft>
-                <a:spcPts val="0"/>
-              </a:spcAft>
-              <a:buClr>
-                <a:srgbClr val="000000"/>
-              </a:buClr>
-              <a:buFont typeface="Arial"/>
-              <a:buNone/>
-            </a:pPr>
-            <a:fld id="{00000000-1234-1234-1234-123412341234}" type="slidenum">
-              <a:rPr lang="en-US"/>
-              <a:t>6</a:t>
-            </a:fld>
-            <a:endParaRPr/>
-          </a:p>
-        </p:txBody>
-      </p:sp>
-    </p:spTree>
-    <p:extLst>
-      <p:ext uri="{BB962C8B-B14F-4D97-AF65-F5344CB8AC3E}">
-        <p14:creationId xmlns:p14="http://schemas.microsoft.com/office/powerpoint/2010/main" val="4214852277"/>
-      </p:ext>
-    </p:extLst>
-  </p:cSld>
-  <p:clrMapOvr>
-    <a:masterClrMapping/>
-  </p:clrMapOvr>
-</p:notes>
-</file>
-
-<file path=ppt/notesSlides/notesSlide5.xml><?xml version="1.0" encoding="utf-8"?>
-<p:notes xmlns:a="http://schemas.openxmlformats.org/drawingml/2006/main" xmlns:r="http://schemas.openxmlformats.org/officeDocument/2006/relationships" xmlns:p="http://schemas.openxmlformats.org/presentationml/2006/main" showMasterSp="0" showMasterPhAnim="0">
-  <p:cSld>
-    <p:spTree>
-      <p:nvGrpSpPr>
-        <p:cNvPr id="1" name="Shape 123"/>
-        <p:cNvGrpSpPr/>
-        <p:nvPr/>
-      </p:nvGrpSpPr>
-      <p:grpSpPr>
-        <a:xfrm>
-          <a:off x="0" y="0"/>
-          <a:ext cx="0" cy="0"/>
-          <a:chOff x="0" y="0"/>
-          <a:chExt cx="0" cy="0"/>
-        </a:xfrm>
-      </p:grpSpPr>
-      <p:sp>
-        <p:nvSpPr>
-          <p:cNvPr id="124" name="Shape 124"/>
-          <p:cNvSpPr txBox="1">
-            <a:spLocks noGrp="1"/>
-          </p:cNvSpPr>
-          <p:nvPr>
-            <p:ph type="body" idx="1"/>
-          </p:nvPr>
-        </p:nvSpPr>
-        <p:spPr>
-          <a:xfrm>
-            <a:off x="685800" y="4400550"/>
-            <a:ext cx="5486400" cy="3600450"/>
-          </a:xfrm>
-          <a:prstGeom prst="rect">
-            <a:avLst/>
-          </a:prstGeom>
-        </p:spPr>
-        <p:txBody>
-          <a:bodyPr spcFirstLastPara="1" wrap="square" lIns="91425" tIns="45700" rIns="91425" bIns="45700" anchor="t" anchorCtr="0">
-            <a:noAutofit/>
-          </a:bodyPr>
-          <a:lstStyle/>
-          <a:p>
-            <a:pPr marL="0" lvl="0" indent="0">
-              <a:spcBef>
-                <a:spcPts val="0"/>
-              </a:spcBef>
-              <a:spcAft>
-                <a:spcPts val="0"/>
-              </a:spcAft>
-              <a:buNone/>
-            </a:pPr>
-            <a:endParaRPr/>
-          </a:p>
-        </p:txBody>
-      </p:sp>
-      <p:sp>
-        <p:nvSpPr>
-          <p:cNvPr id="125" name="Shape 125"/>
-          <p:cNvSpPr>
-            <a:spLocks noGrp="1" noRot="1" noChangeAspect="1"/>
-          </p:cNvSpPr>
-          <p:nvPr>
-            <p:ph type="sldImg" idx="2"/>
-          </p:nvPr>
-        </p:nvSpPr>
-        <p:spPr>
-          <a:xfrm>
-            <a:off x="1371600" y="1143000"/>
-            <a:ext cx="4114800" cy="3086100"/>
-          </a:xfrm>
-          <a:custGeom>
-            <a:avLst/>
-            <a:gdLst/>
-            <a:ahLst/>
-            <a:cxnLst/>
-            <a:rect l="0" t="0" r="0" b="0"/>
-            <a:pathLst>
-              <a:path w="120000" h="120000" extrusionOk="0">
-                <a:moveTo>
-                  <a:pt x="0" y="0"/>
-                </a:moveTo>
-                <a:lnTo>
-                  <a:pt x="120000" y="0"/>
-                </a:lnTo>
-                <a:lnTo>
-                  <a:pt x="120000" y="120000"/>
-                </a:lnTo>
-                <a:lnTo>
-                  <a:pt x="0" y="120000"/>
-                </a:lnTo>
-                <a:close/>
-              </a:path>
-            </a:pathLst>
-          </a:custGeom>
-        </p:spPr>
-      </p:sp>
-    </p:spTree>
-    <p:extLst>
-      <p:ext uri="{BB962C8B-B14F-4D97-AF65-F5344CB8AC3E}">
-        <p14:creationId xmlns:p14="http://schemas.microsoft.com/office/powerpoint/2010/main" val="3488527951"/>
-      </p:ext>
-    </p:extLst>
-  </p:cSld>
-  <p:clrMapOvr>
-    <a:masterClrMapping/>
-  </p:clrMapOvr>
-</p:notes>
-</file>
-
-<file path=ppt/notesSlides/notesSlide6.xml><?xml version="1.0" encoding="utf-8"?>
-<p:notes xmlns:a="http://schemas.openxmlformats.org/drawingml/2006/main" xmlns:r="http://schemas.openxmlformats.org/officeDocument/2006/relationships" xmlns:p="http://schemas.openxmlformats.org/presentationml/2006/main" showMasterSp="0" showMasterPhAnim="0">
-  <p:cSld>
-    <p:spTree>
-      <p:nvGrpSpPr>
         <p:cNvPr id="1" name="Shape 204"/>
         <p:cNvGrpSpPr/>
         <p:nvPr/>
@@ -1474,9 +1052,9 @@
               <a:rPr lang="en-US"/>
               <a:t>: </a:t>
             </a:r>
-            <a:fld id="{B0599773-11A5-944D-8FFA-F86809759A4D}" type="datetime1">
+            <a:fld id="{CCC3A2DB-AE16-0C49-B3B2-3790064B655A}" type="datetime1">
               <a:rPr lang="en-US" smtClean="0"/>
-              <a:t>8/4/23</a:t>
+              <a:t>8/6/24</a:t>
             </a:fld>
             <a:endParaRPr lang="en-US" dirty="0"/>
           </a:p>
@@ -1518,7 +1096,7 @@
           <a:p>
             <a:r>
               <a:rPr lang="en-US"/>
-              <a:t>Copyright 2023, FLLTutorials.com. Last Update 5/29/2023</a:t>
+              <a:t>Copyright 2024, FLLTutorials.com. Last Update 8/06/2024</a:t>
             </a:r>
             <a:endParaRPr lang="en-US" dirty="0"/>
           </a:p>
@@ -1785,9 +1363,9 @@
           <a:bodyPr/>
           <a:lstStyle/>
           <a:p>
-            <a:fld id="{BECF15BF-D8D0-7547-BB28-51661AFF6544}" type="datetime1">
+            <a:fld id="{F26C277C-EB50-934B-900E-66DC5B8AA178}" type="datetime1">
               <a:rPr lang="en-US" smtClean="0"/>
-              <a:t>8/4/23</a:t>
+              <a:t>8/6/24</a:t>
             </a:fld>
             <a:endParaRPr lang="en-US" dirty="0"/>
           </a:p>
@@ -1818,7 +1396,7 @@
           <a:p>
             <a:r>
               <a:rPr lang="en-US"/>
-              <a:t>Copyright 2023, FLLTutorials.com. Last Update 5/29/2023</a:t>
+              <a:t>Copyright 2024, FLLTutorials.com. Last Update 8/06/2024</a:t>
             </a:r>
             <a:endParaRPr lang="en-US" dirty="0"/>
           </a:p>
@@ -2044,9 +1622,9 @@
             </a:lvl1pPr>
           </a:lstStyle>
           <a:p>
-            <a:fld id="{5EAF1571-E5EE-0044-B688-7B99D4F5EAC9}" type="datetime1">
+            <a:fld id="{6D3C26BC-6F1A-074A-A06A-7756C270E8A1}" type="datetime1">
               <a:rPr lang="en-US" smtClean="0"/>
-              <a:t>8/4/23</a:t>
+              <a:t>8/6/24</a:t>
             </a:fld>
             <a:endParaRPr lang="en-US" dirty="0"/>
           </a:p>
@@ -2077,7 +1655,7 @@
           <a:p>
             <a:r>
               <a:rPr lang="en-US"/>
-              <a:t>Copyright 2023, FLLTutorials.com. Last Update 5/29/2023</a:t>
+              <a:t>Copyright 2024, FLLTutorials.com. Last Update 8/06/2024</a:t>
             </a:r>
             <a:endParaRPr lang="en-US" dirty="0"/>
           </a:p>
@@ -2339,9 +1917,9 @@
               <a:rPr lang="en-US"/>
               <a:t>: </a:t>
             </a:r>
-            <a:fld id="{47FED357-F72D-6E4C-BE3D-29F42CF1AAC0}" type="datetime1">
+            <a:fld id="{7DB26844-D8DC-FB47-8E75-646374651EA3}" type="datetime1">
               <a:rPr lang="en-US" smtClean="0"/>
-              <a:t>8/4/23</a:t>
+              <a:t>8/6/24</a:t>
             </a:fld>
             <a:endParaRPr lang="en-US" dirty="0"/>
           </a:p>
@@ -2386,7 +1964,7 @@
           <a:p>
             <a:r>
               <a:rPr lang="en-US"/>
-              <a:t>Copyright 2023, FLLTutorials.com. Last Update 5/29/2023</a:t>
+              <a:t>Copyright 2024, FLLTutorials.com. Last Update 8/06/2024</a:t>
             </a:r>
             <a:endParaRPr lang="en-US" dirty="0"/>
           </a:p>
@@ -2795,7 +2373,7 @@
             <a:fld id="{B61BEF0D-F0BB-DE4B-95CE-6DB70DBA9567}" type="datetimeFigureOut">
               <a:rPr lang="en-US" smtClean="0"/>
               <a:pPr/>
-              <a:t>8/4/23</a:t>
+              <a:t>8/6/24</a:t>
             </a:fld>
             <a:endParaRPr lang="en-US" dirty="0"/>
           </a:p>
@@ -3299,9 +2877,9 @@
           <a:bodyPr/>
           <a:lstStyle/>
           <a:p>
-            <a:fld id="{2A58A400-2A48-2C41-9893-6F2940CBC17D}" type="datetime1">
+            <a:fld id="{D6A1C2E1-DB05-D244-8F2B-5D575892964B}" type="datetime1">
               <a:rPr lang="en-US" smtClean="0"/>
-              <a:t>8/4/23</a:t>
+              <a:t>8/6/24</a:t>
             </a:fld>
             <a:endParaRPr lang="en-US" dirty="0"/>
           </a:p>
@@ -3332,7 +2910,7 @@
           <a:p>
             <a:r>
               <a:rPr lang="en-US"/>
-              <a:t>Copyright 2023, FLLTutorials.com. Last Update 5/29/2023</a:t>
+              <a:t>Copyright 2024, FLLTutorials.com. Last Update 8/06/2024</a:t>
             </a:r>
             <a:endParaRPr lang="en-US" dirty="0"/>
           </a:p>
@@ -3749,9 +3327,9 @@
           <a:bodyPr/>
           <a:lstStyle/>
           <a:p>
-            <a:fld id="{2A58FEA2-5998-FB4A-B4B9-5BE8E7226281}" type="datetime1">
+            <a:fld id="{2AAECA69-5A4E-A94E-B1A1-E690BC82877D}" type="datetime1">
               <a:rPr lang="en-US" smtClean="0"/>
-              <a:t>8/4/23</a:t>
+              <a:t>8/6/24</a:t>
             </a:fld>
             <a:endParaRPr lang="en-US" dirty="0"/>
           </a:p>
@@ -3782,7 +3360,7 @@
           <a:p>
             <a:r>
               <a:rPr lang="en-US"/>
-              <a:t>Copyright 2023, FLLTutorials.com. Last Update 5/29/2023</a:t>
+              <a:t>Copyright 2024, FLLTutorials.com. Last Update 8/06/2024</a:t>
             </a:r>
             <a:endParaRPr lang="en-US" dirty="0"/>
           </a:p>
@@ -3935,9 +3513,9 @@
           <a:bodyPr/>
           <a:lstStyle/>
           <a:p>
-            <a:fld id="{BCBDF66C-1B4D-A540-BF9A-9F0A78123139}" type="datetime1">
+            <a:fld id="{A237DF9A-6979-404E-9288-DA547BF618F1}" type="datetime1">
               <a:rPr lang="en-US" smtClean="0"/>
-              <a:t>8/4/23</a:t>
+              <a:t>8/6/24</a:t>
             </a:fld>
             <a:endParaRPr lang="en-US" dirty="0"/>
           </a:p>
@@ -3972,7 +3550,7 @@
           <a:p>
             <a:r>
               <a:rPr lang="en-US"/>
-              <a:t>Copyright 2023, FLLTutorials.com. Last Update 5/29/2023</a:t>
+              <a:t>Copyright 2024, FLLTutorials.com. Last Update 8/06/2024</a:t>
             </a:r>
             <a:endParaRPr lang="en-US" dirty="0"/>
           </a:p>
@@ -4067,9 +3645,9 @@
           <a:bodyPr/>
           <a:lstStyle/>
           <a:p>
-            <a:fld id="{278540D9-4CD3-C64D-8BFE-A43F289C7C50}" type="datetime1">
+            <a:fld id="{134A131B-9CD8-AF4D-A442-270FE8479F8F}" type="datetime1">
               <a:rPr lang="en-US" smtClean="0"/>
-              <a:t>8/4/23</a:t>
+              <a:t>8/6/24</a:t>
             </a:fld>
             <a:endParaRPr lang="en-US" dirty="0"/>
           </a:p>
@@ -4100,7 +3678,7 @@
           <a:p>
             <a:r>
               <a:rPr lang="en-US"/>
-              <a:t>Copyright 2023, FLLTutorials.com. Last Update 5/29/2023</a:t>
+              <a:t>Copyright 2024, FLLTutorials.com. Last Update 8/06/2024</a:t>
             </a:r>
             <a:endParaRPr lang="en-US" dirty="0"/>
           </a:p>
@@ -4474,9 +4052,9 @@
             </a:lvl1pPr>
           </a:lstStyle>
           <a:p>
-            <a:fld id="{81816BA6-22FC-7643-9B94-074ACF885DDE}" type="datetime1">
+            <a:fld id="{BC8B572F-F240-C74A-9166-98BDDBE3DA2F}" type="datetime1">
               <a:rPr lang="en-US" smtClean="0"/>
-              <a:t>8/4/23</a:t>
+              <a:t>8/6/24</a:t>
             </a:fld>
             <a:endParaRPr lang="en-US" dirty="0"/>
           </a:p>
@@ -4518,7 +4096,7 @@
           <a:p>
             <a:r>
               <a:rPr lang="en-US"/>
-              <a:t>Copyright 2023, FLLTutorials.com. Last Update 5/29/2023</a:t>
+              <a:t>Copyright 2024, FLLTutorials.com. Last Update 8/06/2024</a:t>
             </a:r>
             <a:endParaRPr lang="en-US" dirty="0"/>
           </a:p>
@@ -4792,9 +4370,9 @@
           <a:bodyPr/>
           <a:lstStyle/>
           <a:p>
-            <a:fld id="{446FCB52-0199-1646-B4EA-AB538ADB02C3}" type="datetime1">
+            <a:fld id="{523743FB-2CC5-3A47-BB67-CFDE584B1AB2}" type="datetime1">
               <a:rPr lang="en-US" smtClean="0"/>
-              <a:t>8/4/23</a:t>
+              <a:t>8/6/24</a:t>
             </a:fld>
             <a:endParaRPr lang="en-US" dirty="0"/>
           </a:p>
@@ -4825,7 +4403,7 @@
           <a:p>
             <a:r>
               <a:rPr lang="en-US"/>
-              <a:t>Copyright 2023, FLLTutorials.com. Last Update 5/29/2023</a:t>
+              <a:t>Copyright 2024, FLLTutorials.com. Last Update 8/06/2024</a:t>
             </a:r>
             <a:endParaRPr lang="en-US" dirty="0"/>
           </a:p>
@@ -5152,9 +4730,9 @@
               <a:rPr lang="en-US"/>
               <a:t>: </a:t>
             </a:r>
-            <a:fld id="{FAA321E8-DDA5-504D-8DAC-E0DBE3176D51}" type="datetime1">
+            <a:fld id="{BB114CBC-757C-AF4B-BEFD-C8FE2241AE59}" type="datetime1">
               <a:rPr lang="en-US" smtClean="0"/>
-              <a:t>8/4/23</a:t>
+              <a:t>8/6/24</a:t>
             </a:fld>
             <a:endParaRPr lang="en-US" dirty="0"/>
           </a:p>
@@ -5202,7 +4780,7 @@
           <a:p>
             <a:r>
               <a:rPr lang="en-US"/>
-              <a:t>Copyright 2023, FLLTutorials.com. Last Update 5/29/2023</a:t>
+              <a:t>Copyright 2024, FLLTutorials.com. Last Update 8/06/2024</a:t>
             </a:r>
             <a:endParaRPr lang="en-US" dirty="0"/>
           </a:p>
@@ -5727,7 +5305,7 @@
           <a:p>
             <a:r>
               <a:rPr lang="en-US" dirty="0"/>
-              <a:t>Bayou Builders  AND SESHAN BROTHERS</a:t>
+              <a:t>SESHAN BROTHERS</a:t>
             </a:r>
           </a:p>
         </p:txBody>
@@ -5736,452 +5314,6 @@
     <p:extLst>
       <p:ext uri="{BB962C8B-B14F-4D97-AF65-F5344CB8AC3E}">
         <p14:creationId xmlns:p14="http://schemas.microsoft.com/office/powerpoint/2010/main" val="892384379"/>
-      </p:ext>
-    </p:extLst>
-  </p:cSld>
-  <p:clrMapOvr>
-    <a:masterClrMapping/>
-  </p:clrMapOvr>
-</p:sld>
-</file>
-
-<file path=ppt/slides/slide10.xml><?xml version="1.0" encoding="utf-8"?>
-<p:sld xmlns:a="http://schemas.openxmlformats.org/drawingml/2006/main" xmlns:r="http://schemas.openxmlformats.org/officeDocument/2006/relationships" xmlns:p="http://schemas.openxmlformats.org/presentationml/2006/main">
-  <p:cSld>
-    <p:spTree>
-      <p:nvGrpSpPr>
-        <p:cNvPr id="1" name="Shape 207"/>
-        <p:cNvGrpSpPr/>
-        <p:nvPr/>
-      </p:nvGrpSpPr>
-      <p:grpSpPr>
-        <a:xfrm>
-          <a:off x="0" y="0"/>
-          <a:ext cx="0" cy="0"/>
-          <a:chOff x="0" y="0"/>
-          <a:chExt cx="0" cy="0"/>
-        </a:xfrm>
-      </p:grpSpPr>
-      <p:sp>
-        <p:nvSpPr>
-          <p:cNvPr id="208" name="Shape 208"/>
-          <p:cNvSpPr txBox="1">
-            <a:spLocks noGrp="1"/>
-          </p:cNvSpPr>
-          <p:nvPr>
-            <p:ph type="title"/>
-          </p:nvPr>
-        </p:nvSpPr>
-        <p:spPr>
-          <a:prstGeom prst="rect">
-            <a:avLst/>
-          </a:prstGeom>
-          <a:noFill/>
-          <a:ln>
-            <a:noFill/>
-          </a:ln>
-        </p:spPr>
-        <p:txBody>
-          <a:bodyPr spcFirstLastPara="1" wrap="square" lIns="91425" tIns="45700" rIns="91425" bIns="45700" anchor="b" anchorCtr="0">
-            <a:noAutofit/>
-          </a:bodyPr>
-          <a:lstStyle/>
-          <a:p>
-            <a:pPr marL="0" marR="0" lvl="0" indent="0" algn="l" rtl="0">
-              <a:spcBef>
-                <a:spcPts val="0"/>
-              </a:spcBef>
-              <a:spcAft>
-                <a:spcPts val="0"/>
-              </a:spcAft>
-              <a:buClr>
-                <a:schemeClr val="lt1"/>
-              </a:buClr>
-              <a:buSzPts val="2800"/>
-              <a:buFont typeface="Cabin"/>
-              <a:buNone/>
-            </a:pPr>
-            <a:r>
-              <a:rPr lang="en-US" sz="2800" b="0" i="0" u="none" strike="noStrike" cap="none">
-                <a:solidFill>
-                  <a:schemeClr val="lt1"/>
-                </a:solidFill>
-                <a:latin typeface="Cabin"/>
-                <a:ea typeface="Cabin"/>
-                <a:cs typeface="Cabin"/>
-                <a:sym typeface="Cabin"/>
-              </a:rPr>
-              <a:t>CREDITS</a:t>
-            </a:r>
-            <a:endParaRPr/>
-          </a:p>
-        </p:txBody>
-      </p:sp>
-      <p:sp>
-        <p:nvSpPr>
-          <p:cNvPr id="209" name="Shape 209"/>
-          <p:cNvSpPr txBox="1">
-            <a:spLocks noGrp="1"/>
-          </p:cNvSpPr>
-          <p:nvPr>
-            <p:ph idx="1"/>
-          </p:nvPr>
-        </p:nvSpPr>
-        <p:spPr>
-          <a:prstGeom prst="rect">
-            <a:avLst/>
-          </a:prstGeom>
-          <a:noFill/>
-          <a:ln>
-            <a:noFill/>
-          </a:ln>
-        </p:spPr>
-        <p:txBody>
-          <a:bodyPr spcFirstLastPara="1" wrap="square" lIns="91425" tIns="45700" rIns="91425" bIns="45700" anchor="t" anchorCtr="0">
-            <a:noAutofit/>
-          </a:bodyPr>
-          <a:lstStyle/>
-          <a:p>
-            <a:pPr>
-              <a:spcBef>
-                <a:spcPts val="0"/>
-              </a:spcBef>
-              <a:spcAft>
-                <a:spcPts val="0"/>
-              </a:spcAft>
-              <a:buSzPts val="2576"/>
-            </a:pPr>
-            <a:r>
-              <a:rPr lang="en-US" sz="2800" b="0" i="0" u="none" strike="noStrike" cap="none" dirty="0">
-                <a:solidFill>
-                  <a:schemeClr val="dk2"/>
-                </a:solidFill>
-                <a:latin typeface="Cabin"/>
-                <a:ea typeface="Cabin"/>
-                <a:cs typeface="Cabin"/>
-                <a:sym typeface="Cabin"/>
-              </a:rPr>
-              <a:t>This lesson was written by</a:t>
-            </a:r>
-            <a:r>
-              <a:rPr lang="en-US" sz="2800" dirty="0"/>
-              <a:t> the Bayou Builders (</a:t>
-            </a:r>
-            <a:r>
-              <a:rPr lang="en-US" sz="2800" dirty="0">
-                <a:hlinkClick r:id="rId3"/>
-              </a:rPr>
-              <a:t>https://www.bayoubuilders.org/</a:t>
-            </a:r>
-            <a:r>
-              <a:rPr lang="en-US" sz="2800" dirty="0"/>
-              <a:t>) and the Seshan Brothers</a:t>
-            </a:r>
-            <a:endParaRPr dirty="0"/>
-          </a:p>
-          <a:p>
-            <a:pPr>
-              <a:spcBef>
-                <a:spcPts val="1160"/>
-              </a:spcBef>
-              <a:spcAft>
-                <a:spcPts val="0"/>
-              </a:spcAft>
-              <a:buSzPts val="2576"/>
-            </a:pPr>
-            <a:r>
-              <a:rPr lang="en-US" sz="2800" b="0" i="0" u="none" strike="noStrike" cap="none" dirty="0">
-                <a:solidFill>
-                  <a:schemeClr val="dk2"/>
-                </a:solidFill>
-                <a:latin typeface="Cabin"/>
-                <a:ea typeface="Cabin"/>
-                <a:cs typeface="Cabin"/>
-                <a:sym typeface="Cabin"/>
-              </a:rPr>
-              <a:t>More lessons for FIRST LEGO League are available at </a:t>
-            </a:r>
-            <a:r>
-              <a:rPr lang="en-US" sz="2800" b="0" i="0" u="sng" strike="noStrike" cap="none" dirty="0">
-                <a:solidFill>
-                  <a:schemeClr val="hlink"/>
-                </a:solidFill>
-                <a:latin typeface="Cabin"/>
-                <a:ea typeface="Cabin"/>
-                <a:cs typeface="Cabin"/>
-                <a:sym typeface="Cabin"/>
-                <a:hlinkClick r:id="rId4"/>
-              </a:rPr>
-              <a:t>www.flltutorials.com</a:t>
-            </a:r>
-            <a:endParaRPr sz="2800" b="0" i="0" u="none" strike="noStrike" cap="none" dirty="0">
-              <a:solidFill>
-                <a:srgbClr val="0070C0"/>
-              </a:solidFill>
-              <a:latin typeface="Cabin"/>
-              <a:ea typeface="Cabin"/>
-              <a:cs typeface="Cabin"/>
-              <a:sym typeface="Cabin"/>
-            </a:endParaRPr>
-          </a:p>
-          <a:p>
-            <a:pPr marL="306000" marR="0" lvl="0" indent="-142424" algn="l" rtl="0">
-              <a:spcBef>
-                <a:spcPts val="1160"/>
-              </a:spcBef>
-              <a:spcAft>
-                <a:spcPts val="0"/>
-              </a:spcAft>
-              <a:buClr>
-                <a:schemeClr val="accent2"/>
-              </a:buClr>
-              <a:buSzPts val="2576"/>
-              <a:buFont typeface="Noto Sans Symbols"/>
-              <a:buNone/>
-            </a:pPr>
-            <a:endParaRPr sz="2800" b="0" i="0" u="none" strike="noStrike" cap="none" dirty="0">
-              <a:solidFill>
-                <a:schemeClr val="dk2"/>
-              </a:solidFill>
-              <a:latin typeface="Cabin"/>
-              <a:ea typeface="Cabin"/>
-              <a:cs typeface="Cabin"/>
-              <a:sym typeface="Cabin"/>
-            </a:endParaRPr>
-          </a:p>
-          <a:p>
-            <a:pPr marL="306000" marR="0" lvl="0" indent="-95688" algn="l" rtl="0">
-              <a:spcBef>
-                <a:spcPts val="1320"/>
-              </a:spcBef>
-              <a:spcAft>
-                <a:spcPts val="0"/>
-              </a:spcAft>
-              <a:buClr>
-                <a:schemeClr val="accent2"/>
-              </a:buClr>
-              <a:buSzPts val="3312"/>
-              <a:buFont typeface="Noto Sans Symbols"/>
-              <a:buNone/>
-            </a:pPr>
-            <a:endParaRPr sz="3600" b="0" i="0" u="none" strike="noStrike" cap="none" dirty="0">
-              <a:solidFill>
-                <a:schemeClr val="dk2"/>
-              </a:solidFill>
-              <a:latin typeface="Cabin"/>
-              <a:ea typeface="Cabin"/>
-              <a:cs typeface="Cabin"/>
-              <a:sym typeface="Cabin"/>
-            </a:endParaRPr>
-          </a:p>
-        </p:txBody>
-      </p:sp>
-      <p:sp>
-        <p:nvSpPr>
-          <p:cNvPr id="211" name="Shape 211"/>
-          <p:cNvSpPr txBox="1">
-            <a:spLocks noGrp="1"/>
-          </p:cNvSpPr>
-          <p:nvPr>
-            <p:ph type="ftr" sz="quarter" idx="11"/>
-          </p:nvPr>
-        </p:nvSpPr>
-        <p:spPr>
-          <a:prstGeom prst="rect">
-            <a:avLst/>
-          </a:prstGeom>
-          <a:noFill/>
-          <a:ln>
-            <a:noFill/>
-          </a:ln>
-        </p:spPr>
-        <p:txBody>
-          <a:bodyPr spcFirstLastPara="1" wrap="square" lIns="91425" tIns="45700" rIns="91425" bIns="45700" anchor="t" anchorCtr="0">
-            <a:noAutofit/>
-          </a:bodyPr>
-          <a:lstStyle/>
-          <a:p>
-            <a:pPr marL="0" marR="0" lvl="0" indent="0" algn="l" rtl="0">
-              <a:spcBef>
-                <a:spcPts val="0"/>
-              </a:spcBef>
-              <a:spcAft>
-                <a:spcPts val="0"/>
-              </a:spcAft>
-              <a:buNone/>
-            </a:pPr>
-            <a:r>
-              <a:rPr lang="en-US" sz="1800" b="0" i="0" u="none" strike="noStrike" cap="none">
-                <a:solidFill>
-                  <a:srgbClr val="2D58AC"/>
-                </a:solidFill>
-                <a:latin typeface="Cabin"/>
-                <a:ea typeface="Cabin"/>
-                <a:cs typeface="Cabin"/>
-                <a:sym typeface="Cabin"/>
-              </a:rPr>
-              <a:t>Copyright 2023, FLLTutorials.com. Last Update 5/29/2023</a:t>
-            </a:r>
-            <a:endParaRPr sz="1800" b="0" i="0" u="none" strike="noStrike" cap="none" dirty="0">
-              <a:solidFill>
-                <a:srgbClr val="2D58AC"/>
-              </a:solidFill>
-              <a:latin typeface="Cabin"/>
-              <a:ea typeface="Cabin"/>
-              <a:cs typeface="Cabin"/>
-              <a:sym typeface="Cabin"/>
-            </a:endParaRPr>
-          </a:p>
-        </p:txBody>
-      </p:sp>
-      <p:sp>
-        <p:nvSpPr>
-          <p:cNvPr id="212" name="Shape 212"/>
-          <p:cNvSpPr txBox="1">
-            <a:spLocks noGrp="1"/>
-          </p:cNvSpPr>
-          <p:nvPr>
-            <p:ph type="sldNum" sz="quarter" idx="12"/>
-          </p:nvPr>
-        </p:nvSpPr>
-        <p:spPr>
-          <a:prstGeom prst="rect">
-            <a:avLst/>
-          </a:prstGeom>
-          <a:noFill/>
-          <a:ln>
-            <a:noFill/>
-          </a:ln>
-        </p:spPr>
-        <p:txBody>
-          <a:bodyPr spcFirstLastPara="1" wrap="square" lIns="91425" tIns="45700" rIns="91425" bIns="45700" anchor="t" anchorCtr="0">
-            <a:noAutofit/>
-          </a:bodyPr>
-          <a:lstStyle/>
-          <a:p>
-            <a:pPr marL="0" marR="0" lvl="0" indent="0" algn="l" rtl="0">
-              <a:spcBef>
-                <a:spcPts val="0"/>
-              </a:spcBef>
-              <a:spcAft>
-                <a:spcPts val="0"/>
-              </a:spcAft>
-              <a:buNone/>
-            </a:pPr>
-            <a:fld id="{00000000-1234-1234-1234-123412341234}" type="slidenum">
-              <a:rPr lang="en-US" sz="1800" b="0" i="0" u="none" strike="noStrike" cap="none">
-                <a:solidFill>
-                  <a:srgbClr val="2D58AC"/>
-                </a:solidFill>
-                <a:latin typeface="Cabin"/>
-                <a:ea typeface="Cabin"/>
-                <a:cs typeface="Cabin"/>
-                <a:sym typeface="Cabin"/>
-              </a:rPr>
-              <a:t>10</a:t>
-            </a:fld>
-            <a:endParaRPr sz="1800" b="0" i="0" u="none" strike="noStrike" cap="none">
-              <a:solidFill>
-                <a:srgbClr val="2D58AC"/>
-              </a:solidFill>
-              <a:latin typeface="Cabin"/>
-              <a:ea typeface="Cabin"/>
-              <a:cs typeface="Cabin"/>
-              <a:sym typeface="Cabin"/>
-            </a:endParaRPr>
-          </a:p>
-        </p:txBody>
-      </p:sp>
-      <p:sp>
-        <p:nvSpPr>
-          <p:cNvPr id="213" name="Shape 213"/>
-          <p:cNvSpPr txBox="1"/>
-          <p:nvPr/>
-        </p:nvSpPr>
-        <p:spPr>
-          <a:xfrm>
-            <a:off x="572568" y="5047077"/>
-            <a:ext cx="7989752" cy="830997"/>
-          </a:xfrm>
-          <a:prstGeom prst="rect">
-            <a:avLst/>
-          </a:prstGeom>
-          <a:noFill/>
-          <a:ln>
-            <a:noFill/>
-          </a:ln>
-        </p:spPr>
-        <p:txBody>
-          <a:bodyPr spcFirstLastPara="1" wrap="square" lIns="91425" tIns="45700" rIns="91425" bIns="45700" anchor="t" anchorCtr="0">
-            <a:noAutofit/>
-          </a:bodyPr>
-          <a:lstStyle/>
-          <a:p>
-            <a:pPr marL="0" marR="0" lvl="0" indent="0" algn="ctr" rtl="0">
-              <a:spcBef>
-                <a:spcPts val="0"/>
-              </a:spcBef>
-              <a:spcAft>
-                <a:spcPts val="0"/>
-              </a:spcAft>
-              <a:buNone/>
-            </a:pPr>
-            <a:r>
-              <a:rPr lang="en-US" sz="2400" b="0" i="0" u="sng" strike="noStrike" cap="none">
-                <a:solidFill>
-                  <a:schemeClr val="hlink"/>
-                </a:solidFill>
-                <a:latin typeface="Cabin"/>
-                <a:ea typeface="Cabin"/>
-                <a:cs typeface="Cabin"/>
-                <a:sym typeface="Cabin"/>
-                <a:hlinkClick r:id="rId5"/>
-              </a:rPr>
-              <a:t>Creative Commons Attribution-NonCommercial-ShareAlike 4.0 International License</a:t>
-            </a:r>
-            <a:endParaRPr sz="2400" b="0" i="0" u="none" strike="noStrike" cap="none">
-              <a:solidFill>
-                <a:schemeClr val="dk1"/>
-              </a:solidFill>
-              <a:latin typeface="Cabin"/>
-              <a:ea typeface="Cabin"/>
-              <a:cs typeface="Cabin"/>
-              <a:sym typeface="Cabin"/>
-            </a:endParaRPr>
-          </a:p>
-        </p:txBody>
-      </p:sp>
-      <p:pic>
-        <p:nvPicPr>
-          <p:cNvPr id="214" name="Shape 214"/>
-          <p:cNvPicPr preferRelativeResize="0"/>
-          <p:nvPr/>
-        </p:nvPicPr>
-        <p:blipFill rotWithShape="1">
-          <a:blip r:embed="rId6">
-            <a:alphaModFix/>
-          </a:blip>
-          <a:srcRect/>
-          <a:stretch/>
-        </p:blipFill>
-        <p:spPr>
-          <a:xfrm>
-            <a:off x="3486559" y="4035813"/>
-            <a:ext cx="2552700" cy="889000"/>
-          </a:xfrm>
-          <a:prstGeom prst="rect">
-            <a:avLst/>
-          </a:prstGeom>
-          <a:noFill/>
-          <a:ln>
-            <a:noFill/>
-          </a:ln>
-        </p:spPr>
-      </p:pic>
-    </p:spTree>
-    <p:extLst>
-      <p:ext uri="{BB962C8B-B14F-4D97-AF65-F5344CB8AC3E}">
-        <p14:creationId xmlns:p14="http://schemas.microsoft.com/office/powerpoint/2010/main" val="4210231749"/>
       </p:ext>
     </p:extLst>
   </p:cSld>
@@ -6196,7 +5328,7 @@
   <p:cSld>
     <p:spTree>
       <p:nvGrpSpPr>
-        <p:cNvPr id="1" name=""/>
+        <p:cNvPr id="1" name="Shape 106"/>
         <p:cNvGrpSpPr/>
         <p:nvPr/>
       </p:nvGrpSpPr>
@@ -6210,67 +5342,211 @@
       </p:grpSpPr>
       <p:sp>
         <p:nvSpPr>
-          <p:cNvPr id="2" name="Title 1">
+          <p:cNvPr id="107" name="Shape 107"/>
+          <p:cNvSpPr txBox="1">
+            <a:spLocks noGrp="1"/>
+          </p:cNvSpPr>
+          <p:nvPr>
+            <p:ph type="title"/>
+          </p:nvPr>
+        </p:nvSpPr>
+        <p:spPr>
+          <a:prstGeom prst="rect">
+            <a:avLst/>
+          </a:prstGeom>
+          <a:noFill/>
+          <a:ln>
+            <a:noFill/>
+          </a:ln>
+        </p:spPr>
+        <p:txBody>
+          <a:bodyPr spcFirstLastPara="1" wrap="square" lIns="91425" tIns="45700" rIns="91425" bIns="45700" anchor="b" anchorCtr="0">
+            <a:noAutofit/>
+          </a:bodyPr>
+          <a:lstStyle/>
+          <a:p>
+            <a:pPr>
+              <a:spcBef>
+                <a:spcPts val="0"/>
+              </a:spcBef>
+              <a:buClr>
+                <a:schemeClr val="lt1"/>
+              </a:buClr>
+              <a:buSzPts val="2800"/>
+            </a:pPr>
+            <a:r>
+              <a:rPr lang="en-US" dirty="0">
+                <a:sym typeface="Cabin"/>
+              </a:rPr>
+              <a:t>JUDGING FLOWCHART</a:t>
+            </a:r>
+            <a:endParaRPr dirty="0"/>
+          </a:p>
+        </p:txBody>
+      </p:sp>
+      <p:sp>
+        <p:nvSpPr>
+          <p:cNvPr id="108" name="Shape 108"/>
+          <p:cNvSpPr txBox="1">
+            <a:spLocks noGrp="1"/>
+          </p:cNvSpPr>
+          <p:nvPr>
+            <p:ph idx="1"/>
+          </p:nvPr>
+        </p:nvSpPr>
+        <p:spPr>
+          <a:xfrm>
+            <a:off x="448092" y="1505583"/>
+            <a:ext cx="4588420" cy="4353215"/>
+          </a:xfrm>
+          <a:prstGeom prst="rect">
+            <a:avLst/>
+          </a:prstGeom>
+          <a:noFill/>
+          <a:ln>
+            <a:noFill/>
+          </a:ln>
+        </p:spPr>
+        <p:txBody>
+          <a:bodyPr spcFirstLastPara="1" wrap="square" lIns="91425" tIns="45700" rIns="91425" bIns="45700" anchor="t" anchorCtr="0">
+            <a:noAutofit/>
+          </a:bodyPr>
+          <a:lstStyle/>
+          <a:p>
+            <a:pPr marL="342900" lvl="1" indent="-342900">
+              <a:spcBef>
+                <a:spcPts val="0"/>
+              </a:spcBef>
+              <a:spcAft>
+                <a:spcPts val="0"/>
+              </a:spcAft>
+              <a:buSzPts val="2208"/>
+            </a:pPr>
+            <a:r>
+              <a:rPr lang="en-US" sz="2800" dirty="0"/>
+              <a:t>New for 2024-25 Season</a:t>
+            </a:r>
+          </a:p>
+          <a:p>
+            <a:pPr marL="612900" lvl="2" indent="-342900">
+              <a:spcBef>
+                <a:spcPts val="0"/>
+              </a:spcBef>
+              <a:spcAft>
+                <a:spcPts val="0"/>
+              </a:spcAft>
+              <a:buSzPts val="2208"/>
+            </a:pPr>
+            <a:r>
+              <a:rPr lang="en-US" sz="2400" dirty="0"/>
+              <a:t>There is no specific time allotted for discussing Core Values</a:t>
+            </a:r>
+          </a:p>
+          <a:p>
+            <a:pPr marL="612900" lvl="2" indent="-342900">
+              <a:spcBef>
+                <a:spcPts val="0"/>
+              </a:spcBef>
+              <a:spcAft>
+                <a:spcPts val="0"/>
+              </a:spcAft>
+              <a:buSzPts val="2208"/>
+            </a:pPr>
+            <a:r>
+              <a:rPr lang="en-US" sz="2400" dirty="0">
+                <a:solidFill>
+                  <a:schemeClr val="tx1"/>
+                </a:solidFill>
+              </a:rPr>
+              <a:t>There is no presentation required for Core Values</a:t>
+            </a:r>
+          </a:p>
+          <a:p>
+            <a:pPr marL="0" marR="0" lvl="0" indent="0" algn="l" rtl="0">
+              <a:spcBef>
+                <a:spcPts val="0"/>
+              </a:spcBef>
+              <a:spcAft>
+                <a:spcPts val="0"/>
+              </a:spcAft>
+              <a:buNone/>
+            </a:pPr>
+            <a:r>
+              <a:rPr lang="en-US" sz="2000" dirty="0">
+                <a:solidFill>
+                  <a:schemeClr val="tx1"/>
+                </a:solidFill>
+              </a:rPr>
+              <a:t> </a:t>
+            </a:r>
+            <a:endParaRPr sz="2000" b="0" i="0" u="none" strike="noStrike" cap="none" dirty="0">
+              <a:solidFill>
+                <a:schemeClr val="tx1"/>
+              </a:solidFill>
+              <a:latin typeface="Cabin"/>
+              <a:ea typeface="Cabin"/>
+              <a:cs typeface="Cabin"/>
+              <a:sym typeface="Cabin"/>
+            </a:endParaRPr>
+          </a:p>
+        </p:txBody>
+      </p:sp>
+      <p:sp>
+        <p:nvSpPr>
+          <p:cNvPr id="110" name="Shape 110"/>
+          <p:cNvSpPr txBox="1">
+            <a:spLocks noGrp="1"/>
+          </p:cNvSpPr>
+          <p:nvPr>
+            <p:ph type="ftr" sz="quarter" idx="11"/>
+          </p:nvPr>
+        </p:nvSpPr>
+        <p:spPr>
+          <a:prstGeom prst="rect">
+            <a:avLst/>
+          </a:prstGeom>
+          <a:noFill/>
+          <a:ln>
+            <a:noFill/>
+          </a:ln>
+        </p:spPr>
+        <p:txBody>
+          <a:bodyPr spcFirstLastPara="1" wrap="square" lIns="91425" tIns="45700" rIns="91425" bIns="45700" anchor="t" anchorCtr="0">
+            <a:noAutofit/>
+          </a:bodyPr>
+          <a:lstStyle/>
+          <a:p>
+            <a:pPr marL="0" marR="0" lvl="0" indent="0" algn="l" rtl="0">
+              <a:spcBef>
+                <a:spcPts val="0"/>
+              </a:spcBef>
+              <a:spcAft>
+                <a:spcPts val="0"/>
+              </a:spcAft>
+              <a:buNone/>
+            </a:pPr>
+            <a:r>
+              <a:rPr lang="en-US" b="0" i="0" u="none" strike="noStrike" cap="none">
+                <a:solidFill>
+                  <a:srgbClr val="2D58AC"/>
+                </a:solidFill>
+                <a:latin typeface="Cabin"/>
+                <a:ea typeface="Cabin"/>
+                <a:cs typeface="Cabin"/>
+                <a:sym typeface="Cabin"/>
+              </a:rPr>
+              <a:t>Copyright 2024, FLLTutorials.com. Last Update 8/06/2024</a:t>
+            </a:r>
+            <a:endParaRPr sz="1000" dirty="0"/>
+          </a:p>
+        </p:txBody>
+      </p:sp>
+      <p:sp>
+        <p:nvSpPr>
+          <p:cNvPr id="2" name="Slide Number Placeholder 1">
             <a:extLst>
               <a:ext uri="{FF2B5EF4-FFF2-40B4-BE49-F238E27FC236}">
-                <a16:creationId xmlns:a16="http://schemas.microsoft.com/office/drawing/2014/main" id="{389A311E-1C03-744B-B5D0-AB7D5362D00E}"/>
-              </a:ext>
-            </a:extLst>
-          </p:cNvPr>
-          <p:cNvSpPr>
-            <a:spLocks noGrp="1"/>
-          </p:cNvSpPr>
-          <p:nvPr>
-            <p:ph type="title"/>
-          </p:nvPr>
-        </p:nvSpPr>
-        <p:spPr/>
-        <p:txBody>
-          <a:bodyPr/>
-          <a:lstStyle/>
-          <a:p>
-            <a:r>
-              <a:rPr lang="en-US" dirty="0"/>
-              <a:t>MEET THE AUTHORS</a:t>
-            </a:r>
-          </a:p>
-        </p:txBody>
-      </p:sp>
-      <p:sp>
-        <p:nvSpPr>
-          <p:cNvPr id="4" name="Footer Placeholder 3">
-            <a:extLst>
-              <a:ext uri="{FF2B5EF4-FFF2-40B4-BE49-F238E27FC236}">
-                <a16:creationId xmlns:a16="http://schemas.microsoft.com/office/drawing/2014/main" id="{4DFAAAB1-593B-7842-A5C1-8F1ABFF77B97}"/>
-              </a:ext>
-            </a:extLst>
-          </p:cNvPr>
-          <p:cNvSpPr>
-            <a:spLocks noGrp="1"/>
-          </p:cNvSpPr>
-          <p:nvPr>
-            <p:ph type="ftr" sz="quarter" idx="11"/>
-          </p:nvPr>
-        </p:nvSpPr>
-        <p:spPr/>
-        <p:txBody>
-          <a:bodyPr/>
-          <a:lstStyle/>
-          <a:p>
-            <a:r>
-              <a:rPr lang="en-US"/>
-              <a:t>Copyright 2023, FLLTutorials.com. Last Update 5/29/2023</a:t>
-            </a:r>
-            <a:endParaRPr lang="en-US" dirty="0"/>
-          </a:p>
-        </p:txBody>
-      </p:sp>
-      <p:sp>
-        <p:nvSpPr>
-          <p:cNvPr id="5" name="Slide Number Placeholder 4">
-            <a:extLst>
-              <a:ext uri="{FF2B5EF4-FFF2-40B4-BE49-F238E27FC236}">
-                <a16:creationId xmlns:a16="http://schemas.microsoft.com/office/drawing/2014/main" id="{5FB3F1D6-1FFA-F745-A2B8-20E2873EC0AD}"/>
+                <a16:creationId xmlns:a16="http://schemas.microsoft.com/office/drawing/2014/main" id="{7213A53B-9EBC-F145-BBA8-68B565F41E04}"/>
               </a:ext>
             </a:extLst>
           </p:cNvPr>
@@ -6295,271 +5571,12 @@
           </a:p>
         </p:txBody>
       </p:sp>
-      <p:sp>
-        <p:nvSpPr>
-          <p:cNvPr id="6" name="Content Placeholder 2">
+      <p:pic>
+        <p:nvPicPr>
+          <p:cNvPr id="5" name="Picture 4" descr="A diagram of a project&#10;&#10;Description automatically generated">
             <a:extLst>
               <a:ext uri="{FF2B5EF4-FFF2-40B4-BE49-F238E27FC236}">
-                <a16:creationId xmlns:a16="http://schemas.microsoft.com/office/drawing/2014/main" id="{A7BB56F2-6E87-654C-B1E5-F5B814863B91}"/>
-              </a:ext>
-            </a:extLst>
-          </p:cNvPr>
-          <p:cNvSpPr txBox="1">
-            <a:spLocks/>
-          </p:cNvSpPr>
-          <p:nvPr/>
-        </p:nvSpPr>
-        <p:spPr>
-          <a:xfrm>
-            <a:off x="387326" y="1460211"/>
-            <a:ext cx="8299471" cy="4324247"/>
-          </a:xfrm>
-          <a:prstGeom prst="rect">
-            <a:avLst/>
-          </a:prstGeom>
-        </p:spPr>
-        <p:txBody>
-          <a:bodyPr>
-            <a:normAutofit/>
-          </a:bodyPr>
-          <a:lstStyle>
-            <a:lvl1pPr marL="306000" indent="-306000" algn="l" defTabSz="457200" rtl="0" eaLnBrk="1" latinLnBrk="0" hangingPunct="1">
-              <a:spcBef>
-                <a:spcPct val="20000"/>
-              </a:spcBef>
-              <a:spcAft>
-                <a:spcPts val="600"/>
-              </a:spcAft>
-              <a:buClr>
-                <a:schemeClr val="accent2"/>
-              </a:buClr>
-              <a:buSzPct val="92000"/>
-              <a:buFont typeface="Wingdings 2" panose="05020102010507070707" pitchFamily="18" charset="2"/>
-              <a:buChar char=""/>
-              <a:defRPr sz="1800" kern="1200">
-                <a:solidFill>
-                  <a:schemeClr val="tx2"/>
-                </a:solidFill>
-                <a:latin typeface="+mn-lt"/>
-                <a:ea typeface="+mn-ea"/>
-                <a:cs typeface="+mn-cs"/>
-              </a:defRPr>
-            </a:lvl1pPr>
-            <a:lvl2pPr marL="630000" indent="-306000" algn="l" defTabSz="457200" rtl="0" eaLnBrk="1" latinLnBrk="0" hangingPunct="1">
-              <a:spcBef>
-                <a:spcPct val="20000"/>
-              </a:spcBef>
-              <a:spcAft>
-                <a:spcPts val="600"/>
-              </a:spcAft>
-              <a:buClr>
-                <a:schemeClr val="accent2"/>
-              </a:buClr>
-              <a:buSzPct val="92000"/>
-              <a:buFont typeface="Wingdings 2" panose="05020102010507070707" pitchFamily="18" charset="2"/>
-              <a:buChar char=""/>
-              <a:defRPr sz="1600" kern="1200">
-                <a:solidFill>
-                  <a:schemeClr val="tx2"/>
-                </a:solidFill>
-                <a:latin typeface="+mn-lt"/>
-                <a:ea typeface="+mn-ea"/>
-                <a:cs typeface="+mn-cs"/>
-              </a:defRPr>
-            </a:lvl2pPr>
-            <a:lvl3pPr marL="900000" indent="-270000" algn="l" defTabSz="457200" rtl="0" eaLnBrk="1" latinLnBrk="0" hangingPunct="1">
-              <a:spcBef>
-                <a:spcPct val="20000"/>
-              </a:spcBef>
-              <a:spcAft>
-                <a:spcPts val="600"/>
-              </a:spcAft>
-              <a:buClr>
-                <a:schemeClr val="accent2"/>
-              </a:buClr>
-              <a:buSzPct val="92000"/>
-              <a:buFont typeface="Wingdings 2" panose="05020102010507070707" pitchFamily="18" charset="2"/>
-              <a:buChar char=""/>
-              <a:defRPr sz="1400" kern="1200">
-                <a:solidFill>
-                  <a:schemeClr val="tx2"/>
-                </a:solidFill>
-                <a:latin typeface="+mn-lt"/>
-                <a:ea typeface="+mn-ea"/>
-                <a:cs typeface="+mn-cs"/>
-              </a:defRPr>
-            </a:lvl3pPr>
-            <a:lvl4pPr marL="1242000" indent="-234000" algn="l" defTabSz="457200" rtl="0" eaLnBrk="1" latinLnBrk="0" hangingPunct="1">
-              <a:spcBef>
-                <a:spcPct val="20000"/>
-              </a:spcBef>
-              <a:spcAft>
-                <a:spcPts val="600"/>
-              </a:spcAft>
-              <a:buClr>
-                <a:schemeClr val="accent2"/>
-              </a:buClr>
-              <a:buSzPct val="92000"/>
-              <a:buFont typeface="Wingdings 2" panose="05020102010507070707" pitchFamily="18" charset="2"/>
-              <a:buChar char=""/>
-              <a:defRPr sz="1200" kern="1200">
-                <a:solidFill>
-                  <a:schemeClr val="tx2"/>
-                </a:solidFill>
-                <a:latin typeface="+mn-lt"/>
-                <a:ea typeface="+mn-ea"/>
-                <a:cs typeface="+mn-cs"/>
-              </a:defRPr>
-            </a:lvl4pPr>
-            <a:lvl5pPr marL="1602000" indent="-234000" algn="l" defTabSz="457200" rtl="0" eaLnBrk="1" latinLnBrk="0" hangingPunct="1">
-              <a:spcBef>
-                <a:spcPct val="20000"/>
-              </a:spcBef>
-              <a:spcAft>
-                <a:spcPts val="600"/>
-              </a:spcAft>
-              <a:buClr>
-                <a:schemeClr val="accent2"/>
-              </a:buClr>
-              <a:buSzPct val="92000"/>
-              <a:buFont typeface="Wingdings 2" panose="05020102010507070707" pitchFamily="18" charset="2"/>
-              <a:buChar char=""/>
-              <a:defRPr sz="1200" kern="1200">
-                <a:solidFill>
-                  <a:schemeClr val="tx2"/>
-                </a:solidFill>
-                <a:latin typeface="+mn-lt"/>
-                <a:ea typeface="+mn-ea"/>
-                <a:cs typeface="+mn-cs"/>
-              </a:defRPr>
-            </a:lvl5pPr>
-            <a:lvl6pPr marL="1900000" indent="-228600" algn="l" defTabSz="457200" rtl="0" eaLnBrk="1" latinLnBrk="0" hangingPunct="1">
-              <a:spcBef>
-                <a:spcPct val="20000"/>
-              </a:spcBef>
-              <a:spcAft>
-                <a:spcPts val="600"/>
-              </a:spcAft>
-              <a:buClr>
-                <a:schemeClr val="accent2"/>
-              </a:buClr>
-              <a:buSzPct val="92000"/>
-              <a:buFont typeface="Wingdings 2" panose="05020102010507070707" pitchFamily="18" charset="2"/>
-              <a:buChar char=""/>
-              <a:defRPr sz="1200" kern="1200">
-                <a:solidFill>
-                  <a:schemeClr val="tx2"/>
-                </a:solidFill>
-                <a:latin typeface="+mn-lt"/>
-                <a:ea typeface="+mn-ea"/>
-                <a:cs typeface="+mn-cs"/>
-              </a:defRPr>
-            </a:lvl6pPr>
-            <a:lvl7pPr marL="2200000" indent="-228600" algn="l" defTabSz="457200" rtl="0" eaLnBrk="1" latinLnBrk="0" hangingPunct="1">
-              <a:spcBef>
-                <a:spcPct val="20000"/>
-              </a:spcBef>
-              <a:spcAft>
-                <a:spcPts val="600"/>
-              </a:spcAft>
-              <a:buClr>
-                <a:schemeClr val="accent2"/>
-              </a:buClr>
-              <a:buSzPct val="92000"/>
-              <a:buFont typeface="Wingdings 2" panose="05020102010507070707" pitchFamily="18" charset="2"/>
-              <a:buChar char=""/>
-              <a:defRPr sz="1200" kern="1200">
-                <a:solidFill>
-                  <a:schemeClr val="tx2"/>
-                </a:solidFill>
-                <a:latin typeface="+mn-lt"/>
-                <a:ea typeface="+mn-ea"/>
-                <a:cs typeface="+mn-cs"/>
-              </a:defRPr>
-            </a:lvl7pPr>
-            <a:lvl8pPr marL="2500000" indent="-228600" algn="l" defTabSz="457200" rtl="0" eaLnBrk="1" latinLnBrk="0" hangingPunct="1">
-              <a:spcBef>
-                <a:spcPct val="20000"/>
-              </a:spcBef>
-              <a:spcAft>
-                <a:spcPts val="600"/>
-              </a:spcAft>
-              <a:buClr>
-                <a:schemeClr val="accent2"/>
-              </a:buClr>
-              <a:buSzPct val="92000"/>
-              <a:buFont typeface="Wingdings 2" panose="05020102010507070707" pitchFamily="18" charset="2"/>
-              <a:buChar char=""/>
-              <a:defRPr sz="1200" kern="1200">
-                <a:solidFill>
-                  <a:schemeClr val="tx2"/>
-                </a:solidFill>
-                <a:latin typeface="+mn-lt"/>
-                <a:ea typeface="+mn-ea"/>
-                <a:cs typeface="+mn-cs"/>
-              </a:defRPr>
-            </a:lvl8pPr>
-            <a:lvl9pPr marL="2800000" indent="-228600" algn="l" defTabSz="457200" rtl="0" eaLnBrk="1" latinLnBrk="0" hangingPunct="1">
-              <a:spcBef>
-                <a:spcPct val="20000"/>
-              </a:spcBef>
-              <a:spcAft>
-                <a:spcPts val="600"/>
-              </a:spcAft>
-              <a:buClr>
-                <a:schemeClr val="accent2"/>
-              </a:buClr>
-              <a:buSzPct val="92000"/>
-              <a:buFont typeface="Wingdings 2" panose="05020102010507070707" pitchFamily="18" charset="2"/>
-              <a:buChar char=""/>
-              <a:defRPr sz="1200" kern="1200">
-                <a:solidFill>
-                  <a:schemeClr val="tx2"/>
-                </a:solidFill>
-                <a:latin typeface="+mn-lt"/>
-                <a:ea typeface="+mn-ea"/>
-                <a:cs typeface="+mn-cs"/>
-              </a:defRPr>
-            </a:lvl9pPr>
-          </a:lstStyle>
-          <a:p>
-            <a:r>
-              <a:rPr lang="en-US" dirty="0"/>
-              <a:t>Bayou Builders are a 10-person, community-based team in Hammond, Louisiana.</a:t>
-            </a:r>
-          </a:p>
-          <a:p>
-            <a:r>
-              <a:rPr lang="en-US" dirty="0"/>
-              <a:t>They have won a Champions’ or Champion’s Runner-up award every year in their state and attended the North American Open, Razorback Open and World Festival. </a:t>
-            </a:r>
-          </a:p>
-          <a:p>
-            <a:r>
-              <a:rPr lang="en-US" dirty="0"/>
-              <a:t>In 2017, they were also nominated for the Global Innovation Award from Louisiana.</a:t>
-            </a:r>
-          </a:p>
-          <a:p>
-            <a:r>
-              <a:rPr lang="en-US" dirty="0"/>
-              <a:t>Bayou Builders are very involved in their community, giving hundreds of hours to outreach activities each year</a:t>
-            </a:r>
-          </a:p>
-          <a:p>
-            <a:pPr marL="0" indent="0">
-              <a:buNone/>
-            </a:pPr>
-            <a:endParaRPr lang="en-US" sz="1400" dirty="0"/>
-          </a:p>
-        </p:txBody>
-      </p:sp>
-      <p:pic>
-        <p:nvPicPr>
-          <p:cNvPr id="7" name="Picture 6">
-            <a:extLst>
-              <a:ext uri="{FF2B5EF4-FFF2-40B4-BE49-F238E27FC236}">
-                <a16:creationId xmlns:a16="http://schemas.microsoft.com/office/drawing/2014/main" id="{4359A5E2-BA8C-8348-AB6C-C78826FE64C7}"/>
+                <a16:creationId xmlns:a16="http://schemas.microsoft.com/office/drawing/2014/main" id="{631A8EE8-3000-7501-A9A2-2E904EA0EB19}"/>
               </a:ext>
             </a:extLst>
           </p:cNvPr>
@@ -6568,31 +5585,31 @@
           </p:cNvPicPr>
           <p:nvPr/>
         </p:nvPicPr>
-        <p:blipFill rotWithShape="1">
-          <a:blip r:embed="rId2" cstate="print">
-            <a:extLst>
-              <a:ext uri="{28A0092B-C50C-407E-A947-70E740481C1C}">
-                <a14:useLocalDpi xmlns:a14="http://schemas.microsoft.com/office/drawing/2010/main"/>
-              </a:ext>
-            </a:extLst>
-          </a:blip>
-          <a:srcRect/>
-          <a:stretch/>
+        <p:blipFill>
+          <a:blip r:embed="rId3"/>
+          <a:stretch>
+            <a:fillRect/>
+          </a:stretch>
         </p:blipFill>
         <p:spPr>
           <a:xfrm>
-            <a:off x="2565960" y="4280932"/>
-            <a:ext cx="4609250" cy="2036003"/>
-          </a:xfrm>
-          <a:prstGeom prst="rect">
-            <a:avLst/>
-          </a:prstGeom>
+            <a:off x="5440433" y="1943521"/>
+            <a:ext cx="3255475" cy="4325295"/>
+          </a:xfrm>
+          <a:prstGeom prst="rect">
+            <a:avLst/>
+          </a:prstGeom>
+          <a:ln>
+            <a:solidFill>
+              <a:schemeClr val="tx1"/>
+            </a:solidFill>
+          </a:ln>
         </p:spPr>
       </p:pic>
     </p:spTree>
     <p:extLst>
       <p:ext uri="{BB962C8B-B14F-4D97-AF65-F5344CB8AC3E}">
-        <p14:creationId xmlns:p14="http://schemas.microsoft.com/office/powerpoint/2010/main" val="2453344177"/>
+        <p14:creationId xmlns:p14="http://schemas.microsoft.com/office/powerpoint/2010/main" val="3063675344"/>
       </p:ext>
     </p:extLst>
   </p:cSld>
@@ -6644,323 +5661,6 @@
           </a:bodyPr>
           <a:lstStyle/>
           <a:p>
-            <a:pPr>
-              <a:spcBef>
-                <a:spcPts val="0"/>
-              </a:spcBef>
-              <a:buClr>
-                <a:schemeClr val="lt1"/>
-              </a:buClr>
-              <a:buSzPts val="2800"/>
-            </a:pPr>
-            <a:r>
-              <a:rPr lang="en-US" dirty="0">
-                <a:sym typeface="Cabin"/>
-              </a:rPr>
-              <a:t>WH</a:t>
-            </a:r>
-            <a:r>
-              <a:rPr lang="en-US" dirty="0"/>
-              <a:t>AT</a:t>
-            </a:r>
-            <a:r>
-              <a:rPr lang="en-US" dirty="0">
-                <a:sym typeface="Cabin"/>
-              </a:rPr>
-              <a:t> IS A TYPICAL JUDGING SESSION LIKE?</a:t>
-            </a:r>
-            <a:endParaRPr dirty="0"/>
-          </a:p>
-        </p:txBody>
-      </p:sp>
-      <p:sp>
-        <p:nvSpPr>
-          <p:cNvPr id="108" name="Shape 108"/>
-          <p:cNvSpPr txBox="1">
-            <a:spLocks noGrp="1"/>
-          </p:cNvSpPr>
-          <p:nvPr>
-            <p:ph idx="1"/>
-          </p:nvPr>
-        </p:nvSpPr>
-        <p:spPr>
-          <a:xfrm>
-            <a:off x="448092" y="1505583"/>
-            <a:ext cx="4588420" cy="4353215"/>
-          </a:xfrm>
-          <a:prstGeom prst="rect">
-            <a:avLst/>
-          </a:prstGeom>
-          <a:noFill/>
-          <a:ln>
-            <a:noFill/>
-          </a:ln>
-        </p:spPr>
-        <p:txBody>
-          <a:bodyPr spcFirstLastPara="1" wrap="square" lIns="91425" tIns="45700" rIns="91425" bIns="45700" anchor="t" anchorCtr="0">
-            <a:noAutofit/>
-          </a:bodyPr>
-          <a:lstStyle/>
-          <a:p>
-            <a:pPr marL="342900" lvl="1" indent="-342900">
-              <a:spcBef>
-                <a:spcPts val="0"/>
-              </a:spcBef>
-              <a:spcAft>
-                <a:spcPts val="0"/>
-              </a:spcAft>
-              <a:buSzPts val="2208"/>
-            </a:pPr>
-            <a:r>
-              <a:rPr lang="en-US" sz="2000" dirty="0"/>
-              <a:t>The consolidated 30-minute judging session has a specified Core Values Reflection time (3mins)</a:t>
-            </a:r>
-          </a:p>
-          <a:p>
-            <a:pPr marL="342900" lvl="1" indent="-342900">
-              <a:spcBef>
-                <a:spcPts val="0"/>
-              </a:spcBef>
-              <a:spcAft>
-                <a:spcPts val="0"/>
-              </a:spcAft>
-              <a:buSzPts val="2208"/>
-            </a:pPr>
-            <a:r>
-              <a:rPr lang="en-US" sz="2000" dirty="0"/>
-              <a:t>During this time, judges will ask questions to help them fill out parts of the Core Values rubric </a:t>
-            </a:r>
-          </a:p>
-          <a:p>
-            <a:pPr marL="342900" lvl="1" indent="-342900">
-              <a:spcBef>
-                <a:spcPts val="0"/>
-              </a:spcBef>
-              <a:spcAft>
-                <a:spcPts val="0"/>
-              </a:spcAft>
-              <a:buSzPts val="2208"/>
-            </a:pPr>
-            <a:r>
-              <a:rPr lang="en-US" sz="2000" dirty="0"/>
-              <a:t>Most regions will not allow you to give a formal presentation during this time.</a:t>
-            </a:r>
-          </a:p>
-          <a:p>
-            <a:pPr marL="342900" lvl="1" indent="-342900">
-              <a:spcBef>
-                <a:spcPts val="0"/>
-              </a:spcBef>
-              <a:spcAft>
-                <a:spcPts val="0"/>
-              </a:spcAft>
-              <a:buSzPts val="2208"/>
-            </a:pPr>
-            <a:r>
-              <a:rPr lang="en-US" sz="2000" dirty="0">
-                <a:solidFill>
-                  <a:srgbClr val="FF0000"/>
-                </a:solidFill>
-              </a:rPr>
-              <a:t>Core Values judges will be listening during the entire session so make sure you talk about Core Values during the Team Welcome, Innovation Project and Robot Design.</a:t>
-            </a:r>
-            <a:endParaRPr sz="2000" dirty="0">
-              <a:solidFill>
-                <a:srgbClr val="FF0000"/>
-              </a:solidFill>
-            </a:endParaRPr>
-          </a:p>
-          <a:p>
-            <a:pPr marL="0" marR="0" lvl="0" indent="0" algn="l" rtl="0">
-              <a:spcBef>
-                <a:spcPts val="0"/>
-              </a:spcBef>
-              <a:spcAft>
-                <a:spcPts val="0"/>
-              </a:spcAft>
-              <a:buNone/>
-            </a:pPr>
-            <a:r>
-              <a:rPr lang="en-US" sz="2000" dirty="0"/>
-              <a:t> </a:t>
-            </a:r>
-            <a:endParaRPr sz="2000" b="0" i="0" u="none" strike="noStrike" cap="none" dirty="0">
-              <a:solidFill>
-                <a:schemeClr val="dk2"/>
-              </a:solidFill>
-              <a:latin typeface="Cabin"/>
-              <a:ea typeface="Cabin"/>
-              <a:cs typeface="Cabin"/>
-              <a:sym typeface="Cabin"/>
-            </a:endParaRPr>
-          </a:p>
-        </p:txBody>
-      </p:sp>
-      <p:sp>
-        <p:nvSpPr>
-          <p:cNvPr id="110" name="Shape 110"/>
-          <p:cNvSpPr txBox="1">
-            <a:spLocks noGrp="1"/>
-          </p:cNvSpPr>
-          <p:nvPr>
-            <p:ph type="ftr" sz="quarter" idx="11"/>
-          </p:nvPr>
-        </p:nvSpPr>
-        <p:spPr>
-          <a:prstGeom prst="rect">
-            <a:avLst/>
-          </a:prstGeom>
-          <a:noFill/>
-          <a:ln>
-            <a:noFill/>
-          </a:ln>
-        </p:spPr>
-        <p:txBody>
-          <a:bodyPr spcFirstLastPara="1" wrap="square" lIns="91425" tIns="45700" rIns="91425" bIns="45700" anchor="t" anchorCtr="0">
-            <a:noAutofit/>
-          </a:bodyPr>
-          <a:lstStyle/>
-          <a:p>
-            <a:pPr marL="0" marR="0" lvl="0" indent="0" algn="l" rtl="0">
-              <a:spcBef>
-                <a:spcPts val="0"/>
-              </a:spcBef>
-              <a:spcAft>
-                <a:spcPts val="0"/>
-              </a:spcAft>
-              <a:buNone/>
-            </a:pPr>
-            <a:r>
-              <a:rPr lang="en-US" b="0" i="0" u="none" strike="noStrike" cap="none">
-                <a:solidFill>
-                  <a:srgbClr val="2D58AC"/>
-                </a:solidFill>
-                <a:latin typeface="Cabin"/>
-                <a:ea typeface="Cabin"/>
-                <a:cs typeface="Cabin"/>
-                <a:sym typeface="Cabin"/>
-              </a:rPr>
-              <a:t>Copyright 2023, FLLTutorials.com. Last Update 5/29/2023</a:t>
-            </a:r>
-            <a:endParaRPr sz="1000" dirty="0"/>
-          </a:p>
-        </p:txBody>
-      </p:sp>
-      <p:sp>
-        <p:nvSpPr>
-          <p:cNvPr id="2" name="Slide Number Placeholder 1">
-            <a:extLst>
-              <a:ext uri="{FF2B5EF4-FFF2-40B4-BE49-F238E27FC236}">
-                <a16:creationId xmlns:a16="http://schemas.microsoft.com/office/drawing/2014/main" id="{7213A53B-9EBC-F145-BBA8-68B565F41E04}"/>
-              </a:ext>
-            </a:extLst>
-          </p:cNvPr>
-          <p:cNvSpPr>
-            <a:spLocks noGrp="1"/>
-          </p:cNvSpPr>
-          <p:nvPr>
-            <p:ph type="sldNum" sz="quarter" idx="12"/>
-          </p:nvPr>
-        </p:nvSpPr>
-        <p:spPr/>
-        <p:txBody>
-          <a:bodyPr/>
-          <a:lstStyle/>
-          <a:p>
-            <a:fld id="{D57F1E4F-1CFF-5643-939E-217C01CDF565}" type="slidenum">
-              <a:rPr lang="en-US" smtClean="0"/>
-              <a:pPr/>
-              <a:t>3</a:t>
-            </a:fld>
-            <a:endParaRPr lang="en-US" dirty="0"/>
-          </a:p>
-        </p:txBody>
-      </p:sp>
-      <p:pic>
-        <p:nvPicPr>
-          <p:cNvPr id="4" name="Picture 3" descr="A diagram of a team&#10;&#10;Description automatically generated">
-            <a:extLst>
-              <a:ext uri="{FF2B5EF4-FFF2-40B4-BE49-F238E27FC236}">
-                <a16:creationId xmlns:a16="http://schemas.microsoft.com/office/drawing/2014/main" id="{C3E9A195-9658-E05A-1595-BDCF2CF7B532}"/>
-              </a:ext>
-            </a:extLst>
-          </p:cNvPr>
-          <p:cNvPicPr>
-            <a:picLocks noChangeAspect="1"/>
-          </p:cNvPicPr>
-          <p:nvPr/>
-        </p:nvPicPr>
-        <p:blipFill>
-          <a:blip r:embed="rId3"/>
-          <a:stretch>
-            <a:fillRect/>
-          </a:stretch>
-        </p:blipFill>
-        <p:spPr>
-          <a:xfrm>
-            <a:off x="4973388" y="1505583"/>
-            <a:ext cx="3722520" cy="5029200"/>
-          </a:xfrm>
-          <a:prstGeom prst="rect">
-            <a:avLst/>
-          </a:prstGeom>
-        </p:spPr>
-      </p:pic>
-    </p:spTree>
-    <p:extLst>
-      <p:ext uri="{BB962C8B-B14F-4D97-AF65-F5344CB8AC3E}">
-        <p14:creationId xmlns:p14="http://schemas.microsoft.com/office/powerpoint/2010/main" val="3063675344"/>
-      </p:ext>
-    </p:extLst>
-  </p:cSld>
-  <p:clrMapOvr>
-    <a:masterClrMapping/>
-  </p:clrMapOvr>
-</p:sld>
-</file>
-
-<file path=ppt/slides/slide4.xml><?xml version="1.0" encoding="utf-8"?>
-<p:sld xmlns:a="http://schemas.openxmlformats.org/drawingml/2006/main" xmlns:r="http://schemas.openxmlformats.org/officeDocument/2006/relationships" xmlns:p="http://schemas.openxmlformats.org/presentationml/2006/main">
-  <p:cSld>
-    <p:spTree>
-      <p:nvGrpSpPr>
-        <p:cNvPr id="1" name="Shape 106"/>
-        <p:cNvGrpSpPr/>
-        <p:nvPr/>
-      </p:nvGrpSpPr>
-      <p:grpSpPr>
-        <a:xfrm>
-          <a:off x="0" y="0"/>
-          <a:ext cx="0" cy="0"/>
-          <a:chOff x="0" y="0"/>
-          <a:chExt cx="0" cy="0"/>
-        </a:xfrm>
-      </p:grpSpPr>
-      <p:sp>
-        <p:nvSpPr>
-          <p:cNvPr id="107" name="Shape 107"/>
-          <p:cNvSpPr txBox="1">
-            <a:spLocks noGrp="1"/>
-          </p:cNvSpPr>
-          <p:nvPr>
-            <p:ph type="title"/>
-          </p:nvPr>
-        </p:nvSpPr>
-        <p:spPr>
-          <a:prstGeom prst="rect">
-            <a:avLst/>
-          </a:prstGeom>
-          <a:noFill/>
-          <a:ln>
-            <a:noFill/>
-          </a:ln>
-        </p:spPr>
-        <p:txBody>
-          <a:bodyPr spcFirstLastPara="1" wrap="square" lIns="91425" tIns="45700" rIns="91425" bIns="45700" anchor="b" anchorCtr="0">
-            <a:noAutofit/>
-          </a:bodyPr>
-          <a:lstStyle/>
-          <a:p>
             <a:pPr marL="0" marR="0" lvl="0" indent="0">
               <a:spcBef>
                 <a:spcPts val="0"/>
@@ -7018,9 +5718,38 @@
               <a:buSzPts val="2208"/>
             </a:pPr>
             <a:r>
-              <a:rPr lang="en-US" sz="2400" dirty="0"/>
-              <a:t>Share your goals and why being a part of FIRST is important to you. </a:t>
-            </a:r>
+              <a:rPr lang="en-US" sz="2400" dirty="0">
+                <a:solidFill>
+                  <a:schemeClr val="dk2"/>
+                </a:solidFill>
+                <a:latin typeface="Cabin"/>
+                <a:ea typeface="Cabin"/>
+                <a:cs typeface="Cabin"/>
+                <a:sym typeface="Cabin"/>
+              </a:rPr>
+              <a:t>Core Values are supposed to be applied to your daily work as a team </a:t>
+            </a:r>
+          </a:p>
+          <a:p>
+            <a:pPr marL="0" lvl="1" indent="0">
+              <a:spcBef>
+                <a:spcPts val="0"/>
+              </a:spcBef>
+              <a:spcAft>
+                <a:spcPts val="0"/>
+              </a:spcAft>
+              <a:buSzPts val="2208"/>
+              <a:buNone/>
+            </a:pPr>
+            <a:endParaRPr lang="en-US" sz="2400" dirty="0">
+              <a:solidFill>
+                <a:schemeClr val="dk2"/>
+              </a:solidFill>
+              <a:latin typeface="Cabin"/>
+              <a:ea typeface="Cabin"/>
+              <a:cs typeface="Cabin"/>
+              <a:sym typeface="Cabin"/>
+            </a:endParaRPr>
           </a:p>
           <a:p>
             <a:pPr marL="342900" lvl="1" indent="-342900">
@@ -7033,32 +5762,12 @@
               <a:buSzPts val="2208"/>
             </a:pPr>
             <a:r>
-              <a:rPr lang="en-US" sz="2400" b="0" i="0" u="none" strike="noStrike" cap="none" dirty="0">
-                <a:solidFill>
-                  <a:schemeClr val="dk2"/>
-                </a:solidFill>
-                <a:latin typeface="Cabin"/>
-                <a:ea typeface="Cabin"/>
-                <a:cs typeface="Cabin"/>
-                <a:sym typeface="Cabin"/>
-              </a:rPr>
-              <a:t>Share </a:t>
-            </a:r>
-            <a:r>
-              <a:rPr lang="en-US" sz="2400" dirty="0">
-                <a:solidFill>
-                  <a:schemeClr val="dk2"/>
-                </a:solidFill>
-                <a:latin typeface="Cabin"/>
-                <a:ea typeface="Cabin"/>
-                <a:cs typeface="Cabin"/>
-                <a:sym typeface="Cabin"/>
-              </a:rPr>
-              <a:t>your team’s identity.</a:t>
-            </a:r>
-          </a:p>
-          <a:p>
-            <a:pPr marL="342900" lvl="1" indent="-342900">
+              <a:rPr lang="en-US" sz="2400" dirty="0"/>
+              <a:t>Judges will be listening to your during Robot Design and Innovation Project judging to see how you actually used teamwork, discovery, inclusion, innovation, impact and fun</a:t>
+            </a:r>
+          </a:p>
+          <a:p>
+            <a:pPr marL="0" lvl="1" indent="0">
               <a:spcBef>
                 <a:spcPts val="0"/>
               </a:spcBef>
@@ -7066,40 +5775,9 @@
                 <a:spcPts val="0"/>
               </a:spcAft>
               <a:buSzPts val="2208"/>
+              <a:buNone/>
             </a:pPr>
-            <a:r>
-              <a:rPr lang="en-US" sz="2400" b="0" i="0" u="none" strike="noStrike" cap="none" dirty="0">
-                <a:solidFill>
-                  <a:schemeClr val="dk2"/>
-                </a:solidFill>
-                <a:latin typeface="Cabin"/>
-                <a:ea typeface="Cabin"/>
-                <a:cs typeface="Cabin"/>
-                <a:sym typeface="Cabin"/>
-              </a:rPr>
-              <a:t>Share specific (and multiple) examples of how your </a:t>
-            </a:r>
-            <a:r>
-              <a:rPr lang="en-US" sz="2400" dirty="0">
-                <a:solidFill>
-                  <a:schemeClr val="dk2"/>
-                </a:solidFill>
-                <a:latin typeface="Cabin"/>
-                <a:ea typeface="Cabin"/>
-                <a:cs typeface="Cabin"/>
-                <a:sym typeface="Cabin"/>
-              </a:rPr>
-              <a:t>team used the Core Values all season.</a:t>
-            </a:r>
-            <a:endParaRPr sz="2400" b="0" i="0" u="none" strike="noStrike" cap="none" dirty="0">
-              <a:solidFill>
-                <a:schemeClr val="dk2"/>
-              </a:solidFill>
-              <a:latin typeface="Cabin"/>
-              <a:ea typeface="Cabin"/>
-              <a:cs typeface="Cabin"/>
-              <a:sym typeface="Cabin"/>
-            </a:endParaRPr>
+            <a:endParaRPr lang="en-US" sz="2400" dirty="0"/>
           </a:p>
         </p:txBody>
       </p:sp>
@@ -7147,7 +5825,7 @@
                 <a:cs typeface="Cabin"/>
                 <a:sym typeface="Cabin"/>
               </a:rPr>
-              <a:t>Copyright 2023, FLLTutorials.com. Last Update 5/29/2023</a:t>
+              <a:t>Copyright 2024, FLLTutorials.com. Last Update 8/06/2024</a:t>
             </a:r>
             <a:endParaRPr sz="1000" dirty="0"/>
           </a:p>
@@ -7177,7 +5855,7 @@
             <a:fld id="{D57F1E4F-1CFF-5643-939E-217C01CDF565}" type="slidenum">
               <a:rPr lang="en-US" smtClean="0"/>
               <a:pPr/>
-              <a:t>4</a:t>
+              <a:t>3</a:t>
             </a:fld>
             <a:endParaRPr lang="en-US" dirty="0"/>
           </a:p>
@@ -7185,67 +5863,35 @@
       </p:sp>
       <p:pic>
         <p:nvPicPr>
-          <p:cNvPr id="112" name="Shape 112"/>
-          <p:cNvPicPr preferRelativeResize="0"/>
+          <p:cNvPr id="3" name="Picture 2" descr="A diagram of a project&#10;&#10;Description automatically generated">
+            <a:extLst>
+              <a:ext uri="{FF2B5EF4-FFF2-40B4-BE49-F238E27FC236}">
+                <a16:creationId xmlns:a16="http://schemas.microsoft.com/office/drawing/2014/main" id="{7C2944B9-651E-05B0-C036-3ECCE33EB9B9}"/>
+              </a:ext>
+            </a:extLst>
+          </p:cNvPr>
+          <p:cNvPicPr>
+            <a:picLocks noChangeAspect="1"/>
+          </p:cNvPicPr>
           <p:nvPr/>
         </p:nvPicPr>
-        <p:blipFill>
-          <a:blip r:embed="rId3" cstate="print">
-            <a:alphaModFix/>
-            <a:extLst>
-              <a:ext uri="{28A0092B-C50C-407E-A947-70E740481C1C}">
-                <a14:useLocalDpi xmlns:a14="http://schemas.microsoft.com/office/drawing/2010/main"/>
-              </a:ext>
-            </a:extLst>
-          </a:blip>
-          <a:stretch>
-            <a:fillRect/>
-          </a:stretch>
+        <p:blipFill rotWithShape="1">
+          <a:blip r:embed="rId3"/>
+          <a:srcRect l="27678" t="6955" r="38624" b="83417"/>
+          <a:stretch/>
         </p:blipFill>
         <p:spPr>
           <a:xfrm>
-            <a:off x="1101400" y="3765525"/>
-            <a:ext cx="3211176" cy="2408375"/>
-          </a:xfrm>
-          <a:prstGeom prst="rect">
-            <a:avLst/>
-          </a:prstGeom>
-          <a:noFill/>
+            <a:off x="2660237" y="4295190"/>
+            <a:ext cx="4091016" cy="1553004"/>
+          </a:xfrm>
+          <a:prstGeom prst="rect">
+            <a:avLst/>
+          </a:prstGeom>
           <a:ln>
-            <a:noFill/>
-          </a:ln>
-        </p:spPr>
-      </p:pic>
-      <p:pic>
-        <p:nvPicPr>
-          <p:cNvPr id="113" name="Shape 113"/>
-          <p:cNvPicPr preferRelativeResize="0"/>
-          <p:nvPr/>
-        </p:nvPicPr>
-        <p:blipFill>
-          <a:blip r:embed="rId4" cstate="print">
-            <a:alphaModFix/>
-            <a:extLst>
-              <a:ext uri="{28A0092B-C50C-407E-A947-70E740481C1C}">
-                <a14:useLocalDpi xmlns:a14="http://schemas.microsoft.com/office/drawing/2010/main"/>
-              </a:ext>
-            </a:extLst>
-          </a:blip>
-          <a:stretch>
-            <a:fillRect/>
-          </a:stretch>
-        </p:blipFill>
-        <p:spPr>
-          <a:xfrm>
-            <a:off x="4804450" y="3765525"/>
-            <a:ext cx="3211150" cy="2408375"/>
-          </a:xfrm>
-          <a:prstGeom prst="rect">
-            <a:avLst/>
-          </a:prstGeom>
-          <a:noFill/>
-          <a:ln>
-            <a:noFill/>
+            <a:solidFill>
+              <a:schemeClr val="tx1"/>
+            </a:solidFill>
           </a:ln>
         </p:spPr>
       </p:pic>
@@ -7262,806 +5908,7 @@
 </p:sld>
 </file>
 
-<file path=ppt/slides/slide5.xml><?xml version="1.0" encoding="utf-8"?>
-<p:sld xmlns:a="http://schemas.openxmlformats.org/drawingml/2006/main" xmlns:r="http://schemas.openxmlformats.org/officeDocument/2006/relationships" xmlns:p="http://schemas.openxmlformats.org/presentationml/2006/main">
-  <p:cSld>
-    <p:spTree>
-      <p:nvGrpSpPr>
-        <p:cNvPr id="1" name="Shape 169"/>
-        <p:cNvGrpSpPr/>
-        <p:nvPr/>
-      </p:nvGrpSpPr>
-      <p:grpSpPr>
-        <a:xfrm>
-          <a:off x="0" y="0"/>
-          <a:ext cx="0" cy="0"/>
-          <a:chOff x="0" y="0"/>
-          <a:chExt cx="0" cy="0"/>
-        </a:xfrm>
-      </p:grpSpPr>
-      <p:sp>
-        <p:nvSpPr>
-          <p:cNvPr id="170" name="Shape 170"/>
-          <p:cNvSpPr txBox="1">
-            <a:spLocks noGrp="1"/>
-          </p:cNvSpPr>
-          <p:nvPr>
-            <p:ph type="title"/>
-          </p:nvPr>
-        </p:nvSpPr>
-        <p:spPr>
-          <a:prstGeom prst="rect">
-            <a:avLst/>
-          </a:prstGeom>
-        </p:spPr>
-        <p:txBody>
-          <a:bodyPr spcFirstLastPara="1" wrap="square" lIns="91425" tIns="45700" rIns="91425" bIns="45700" anchor="b" anchorCtr="0">
-            <a:noAutofit/>
-          </a:bodyPr>
-          <a:lstStyle/>
-          <a:p>
-            <a:pPr marL="0" lvl="0" indent="0">
-              <a:spcBef>
-                <a:spcPts val="0"/>
-              </a:spcBef>
-              <a:spcAft>
-                <a:spcPts val="0"/>
-              </a:spcAft>
-              <a:buNone/>
-            </a:pPr>
-            <a:r>
-              <a:rPr lang="en-US" dirty="0"/>
-              <a:t>PREPARING YOUR CORE VALUES JUDGING</a:t>
-            </a:r>
-            <a:endParaRPr dirty="0"/>
-          </a:p>
-        </p:txBody>
-      </p:sp>
-      <p:sp>
-        <p:nvSpPr>
-          <p:cNvPr id="171" name="Shape 171"/>
-          <p:cNvSpPr txBox="1">
-            <a:spLocks noGrp="1"/>
-          </p:cNvSpPr>
-          <p:nvPr>
-            <p:ph idx="1"/>
-          </p:nvPr>
-        </p:nvSpPr>
-        <p:spPr>
-          <a:xfrm>
-            <a:off x="448091" y="1505583"/>
-            <a:ext cx="4422493" cy="4353215"/>
-          </a:xfrm>
-          <a:prstGeom prst="rect">
-            <a:avLst/>
-          </a:prstGeom>
-        </p:spPr>
-        <p:txBody>
-          <a:bodyPr spcFirstLastPara="1" wrap="square" lIns="91425" tIns="45700" rIns="91425" bIns="45700" anchor="t" anchorCtr="0">
-            <a:noAutofit/>
-          </a:bodyPr>
-          <a:lstStyle/>
-          <a:p>
-            <a:pPr>
-              <a:spcBef>
-                <a:spcPts val="720"/>
-              </a:spcBef>
-              <a:spcAft>
-                <a:spcPts val="0"/>
-              </a:spcAft>
-            </a:pPr>
-            <a:r>
-              <a:rPr lang="en-US" sz="2200" dirty="0"/>
-              <a:t>Make sure to reference the Core Values Judging Rubric </a:t>
-            </a:r>
-          </a:p>
-          <a:p>
-            <a:pPr>
-              <a:spcBef>
-                <a:spcPts val="720"/>
-              </a:spcBef>
-              <a:spcAft>
-                <a:spcPts val="0"/>
-              </a:spcAft>
-            </a:pPr>
-            <a:r>
-              <a:rPr lang="en-US" sz="2200" dirty="0"/>
-              <a:t>Be sure to cite </a:t>
-            </a:r>
-            <a:r>
-              <a:rPr lang="en-US" sz="2200" u="sng" dirty="0"/>
-              <a:t>specific examples</a:t>
-            </a:r>
-            <a:r>
-              <a:rPr lang="en-US" sz="2200" dirty="0"/>
-              <a:t> of how your team used or applied each of the Core Values during the season</a:t>
-            </a:r>
-          </a:p>
-          <a:p>
-            <a:pPr>
-              <a:spcBef>
-                <a:spcPts val="720"/>
-              </a:spcBef>
-              <a:spcAft>
-                <a:spcPts val="0"/>
-              </a:spcAft>
-            </a:pPr>
-            <a:r>
-              <a:rPr lang="en-US" sz="2200" dirty="0"/>
-              <a:t>Make sure that </a:t>
-            </a:r>
-            <a:r>
-              <a:rPr lang="en-US" sz="2200" u="sng" dirty="0"/>
-              <a:t>multiple</a:t>
-            </a:r>
-            <a:r>
-              <a:rPr lang="en-US" sz="2200" dirty="0"/>
-              <a:t> students can give examples</a:t>
-            </a:r>
-          </a:p>
-          <a:p>
-            <a:pPr>
-              <a:spcBef>
-                <a:spcPts val="720"/>
-              </a:spcBef>
-              <a:spcAft>
-                <a:spcPts val="0"/>
-              </a:spcAft>
-            </a:pPr>
-            <a:r>
-              <a:rPr lang="en-US" sz="2200" dirty="0"/>
-              <a:t>Make sure that your examples go beyond just sharing your project (Impact) or learning a programming language (Discovery)</a:t>
-            </a:r>
-          </a:p>
-        </p:txBody>
-      </p:sp>
-      <p:sp>
-        <p:nvSpPr>
-          <p:cNvPr id="2" name="Footer Placeholder 1">
-            <a:extLst>
-              <a:ext uri="{FF2B5EF4-FFF2-40B4-BE49-F238E27FC236}">
-                <a16:creationId xmlns:a16="http://schemas.microsoft.com/office/drawing/2014/main" id="{372051B1-3845-1C40-978D-CA7A4B3D4C22}"/>
-              </a:ext>
-            </a:extLst>
-          </p:cNvPr>
-          <p:cNvSpPr>
-            <a:spLocks noGrp="1"/>
-          </p:cNvSpPr>
-          <p:nvPr>
-            <p:ph type="ftr" sz="quarter" idx="11"/>
-          </p:nvPr>
-        </p:nvSpPr>
-        <p:spPr/>
-        <p:txBody>
-          <a:bodyPr/>
-          <a:lstStyle/>
-          <a:p>
-            <a:r>
-              <a:rPr lang="en-US" dirty="0"/>
-              <a:t>Copyright 2023, </a:t>
-            </a:r>
-            <a:r>
-              <a:rPr lang="en-US" dirty="0" err="1"/>
-              <a:t>FLLTutorials.com</a:t>
-            </a:r>
-            <a:r>
-              <a:rPr lang="en-US" dirty="0"/>
-              <a:t>. Last Update 5/29/2023</a:t>
-            </a:r>
-          </a:p>
-        </p:txBody>
-      </p:sp>
-      <p:sp>
-        <p:nvSpPr>
-          <p:cNvPr id="172" name="Shape 172"/>
-          <p:cNvSpPr txBox="1">
-            <a:spLocks noGrp="1"/>
-          </p:cNvSpPr>
-          <p:nvPr>
-            <p:ph type="sldNum" sz="quarter" idx="12"/>
-          </p:nvPr>
-        </p:nvSpPr>
-        <p:spPr>
-          <a:prstGeom prst="rect">
-            <a:avLst/>
-          </a:prstGeom>
-        </p:spPr>
-        <p:txBody>
-          <a:bodyPr spcFirstLastPara="1" wrap="square" lIns="91425" tIns="45700" rIns="91425" bIns="45700" anchor="t" anchorCtr="0">
-            <a:noAutofit/>
-          </a:bodyPr>
-          <a:lstStyle/>
-          <a:p>
-            <a:pPr marL="0" lvl="0" indent="0">
-              <a:spcBef>
-                <a:spcPts val="0"/>
-              </a:spcBef>
-              <a:spcAft>
-                <a:spcPts val="0"/>
-              </a:spcAft>
-              <a:buClr>
-                <a:srgbClr val="000000"/>
-              </a:buClr>
-              <a:buFont typeface="Arial"/>
-              <a:buNone/>
-            </a:pPr>
-            <a:fld id="{00000000-1234-1234-1234-123412341234}" type="slidenum">
-              <a:rPr lang="en-US"/>
-              <a:t>5</a:t>
-            </a:fld>
-            <a:endParaRPr/>
-          </a:p>
-        </p:txBody>
-      </p:sp>
-      <p:pic>
-        <p:nvPicPr>
-          <p:cNvPr id="5" name="Picture 4" descr="A pink and white survey&#10;&#10;Description automatically generated">
-            <a:extLst>
-              <a:ext uri="{FF2B5EF4-FFF2-40B4-BE49-F238E27FC236}">
-                <a16:creationId xmlns:a16="http://schemas.microsoft.com/office/drawing/2014/main" id="{186D73BF-F132-4298-F5E9-74763B015175}"/>
-              </a:ext>
-            </a:extLst>
-          </p:cNvPr>
-          <p:cNvPicPr>
-            <a:picLocks noChangeAspect="1"/>
-          </p:cNvPicPr>
-          <p:nvPr/>
-        </p:nvPicPr>
-        <p:blipFill>
-          <a:blip r:embed="rId3"/>
-          <a:stretch>
-            <a:fillRect/>
-          </a:stretch>
-        </p:blipFill>
-        <p:spPr>
-          <a:xfrm>
-            <a:off x="4908684" y="2426690"/>
-            <a:ext cx="3787225" cy="2607792"/>
-          </a:xfrm>
-          <a:prstGeom prst="rect">
-            <a:avLst/>
-          </a:prstGeom>
-        </p:spPr>
-      </p:pic>
-    </p:spTree>
-    <p:extLst>
-      <p:ext uri="{BB962C8B-B14F-4D97-AF65-F5344CB8AC3E}">
-        <p14:creationId xmlns:p14="http://schemas.microsoft.com/office/powerpoint/2010/main" val="12969546"/>
-      </p:ext>
-    </p:extLst>
-  </p:cSld>
-  <p:clrMapOvr>
-    <a:masterClrMapping/>
-  </p:clrMapOvr>
-</p:sld>
-</file>
-
-<file path=ppt/slides/slide6.xml><?xml version="1.0" encoding="utf-8"?>
-<p:sld xmlns:a="http://schemas.openxmlformats.org/drawingml/2006/main" xmlns:r="http://schemas.openxmlformats.org/officeDocument/2006/relationships" xmlns:p="http://schemas.openxmlformats.org/presentationml/2006/main">
-  <p:cSld>
-    <p:spTree>
-      <p:nvGrpSpPr>
-        <p:cNvPr id="1" name="Shape 118"/>
-        <p:cNvGrpSpPr/>
-        <p:nvPr/>
-      </p:nvGrpSpPr>
-      <p:grpSpPr>
-        <a:xfrm>
-          <a:off x="0" y="0"/>
-          <a:ext cx="0" cy="0"/>
-          <a:chOff x="0" y="0"/>
-          <a:chExt cx="0" cy="0"/>
-        </a:xfrm>
-      </p:grpSpPr>
-      <p:sp>
-        <p:nvSpPr>
-          <p:cNvPr id="119" name="Shape 119"/>
-          <p:cNvSpPr txBox="1">
-            <a:spLocks noGrp="1"/>
-          </p:cNvSpPr>
-          <p:nvPr>
-            <p:ph type="title"/>
-          </p:nvPr>
-        </p:nvSpPr>
-        <p:spPr>
-          <a:prstGeom prst="rect">
-            <a:avLst/>
-          </a:prstGeom>
-        </p:spPr>
-        <p:txBody>
-          <a:bodyPr spcFirstLastPara="1" wrap="square" lIns="91425" tIns="45700" rIns="91425" bIns="45700" anchor="b" anchorCtr="0">
-            <a:noAutofit/>
-          </a:bodyPr>
-          <a:lstStyle/>
-          <a:p>
-            <a:pPr marL="0" lvl="0" indent="0">
-              <a:spcBef>
-                <a:spcPts val="0"/>
-              </a:spcBef>
-              <a:spcAft>
-                <a:spcPts val="0"/>
-              </a:spcAft>
-              <a:buNone/>
-            </a:pPr>
-            <a:r>
-              <a:rPr lang="en-US" dirty="0"/>
-              <a:t>DOCUMENTING CORE VALUES</a:t>
-            </a:r>
-            <a:endParaRPr dirty="0"/>
-          </a:p>
-        </p:txBody>
-      </p:sp>
-      <p:sp>
-        <p:nvSpPr>
-          <p:cNvPr id="120" name="Shape 120"/>
-          <p:cNvSpPr txBox="1">
-            <a:spLocks noGrp="1"/>
-          </p:cNvSpPr>
-          <p:nvPr>
-            <p:ph idx="1"/>
-          </p:nvPr>
-        </p:nvSpPr>
-        <p:spPr>
-          <a:xfrm>
-            <a:off x="448092" y="1505583"/>
-            <a:ext cx="4422494" cy="4353215"/>
-          </a:xfrm>
-          <a:prstGeom prst="rect">
-            <a:avLst/>
-          </a:prstGeom>
-        </p:spPr>
-        <p:txBody>
-          <a:bodyPr spcFirstLastPara="1" wrap="square" lIns="91425" tIns="45700" rIns="91425" bIns="45700" anchor="t" anchorCtr="0">
-            <a:noAutofit/>
-          </a:bodyPr>
-          <a:lstStyle/>
-          <a:p>
-            <a:pPr marL="342900" lvl="1" indent="-342900">
-              <a:spcBef>
-                <a:spcPts val="0"/>
-              </a:spcBef>
-              <a:spcAft>
-                <a:spcPts val="0"/>
-              </a:spcAft>
-              <a:buSzPts val="2208"/>
-            </a:pPr>
-            <a:r>
-              <a:rPr lang="en-US" sz="2400" dirty="0"/>
-              <a:t>Some teams create a Core Values Poster to help you remember your season or as a visual for your judges.</a:t>
-            </a:r>
-          </a:p>
-          <a:p>
-            <a:pPr marL="342900" lvl="1" indent="-342900">
-              <a:spcBef>
-                <a:spcPts val="0"/>
-              </a:spcBef>
-              <a:spcAft>
-                <a:spcPts val="0"/>
-              </a:spcAft>
-              <a:buSzPts val="2208"/>
-            </a:pPr>
-            <a:r>
-              <a:rPr lang="en-US" sz="2400" dirty="0"/>
-              <a:t>Some teams create Core Values Journal where you document your team’s activities </a:t>
-            </a:r>
-          </a:p>
-        </p:txBody>
-      </p:sp>
-      <p:sp>
-        <p:nvSpPr>
-          <p:cNvPr id="2" name="Footer Placeholder 1">
-            <a:extLst>
-              <a:ext uri="{FF2B5EF4-FFF2-40B4-BE49-F238E27FC236}">
-                <a16:creationId xmlns:a16="http://schemas.microsoft.com/office/drawing/2014/main" id="{EAC38B41-60F8-3042-AA79-358F62F2CC9D}"/>
-              </a:ext>
-            </a:extLst>
-          </p:cNvPr>
-          <p:cNvSpPr>
-            <a:spLocks noGrp="1"/>
-          </p:cNvSpPr>
-          <p:nvPr>
-            <p:ph type="ftr" sz="quarter" idx="11"/>
-          </p:nvPr>
-        </p:nvSpPr>
-        <p:spPr/>
-        <p:txBody>
-          <a:bodyPr/>
-          <a:lstStyle/>
-          <a:p>
-            <a:r>
-              <a:rPr lang="en-US"/>
-              <a:t>Copyright 2023, FLLTutorials.com. Last Update 5/29/2023</a:t>
-            </a:r>
-            <a:endParaRPr lang="en-US" dirty="0"/>
-          </a:p>
-        </p:txBody>
-      </p:sp>
-      <p:sp>
-        <p:nvSpPr>
-          <p:cNvPr id="121" name="Shape 121"/>
-          <p:cNvSpPr txBox="1">
-            <a:spLocks noGrp="1"/>
-          </p:cNvSpPr>
-          <p:nvPr>
-            <p:ph type="sldNum" sz="quarter" idx="12"/>
-          </p:nvPr>
-        </p:nvSpPr>
-        <p:spPr>
-          <a:prstGeom prst="rect">
-            <a:avLst/>
-          </a:prstGeom>
-        </p:spPr>
-        <p:txBody>
-          <a:bodyPr spcFirstLastPara="1" wrap="square" lIns="91425" tIns="45700" rIns="91425" bIns="45700" anchor="t" anchorCtr="0">
-            <a:noAutofit/>
-          </a:bodyPr>
-          <a:lstStyle/>
-          <a:p>
-            <a:pPr marL="0" lvl="0" indent="0">
-              <a:spcBef>
-                <a:spcPts val="0"/>
-              </a:spcBef>
-              <a:spcAft>
-                <a:spcPts val="0"/>
-              </a:spcAft>
-              <a:buClr>
-                <a:srgbClr val="000000"/>
-              </a:buClr>
-              <a:buFont typeface="Arial"/>
-              <a:buNone/>
-            </a:pPr>
-            <a:fld id="{00000000-1234-1234-1234-123412341234}" type="slidenum">
-              <a:rPr lang="en-US"/>
-              <a:t>6</a:t>
-            </a:fld>
-            <a:endParaRPr/>
-          </a:p>
-        </p:txBody>
-      </p:sp>
-      <p:pic>
-        <p:nvPicPr>
-          <p:cNvPr id="122" name="Shape 122"/>
-          <p:cNvPicPr preferRelativeResize="0"/>
-          <p:nvPr/>
-        </p:nvPicPr>
-        <p:blipFill rotWithShape="1">
-          <a:blip r:embed="rId3" cstate="print">
-            <a:alphaModFix/>
-            <a:extLst>
-              <a:ext uri="{28A0092B-C50C-407E-A947-70E740481C1C}">
-                <a14:useLocalDpi xmlns:a14="http://schemas.microsoft.com/office/drawing/2010/main"/>
-              </a:ext>
-            </a:extLst>
-          </a:blip>
-          <a:srcRect r="46917"/>
-          <a:stretch/>
-        </p:blipFill>
-        <p:spPr>
-          <a:xfrm>
-            <a:off x="4870585" y="2027028"/>
-            <a:ext cx="3589941" cy="3723089"/>
-          </a:xfrm>
-          <a:prstGeom prst="rect">
-            <a:avLst/>
-          </a:prstGeom>
-          <a:noFill/>
-          <a:ln>
-            <a:noFill/>
-          </a:ln>
-        </p:spPr>
-      </p:pic>
-    </p:spTree>
-    <p:extLst>
-      <p:ext uri="{BB962C8B-B14F-4D97-AF65-F5344CB8AC3E}">
-        <p14:creationId xmlns:p14="http://schemas.microsoft.com/office/powerpoint/2010/main" val="3353575957"/>
-      </p:ext>
-    </p:extLst>
-  </p:cSld>
-  <p:clrMapOvr>
-    <a:masterClrMapping/>
-  </p:clrMapOvr>
-</p:sld>
-</file>
-
-<file path=ppt/slides/slide7.xml><?xml version="1.0" encoding="utf-8"?>
-<p:sld xmlns:a="http://schemas.openxmlformats.org/drawingml/2006/main" xmlns:r="http://schemas.openxmlformats.org/officeDocument/2006/relationships" xmlns:p="http://schemas.openxmlformats.org/presentationml/2006/main">
-  <p:cSld>
-    <p:spTree>
-      <p:nvGrpSpPr>
-        <p:cNvPr id="1" name="Shape 126"/>
-        <p:cNvGrpSpPr/>
-        <p:nvPr/>
-      </p:nvGrpSpPr>
-      <p:grpSpPr>
-        <a:xfrm>
-          <a:off x="0" y="0"/>
-          <a:ext cx="0" cy="0"/>
-          <a:chOff x="0" y="0"/>
-          <a:chExt cx="0" cy="0"/>
-        </a:xfrm>
-      </p:grpSpPr>
-      <p:sp>
-        <p:nvSpPr>
-          <p:cNvPr id="127" name="Shape 127"/>
-          <p:cNvSpPr txBox="1">
-            <a:spLocks noGrp="1"/>
-          </p:cNvSpPr>
-          <p:nvPr>
-            <p:ph type="title"/>
-          </p:nvPr>
-        </p:nvSpPr>
-        <p:spPr>
-          <a:prstGeom prst="rect">
-            <a:avLst/>
-          </a:prstGeom>
-          <a:noFill/>
-          <a:ln>
-            <a:noFill/>
-          </a:ln>
-        </p:spPr>
-        <p:txBody>
-          <a:bodyPr spcFirstLastPara="1" wrap="square" lIns="91425" tIns="45700" rIns="91425" bIns="45700" anchor="b" anchorCtr="0">
-            <a:noAutofit/>
-          </a:bodyPr>
-          <a:lstStyle/>
-          <a:p>
-            <a:pPr marL="0" marR="0" lvl="0" indent="0" algn="l" rtl="0">
-              <a:spcBef>
-                <a:spcPts val="0"/>
-              </a:spcBef>
-              <a:spcAft>
-                <a:spcPts val="0"/>
-              </a:spcAft>
-              <a:buClr>
-                <a:schemeClr val="lt1"/>
-              </a:buClr>
-              <a:buSzPts val="2800"/>
-              <a:buFont typeface="Cabin"/>
-              <a:buNone/>
-            </a:pPr>
-            <a:r>
-              <a:rPr lang="en-US" dirty="0"/>
-              <a:t>TEAM BUILDING ACTIVITY</a:t>
-            </a:r>
-            <a:endParaRPr dirty="0"/>
-          </a:p>
-        </p:txBody>
-      </p:sp>
-      <p:sp>
-        <p:nvSpPr>
-          <p:cNvPr id="128" name="Shape 128"/>
-          <p:cNvSpPr txBox="1">
-            <a:spLocks noGrp="1"/>
-          </p:cNvSpPr>
-          <p:nvPr>
-            <p:ph idx="1"/>
-          </p:nvPr>
-        </p:nvSpPr>
-        <p:spPr>
-          <a:xfrm>
-            <a:off x="448091" y="1505583"/>
-            <a:ext cx="4590837" cy="4353215"/>
-          </a:xfrm>
-          <a:prstGeom prst="rect">
-            <a:avLst/>
-          </a:prstGeom>
-          <a:noFill/>
-          <a:ln>
-            <a:noFill/>
-          </a:ln>
-        </p:spPr>
-        <p:txBody>
-          <a:bodyPr spcFirstLastPara="1" wrap="square" lIns="91425" tIns="45700" rIns="91425" bIns="45700" anchor="t" anchorCtr="0">
-            <a:noAutofit/>
-          </a:bodyPr>
-          <a:lstStyle/>
-          <a:p>
-            <a:pPr>
-              <a:spcBef>
-                <a:spcPts val="0"/>
-              </a:spcBef>
-              <a:spcAft>
-                <a:spcPts val="0"/>
-              </a:spcAft>
-            </a:pPr>
-            <a:r>
-              <a:rPr lang="en-US" sz="2400" dirty="0"/>
-              <a:t>In the past, teams had to do a teamwork activity live during judging.</a:t>
-            </a:r>
-          </a:p>
-          <a:p>
-            <a:pPr>
-              <a:spcBef>
-                <a:spcPts val="0"/>
-              </a:spcBef>
-              <a:spcAft>
-                <a:spcPts val="0"/>
-              </a:spcAft>
-            </a:pPr>
-            <a:r>
-              <a:rPr lang="en-US" sz="2400" dirty="0"/>
-              <a:t>This is no longer used.</a:t>
-            </a:r>
-          </a:p>
-          <a:p>
-            <a:pPr>
-              <a:spcBef>
-                <a:spcPts val="0"/>
-              </a:spcBef>
-              <a:spcAft>
-                <a:spcPts val="0"/>
-              </a:spcAft>
-            </a:pPr>
-            <a:r>
-              <a:rPr lang="en-US" sz="2400" dirty="0"/>
-              <a:t>However, such activities can help your team learn to work together better and are a good way for your team to practice Core Values during the season.</a:t>
-            </a:r>
-          </a:p>
-        </p:txBody>
-      </p:sp>
-      <p:sp>
-        <p:nvSpPr>
-          <p:cNvPr id="130" name="Shape 130"/>
-          <p:cNvSpPr txBox="1">
-            <a:spLocks noGrp="1"/>
-          </p:cNvSpPr>
-          <p:nvPr>
-            <p:ph type="ftr" sz="quarter" idx="11"/>
-          </p:nvPr>
-        </p:nvSpPr>
-        <p:spPr>
-          <a:prstGeom prst="rect">
-            <a:avLst/>
-          </a:prstGeom>
-          <a:noFill/>
-          <a:ln>
-            <a:noFill/>
-          </a:ln>
-        </p:spPr>
-        <p:txBody>
-          <a:bodyPr spcFirstLastPara="1" wrap="square" lIns="91425" tIns="45700" rIns="91425" bIns="45700" anchor="t" anchorCtr="0">
-            <a:noAutofit/>
-          </a:bodyPr>
-          <a:lstStyle/>
-          <a:p>
-            <a:pPr marL="0" marR="0" lvl="0" indent="0" algn="l" rtl="0">
-              <a:spcBef>
-                <a:spcPts val="0"/>
-              </a:spcBef>
-              <a:spcAft>
-                <a:spcPts val="0"/>
-              </a:spcAft>
-              <a:buNone/>
-            </a:pPr>
-            <a:r>
-              <a:rPr lang="en-US" b="0" i="0" u="none" strike="noStrike" cap="none">
-                <a:solidFill>
-                  <a:srgbClr val="2D58AC"/>
-                </a:solidFill>
-                <a:latin typeface="Cabin"/>
-                <a:ea typeface="Cabin"/>
-                <a:cs typeface="Cabin"/>
-                <a:sym typeface="Cabin"/>
-              </a:rPr>
-              <a:t>Copyright 2023, FLLTutorials.com. Last Update 5/29/2023</a:t>
-            </a:r>
-            <a:endParaRPr b="0" i="0" u="none" strike="noStrike" cap="none" dirty="0">
-              <a:solidFill>
-                <a:srgbClr val="2D58AC"/>
-              </a:solidFill>
-              <a:latin typeface="Cabin"/>
-              <a:ea typeface="Cabin"/>
-              <a:cs typeface="Cabin"/>
-              <a:sym typeface="Cabin"/>
-            </a:endParaRPr>
-          </a:p>
-        </p:txBody>
-      </p:sp>
-      <p:sp>
-        <p:nvSpPr>
-          <p:cNvPr id="131" name="Shape 131"/>
-          <p:cNvSpPr txBox="1">
-            <a:spLocks noGrp="1"/>
-          </p:cNvSpPr>
-          <p:nvPr>
-            <p:ph type="sldNum" sz="quarter" idx="12"/>
-          </p:nvPr>
-        </p:nvSpPr>
-        <p:spPr>
-          <a:prstGeom prst="rect">
-            <a:avLst/>
-          </a:prstGeom>
-          <a:noFill/>
-          <a:ln>
-            <a:noFill/>
-          </a:ln>
-        </p:spPr>
-        <p:txBody>
-          <a:bodyPr spcFirstLastPara="1" wrap="square" lIns="91425" tIns="45700" rIns="91425" bIns="45700" anchor="t" anchorCtr="0">
-            <a:noAutofit/>
-          </a:bodyPr>
-          <a:lstStyle/>
-          <a:p>
-            <a:pPr marL="0" marR="0" lvl="0" indent="0" algn="l" rtl="0">
-              <a:spcBef>
-                <a:spcPts val="0"/>
-              </a:spcBef>
-              <a:spcAft>
-                <a:spcPts val="0"/>
-              </a:spcAft>
-              <a:buNone/>
-            </a:pPr>
-            <a:fld id="{00000000-1234-1234-1234-123412341234}" type="slidenum">
-              <a:rPr lang="en-US" b="0" i="0" u="none" strike="noStrike" cap="none">
-                <a:solidFill>
-                  <a:srgbClr val="2D58AC"/>
-                </a:solidFill>
-                <a:latin typeface="Cabin"/>
-                <a:ea typeface="Cabin"/>
-                <a:cs typeface="Cabin"/>
-                <a:sym typeface="Cabin"/>
-              </a:rPr>
-              <a:t>7</a:t>
-            </a:fld>
-            <a:endParaRPr b="0" i="0" u="none" strike="noStrike" cap="none">
-              <a:solidFill>
-                <a:srgbClr val="2D58AC"/>
-              </a:solidFill>
-              <a:latin typeface="Cabin"/>
-              <a:ea typeface="Cabin"/>
-              <a:cs typeface="Cabin"/>
-              <a:sym typeface="Cabin"/>
-            </a:endParaRPr>
-          </a:p>
-        </p:txBody>
-      </p:sp>
-      <p:pic>
-        <p:nvPicPr>
-          <p:cNvPr id="133" name="Shape 133"/>
-          <p:cNvPicPr preferRelativeResize="0"/>
-          <p:nvPr/>
-        </p:nvPicPr>
-        <p:blipFill>
-          <a:blip r:embed="rId3" cstate="print">
-            <a:alphaModFix/>
-            <a:extLst>
-              <a:ext uri="{28A0092B-C50C-407E-A947-70E740481C1C}">
-                <a14:useLocalDpi xmlns:a14="http://schemas.microsoft.com/office/drawing/2010/main"/>
-              </a:ext>
-            </a:extLst>
-          </a:blip>
-          <a:stretch>
-            <a:fillRect/>
-          </a:stretch>
-        </p:blipFill>
-        <p:spPr>
-          <a:xfrm>
-            <a:off x="5192108" y="2181600"/>
-            <a:ext cx="3503801" cy="2627838"/>
-          </a:xfrm>
-          <a:prstGeom prst="rect">
-            <a:avLst/>
-          </a:prstGeom>
-          <a:noFill/>
-          <a:ln>
-            <a:noFill/>
-          </a:ln>
-        </p:spPr>
-      </p:pic>
-    </p:spTree>
-    <p:extLst>
-      <p:ext uri="{BB962C8B-B14F-4D97-AF65-F5344CB8AC3E}">
-        <p14:creationId xmlns:p14="http://schemas.microsoft.com/office/powerpoint/2010/main" val="2636337621"/>
-      </p:ext>
-    </p:extLst>
-  </p:cSld>
-  <p:clrMapOvr>
-    <a:masterClrMapping/>
-  </p:clrMapOvr>
-</p:sld>
-</file>
-
-<file path=ppt/slides/slide8.xml><?xml version="1.0" encoding="utf-8"?>
+<file path=ppt/slides/slide4.xml><?xml version="1.0" encoding="utf-8"?>
 <p:sld xmlns:a="http://schemas.openxmlformats.org/drawingml/2006/main" xmlns:r="http://schemas.openxmlformats.org/officeDocument/2006/relationships" xmlns:p="http://schemas.openxmlformats.org/presentationml/2006/main">
   <p:cSld>
     <p:spTree>
@@ -8083,7 +5930,7 @@
           <p:cNvPr id="2" name="Title 1">
             <a:extLst>
               <a:ext uri="{FF2B5EF4-FFF2-40B4-BE49-F238E27FC236}">
-                <a16:creationId xmlns:a16="http://schemas.microsoft.com/office/drawing/2014/main" id="{1EFD2DD7-1EBE-9ADE-BC02-ED7C095747C9}"/>
+                <a16:creationId xmlns:a16="http://schemas.microsoft.com/office/drawing/2014/main" id="{984E968E-E7C5-237E-20F8-B116F95209B1}"/>
               </a:ext>
             </a:extLst>
           </p:cNvPr>
@@ -8101,7 +5948,7 @@
           <a:p>
             <a:r>
               <a:rPr lang="en-US" dirty="0"/>
-              <a:t>FAQs</a:t>
+              <a:t>HOW DO YOU GET A CORE VALUES SCORE?</a:t>
             </a:r>
           </a:p>
         </p:txBody>
@@ -8111,7 +5958,7 @@
           <p:cNvPr id="3" name="Content Placeholder 2">
             <a:extLst>
               <a:ext uri="{FF2B5EF4-FFF2-40B4-BE49-F238E27FC236}">
-                <a16:creationId xmlns:a16="http://schemas.microsoft.com/office/drawing/2014/main" id="{52B14860-2877-DAD5-77D0-6D070DEEE09C}"/>
+                <a16:creationId xmlns:a16="http://schemas.microsoft.com/office/drawing/2014/main" id="{82880A06-774A-319A-8C6F-A2A1DB35884C}"/>
               </a:ext>
             </a:extLst>
           </p:cNvPr>
@@ -8124,66 +5971,39 @@
         </p:nvSpPr>
         <p:spPr>
           <a:xfrm>
-            <a:off x="448091" y="1505582"/>
-            <a:ext cx="8238707" cy="4844417"/>
+            <a:off x="448091" y="1505583"/>
+            <a:ext cx="3835151" cy="4353215"/>
           </a:xfrm>
         </p:spPr>
         <p:txBody>
           <a:bodyPr>
-            <a:normAutofit fontScale="55000" lnSpcReduction="20000"/>
+            <a:normAutofit fontScale="70000" lnSpcReduction="20000"/>
           </a:bodyPr>
           <a:lstStyle/>
           <a:p>
             <a:r>
-              <a:rPr lang="en-US" dirty="0"/>
-              <a:t>Will we get to give a presentation during the Core Values Reflection component?</a:t>
-            </a:r>
-          </a:p>
-          <a:p>
-            <a:pPr lvl="1"/>
-            <a:r>
-              <a:rPr lang="en-US" dirty="0"/>
-              <a:t>No. Judges are supposed to ask your team questions during this period. Ask ahead of time if presentations are allowed.</a:t>
-            </a:r>
-          </a:p>
-          <a:p>
-            <a:r>
-              <a:rPr lang="en-US" dirty="0"/>
-              <a:t>Then how can I tell the judge about about our team’s Core Values?</a:t>
-            </a:r>
-          </a:p>
-          <a:p>
-            <a:pPr lvl="1"/>
-            <a:r>
-              <a:rPr lang="en-US" dirty="0"/>
-              <a:t>You should include examples through the entire 30mins – e.g. how you picked a project topic together, how you resolved a problem during robot building, how you helped another team, program, etc.</a:t>
-            </a:r>
-          </a:p>
-          <a:p>
-            <a:r>
-              <a:rPr lang="en-US" dirty="0"/>
-              <a:t>Do we need to have a tri-fold or poster?</a:t>
-            </a:r>
-          </a:p>
-          <a:p>
-            <a:pPr lvl="1"/>
-            <a:r>
-              <a:rPr lang="en-US" dirty="0"/>
-              <a:t>No. Some teams will bring one (if allowed). They are not required and simply extra props a team chooses to have.</a:t>
-            </a:r>
-          </a:p>
-          <a:p>
-            <a:r>
-              <a:rPr lang="en-US" dirty="0"/>
-              <a:t>What type of documentation is useful?</a:t>
-            </a:r>
-          </a:p>
-          <a:p>
-            <a:pPr lvl="1"/>
-            <a:r>
-              <a:rPr lang="en-US" dirty="0"/>
-              <a:t>Posters with photographs and a Core Values journal documenting all your activities are common among teams.</a:t>
-            </a:r>
+              <a:rPr lang="en-US" dirty="0">
+                <a:solidFill>
+                  <a:srgbClr val="141413"/>
+                </a:solidFill>
+                <a:effectLst/>
+                <a:latin typeface="Arial" panose="020B0604020202020204" pitchFamily="34" charset="0"/>
+              </a:rPr>
+              <a:t>Core Values Score is calculated by adding together 5 criteria from the Innovation Project Rubric and 5 from the Robot Design Rubric (marked with a flower icon)</a:t>
+            </a:r>
+          </a:p>
+          <a:p>
+            <a:r>
+              <a:rPr lang="en-US" dirty="0">
+                <a:solidFill>
+                  <a:srgbClr val="141413"/>
+                </a:solidFill>
+                <a:effectLst/>
+                <a:latin typeface="Arial" panose="020B0604020202020204" pitchFamily="34" charset="0"/>
+              </a:rPr>
+              <a:t>In addition, a Gracious Professionalism (judged at the Robot Game table) score is added.</a:t>
+            </a:r>
+            <a:endParaRPr lang="en-US" dirty="0"/>
           </a:p>
         </p:txBody>
       </p:sp>
@@ -8192,7 +6012,7 @@
           <p:cNvPr id="4" name="Footer Placeholder 3">
             <a:extLst>
               <a:ext uri="{FF2B5EF4-FFF2-40B4-BE49-F238E27FC236}">
-                <a16:creationId xmlns:a16="http://schemas.microsoft.com/office/drawing/2014/main" id="{6E024D6D-A137-6C9A-B33F-CE60C20F0F01}"/>
+                <a16:creationId xmlns:a16="http://schemas.microsoft.com/office/drawing/2014/main" id="{1D9F102B-179C-51E6-B665-1E431136027D}"/>
               </a:ext>
             </a:extLst>
           </p:cNvPr>
@@ -8210,7 +6030,7 @@
           <a:p>
             <a:r>
               <a:rPr lang="en-US"/>
-              <a:t>Copyright 2023, FLLTutorials.com. Last Update 5/29/2023</a:t>
+              <a:t>Copyright 2024, FLLTutorials.com. Last Update 8/06/2024</a:t>
             </a:r>
             <a:endParaRPr lang="en-US" dirty="0"/>
           </a:p>
@@ -8221,7 +6041,7 @@
           <p:cNvPr id="5" name="Slide Number Placeholder 4">
             <a:extLst>
               <a:ext uri="{FF2B5EF4-FFF2-40B4-BE49-F238E27FC236}">
-                <a16:creationId xmlns:a16="http://schemas.microsoft.com/office/drawing/2014/main" id="{E7723787-8CE0-AE87-C11A-8497F6AAF3D1}"/>
+                <a16:creationId xmlns:a16="http://schemas.microsoft.com/office/drawing/2014/main" id="{29EC7912-2A0F-BE3A-8351-EB6F4242D2FE}"/>
               </a:ext>
             </a:extLst>
           </p:cNvPr>
@@ -8240,16 +6060,157 @@
             <a:fld id="{D57F1E4F-1CFF-5643-939E-217C01CDF565}" type="slidenum">
               <a:rPr lang="en-US" smtClean="0"/>
               <a:pPr/>
-              <a:t>8</a:t>
+              <a:t>4</a:t>
             </a:fld>
             <a:endParaRPr lang="en-US" dirty="0"/>
           </a:p>
         </p:txBody>
       </p:sp>
+      <p:pic>
+        <p:nvPicPr>
+          <p:cNvPr id="1026" name="Picture 2">
+            <a:extLst>
+              <a:ext uri="{FF2B5EF4-FFF2-40B4-BE49-F238E27FC236}">
+                <a16:creationId xmlns:a16="http://schemas.microsoft.com/office/drawing/2014/main" id="{E10D95D5-BF72-4CDB-9B30-B077CFDC729F}"/>
+              </a:ext>
+            </a:extLst>
+          </p:cNvPr>
+          <p:cNvPicPr>
+            <a:picLocks noChangeAspect="1" noChangeArrowheads="1"/>
+          </p:cNvPicPr>
+          <p:nvPr/>
+        </p:nvPicPr>
+        <p:blipFill>
+          <a:blip r:embed="rId2">
+            <a:extLst>
+              <a:ext uri="{28A0092B-C50C-407E-A947-70E740481C1C}">
+                <a14:useLocalDpi xmlns:a14="http://schemas.microsoft.com/office/drawing/2010/main" val="0"/>
+              </a:ext>
+            </a:extLst>
+          </a:blip>
+          <a:srcRect/>
+          <a:stretch>
+            <a:fillRect/>
+          </a:stretch>
+        </p:blipFill>
+        <p:spPr bwMode="auto">
+          <a:xfrm>
+            <a:off x="4209294" y="1632404"/>
+            <a:ext cx="3292173" cy="2953043"/>
+          </a:xfrm>
+          <a:prstGeom prst="rect">
+            <a:avLst/>
+          </a:prstGeom>
+          <a:noFill/>
+          <a:extLst>
+            <a:ext uri="{909E8E84-426E-40DD-AFC4-6F175D3DCCD1}">
+              <a14:hiddenFill xmlns:a14="http://schemas.microsoft.com/office/drawing/2010/main">
+                <a:solidFill>
+                  <a:srgbClr val="FFFFFF"/>
+                </a:solidFill>
+              </a14:hiddenFill>
+            </a:ext>
+          </a:extLst>
+        </p:spPr>
+      </p:pic>
+      <p:pic>
+        <p:nvPicPr>
+          <p:cNvPr id="1027" name="Picture 3">
+            <a:extLst>
+              <a:ext uri="{FF2B5EF4-FFF2-40B4-BE49-F238E27FC236}">
+                <a16:creationId xmlns:a16="http://schemas.microsoft.com/office/drawing/2014/main" id="{3A718D10-90BE-E4A2-C843-C65CB76E4D13}"/>
+              </a:ext>
+            </a:extLst>
+          </p:cNvPr>
+          <p:cNvPicPr>
+            <a:picLocks noChangeAspect="1" noChangeArrowheads="1"/>
+          </p:cNvPicPr>
+          <p:nvPr/>
+        </p:nvPicPr>
+        <p:blipFill>
+          <a:blip r:embed="rId3">
+            <a:extLst>
+              <a:ext uri="{28A0092B-C50C-407E-A947-70E740481C1C}">
+                <a14:useLocalDpi xmlns:a14="http://schemas.microsoft.com/office/drawing/2010/main" val="0"/>
+              </a:ext>
+            </a:extLst>
+          </a:blip>
+          <a:srcRect/>
+          <a:stretch>
+            <a:fillRect/>
+          </a:stretch>
+        </p:blipFill>
+        <p:spPr bwMode="auto">
+          <a:xfrm>
+            <a:off x="5505229" y="3386074"/>
+            <a:ext cx="3381021" cy="2953043"/>
+          </a:xfrm>
+          <a:prstGeom prst="rect">
+            <a:avLst/>
+          </a:prstGeom>
+          <a:noFill/>
+          <a:extLst>
+            <a:ext uri="{909E8E84-426E-40DD-AFC4-6F175D3DCCD1}">
+              <a14:hiddenFill xmlns:a14="http://schemas.microsoft.com/office/drawing/2010/main">
+                <a:solidFill>
+                  <a:srgbClr val="FFFFFF"/>
+                </a:solidFill>
+              </a14:hiddenFill>
+            </a:ext>
+          </a:extLst>
+        </p:spPr>
+      </p:pic>
+      <p:pic>
+        <p:nvPicPr>
+          <p:cNvPr id="1028" name="Picture 4">
+            <a:extLst>
+              <a:ext uri="{FF2B5EF4-FFF2-40B4-BE49-F238E27FC236}">
+                <a16:creationId xmlns:a16="http://schemas.microsoft.com/office/drawing/2014/main" id="{38F82A20-0D59-1AFE-68CE-736719422DFA}"/>
+              </a:ext>
+            </a:extLst>
+          </p:cNvPr>
+          <p:cNvPicPr>
+            <a:picLocks noChangeAspect="1" noChangeArrowheads="1"/>
+          </p:cNvPicPr>
+          <p:nvPr/>
+        </p:nvPicPr>
+        <p:blipFill>
+          <a:blip r:embed="rId4">
+            <a:extLst>
+              <a:ext uri="{28A0092B-C50C-407E-A947-70E740481C1C}">
+                <a14:useLocalDpi xmlns:a14="http://schemas.microsoft.com/office/drawing/2010/main" val="0"/>
+              </a:ext>
+            </a:extLst>
+          </a:blip>
+          <a:srcRect/>
+          <a:stretch>
+            <a:fillRect/>
+          </a:stretch>
+        </p:blipFill>
+        <p:spPr bwMode="auto">
+          <a:xfrm>
+            <a:off x="1330966" y="5647856"/>
+            <a:ext cx="4151969" cy="845019"/>
+          </a:xfrm>
+          <a:prstGeom prst="rect">
+            <a:avLst/>
+          </a:prstGeom>
+          <a:noFill/>
+          <a:extLst>
+            <a:ext uri="{909E8E84-426E-40DD-AFC4-6F175D3DCCD1}">
+              <a14:hiddenFill xmlns:a14="http://schemas.microsoft.com/office/drawing/2010/main">
+                <a:solidFill>
+                  <a:srgbClr val="FFFFFF"/>
+                </a:solidFill>
+              </a14:hiddenFill>
+            </a:ext>
+          </a:extLst>
+        </p:spPr>
+      </p:pic>
     </p:spTree>
     <p:extLst>
       <p:ext uri="{BB962C8B-B14F-4D97-AF65-F5344CB8AC3E}">
-        <p14:creationId xmlns:p14="http://schemas.microsoft.com/office/powerpoint/2010/main" val="3332926395"/>
+        <p14:creationId xmlns:p14="http://schemas.microsoft.com/office/powerpoint/2010/main" val="3212854609"/>
       </p:ext>
     </p:extLst>
   </p:cSld>
@@ -8259,7 +6220,7 @@
 </p:sld>
 </file>
 
-<file path=ppt/slides/slide9.xml><?xml version="1.0" encoding="utf-8"?>
+<file path=ppt/slides/slide5.xml><?xml version="1.0" encoding="utf-8"?>
 <p:sld xmlns:a="http://schemas.openxmlformats.org/drawingml/2006/main" xmlns:r="http://schemas.openxmlformats.org/officeDocument/2006/relationships" xmlns:p="http://schemas.openxmlformats.org/presentationml/2006/main">
   <p:cSld>
     <p:spTree>
@@ -8281,7 +6242,7 @@
           <p:cNvPr id="2" name="Title 1">
             <a:extLst>
               <a:ext uri="{FF2B5EF4-FFF2-40B4-BE49-F238E27FC236}">
-                <a16:creationId xmlns:a16="http://schemas.microsoft.com/office/drawing/2014/main" id="{D8F0C54E-DC39-7A1D-6F80-2C7D973AA758}"/>
+                <a16:creationId xmlns:a16="http://schemas.microsoft.com/office/drawing/2014/main" id="{EE6A6B56-CD35-3806-BD41-3F5620A2A928}"/>
               </a:ext>
             </a:extLst>
           </p:cNvPr>
@@ -8299,17 +6260,17 @@
           <a:p>
             <a:r>
               <a:rPr lang="en-US" dirty="0"/>
-              <a:t>SAMPLE JUDGE QUESTIONS</a:t>
-            </a:r>
-          </a:p>
-        </p:txBody>
-      </p:sp>
-      <p:sp>
-        <p:nvSpPr>
-          <p:cNvPr id="3" name="Content Placeholder 2">
+              <a:t>MAPPING THE RUBRIC TO CORE VALUES PT. 1</a:t>
+            </a:r>
+          </a:p>
+        </p:txBody>
+      </p:sp>
+      <p:sp>
+        <p:nvSpPr>
+          <p:cNvPr id="4" name="Footer Placeholder 3">
             <a:extLst>
               <a:ext uri="{FF2B5EF4-FFF2-40B4-BE49-F238E27FC236}">
-                <a16:creationId xmlns:a16="http://schemas.microsoft.com/office/drawing/2014/main" id="{CC72BFF5-ADE6-58DD-5B60-8179F2288142}"/>
+                <a16:creationId xmlns:a16="http://schemas.microsoft.com/office/drawing/2014/main" id="{50EB28A0-A0D0-E57B-7CCD-322ED80F4769}"/>
               </a:ext>
             </a:extLst>
           </p:cNvPr>
@@ -8317,68 +6278,859 @@
             <a:spLocks noGrp="1"/>
           </p:cNvSpPr>
           <p:nvPr>
-            <p:ph idx="1"/>
-          </p:nvPr>
-        </p:nvSpPr>
-        <p:spPr>
-          <a:xfrm>
-            <a:off x="448091" y="1505583"/>
-            <a:ext cx="8238707" cy="4664942"/>
-          </a:xfrm>
-        </p:spPr>
-        <p:txBody>
-          <a:bodyPr>
-            <a:normAutofit fontScale="92500" lnSpcReduction="20000"/>
+            <p:ph type="ftr" sz="quarter" idx="11"/>
+          </p:nvPr>
+        </p:nvSpPr>
+        <p:spPr/>
+        <p:txBody>
+          <a:bodyPr/>
+          <a:lstStyle/>
+          <a:p>
+            <a:r>
+              <a:rPr lang="en-US"/>
+              <a:t>Copyright 2024, FLLTutorials.com. Last Update 8/06/2024</a:t>
+            </a:r>
+            <a:endParaRPr lang="en-US" dirty="0"/>
+          </a:p>
+        </p:txBody>
+      </p:sp>
+      <p:sp>
+        <p:nvSpPr>
+          <p:cNvPr id="5" name="Slide Number Placeholder 4">
+            <a:extLst>
+              <a:ext uri="{FF2B5EF4-FFF2-40B4-BE49-F238E27FC236}">
+                <a16:creationId xmlns:a16="http://schemas.microsoft.com/office/drawing/2014/main" id="{8FFE800A-0D88-5CB8-F224-8642ED940940}"/>
+              </a:ext>
+            </a:extLst>
+          </p:cNvPr>
+          <p:cNvSpPr>
+            <a:spLocks noGrp="1"/>
+          </p:cNvSpPr>
+          <p:nvPr>
+            <p:ph type="sldNum" sz="quarter" idx="12"/>
+          </p:nvPr>
+        </p:nvSpPr>
+        <p:spPr/>
+        <p:txBody>
+          <a:bodyPr/>
+          <a:lstStyle/>
+          <a:p>
+            <a:fld id="{D57F1E4F-1CFF-5643-939E-217C01CDF565}" type="slidenum">
+              <a:rPr lang="en-US" smtClean="0"/>
+              <a:pPr/>
+              <a:t>5</a:t>
+            </a:fld>
+            <a:endParaRPr lang="en-US" dirty="0"/>
+          </a:p>
+        </p:txBody>
+      </p:sp>
+      <p:sp>
+        <p:nvSpPr>
+          <p:cNvPr id="7" name="TextBox 6">
+            <a:extLst>
+              <a:ext uri="{FF2B5EF4-FFF2-40B4-BE49-F238E27FC236}">
+                <a16:creationId xmlns:a16="http://schemas.microsoft.com/office/drawing/2014/main" id="{EA223975-D84E-8EB7-4BBD-A70AB75F11C4}"/>
+              </a:ext>
+            </a:extLst>
+          </p:cNvPr>
+          <p:cNvSpPr txBox="1"/>
+          <p:nvPr/>
+        </p:nvSpPr>
+        <p:spPr>
+          <a:xfrm>
+            <a:off x="258463" y="3607177"/>
+            <a:ext cx="1597231" cy="2677656"/>
+          </a:xfrm>
+          <a:prstGeom prst="rect">
+            <a:avLst/>
+          </a:prstGeom>
+          <a:noFill/>
+        </p:spPr>
+        <p:txBody>
+          <a:bodyPr wrap="square" rtlCol="0">
+            <a:spAutoFit/>
           </a:bodyPr>
           <a:lstStyle/>
           <a:p>
-            <a:r>
-              <a:rPr lang="en-US" sz="2400" dirty="0"/>
-              <a:t>Questions will focus on the rubric categories that the judge has not been able to complete during the rest of your judging session.</a:t>
-            </a:r>
-          </a:p>
-          <a:p>
-            <a:pPr lvl="1"/>
-            <a:r>
-              <a:rPr lang="en-US" sz="2000" dirty="0"/>
-              <a:t>Remember to include everyone and give multiple examples.</a:t>
-            </a:r>
-          </a:p>
-          <a:p>
-            <a:pPr lvl="1"/>
-            <a:r>
-              <a:rPr lang="en-US" sz="2000" dirty="0"/>
-              <a:t>Remember to go beyond just the robot game and innovation project where possible.</a:t>
-            </a:r>
-          </a:p>
-          <a:p>
-            <a:r>
-              <a:rPr lang="en-US" sz="2400" dirty="0"/>
-              <a:t>Describe a challenge your team faced this season and how you overcame it. </a:t>
-            </a:r>
-          </a:p>
-          <a:p>
-            <a:r>
-              <a:rPr lang="en-US" sz="2400" dirty="0"/>
-              <a:t>What was something your team did for fun?</a:t>
-            </a:r>
-          </a:p>
-          <a:p>
-            <a:r>
-              <a:rPr lang="en-US" sz="2400" dirty="0"/>
-              <a:t>Did you have any disagreements this season? How did you resolve it?</a:t>
-            </a:r>
-          </a:p>
-          <a:p>
-            <a:r>
-              <a:rPr lang="en-US" sz="2400" dirty="0"/>
-              <a:t>What is one thing you learned this season?</a:t>
-            </a:r>
-          </a:p>
-          <a:p>
-            <a:r>
-              <a:rPr lang="en-US" sz="2400" dirty="0"/>
-              <a:t>Did you have the opportunity to collaborate with or help another team?</a:t>
+            <a:pPr rtl="0">
+              <a:spcBef>
+                <a:spcPts val="0"/>
+              </a:spcBef>
+              <a:spcAft>
+                <a:spcPts val="0"/>
+              </a:spcAft>
+            </a:pPr>
+            <a:r>
+              <a:rPr lang="en-US" sz="1400" b="0" i="0" u="none" strike="noStrike" dirty="0">
+                <a:solidFill>
+                  <a:srgbClr val="000000"/>
+                </a:solidFill>
+                <a:effectLst/>
+                <a:latin typeface="Calibri" panose="020F0502020204030204" pitchFamily="34" charset="0"/>
+              </a:rPr>
+              <a:t>Clearly state all sources you used (books, websites, mentors, another team, etc.) and what you learned from each of them. What did you discover? How did this influence the rest of your Robot Design?</a:t>
+            </a:r>
+            <a:endParaRPr lang="en-US" sz="1400" b="0" dirty="0">
+              <a:effectLst/>
+            </a:endParaRPr>
+          </a:p>
+        </p:txBody>
+      </p:sp>
+      <p:sp>
+        <p:nvSpPr>
+          <p:cNvPr id="8" name="TextBox 7">
+            <a:extLst>
+              <a:ext uri="{FF2B5EF4-FFF2-40B4-BE49-F238E27FC236}">
+                <a16:creationId xmlns:a16="http://schemas.microsoft.com/office/drawing/2014/main" id="{5F314640-0B13-6B7D-50D6-28729F53AFE9}"/>
+              </a:ext>
+            </a:extLst>
+          </p:cNvPr>
+          <p:cNvSpPr txBox="1"/>
+          <p:nvPr/>
+        </p:nvSpPr>
+        <p:spPr>
+          <a:xfrm>
+            <a:off x="1855694" y="3607177"/>
+            <a:ext cx="1597231" cy="2677656"/>
+          </a:xfrm>
+          <a:prstGeom prst="rect">
+            <a:avLst/>
+          </a:prstGeom>
+          <a:noFill/>
+        </p:spPr>
+        <p:txBody>
+          <a:bodyPr wrap="square" rtlCol="0">
+            <a:spAutoFit/>
+          </a:bodyPr>
+          <a:lstStyle/>
+          <a:p>
+            <a:pPr rtl="0">
+              <a:spcBef>
+                <a:spcPts val="0"/>
+              </a:spcBef>
+              <a:spcAft>
+                <a:spcPts val="0"/>
+              </a:spcAft>
+            </a:pPr>
+            <a:r>
+              <a:rPr lang="en-US" sz="1400" b="0" i="0" u="none" strike="noStrike" dirty="0">
+                <a:solidFill>
+                  <a:srgbClr val="000000"/>
+                </a:solidFill>
+                <a:effectLst/>
+                <a:latin typeface="Calibri" panose="020F0502020204030204" pitchFamily="34" charset="0"/>
+              </a:rPr>
+              <a:t>Clearly state all sources you used (books, websites, mentors, another team, etc.) and what you learned from each of them. What did you discover? How did this influence the rest of your Robot Design?</a:t>
+            </a:r>
+            <a:endParaRPr lang="en-US" sz="1400" b="0" dirty="0">
+              <a:effectLst/>
+            </a:endParaRPr>
+          </a:p>
+        </p:txBody>
+      </p:sp>
+      <p:sp>
+        <p:nvSpPr>
+          <p:cNvPr id="9" name="TextBox 8">
+            <a:extLst>
+              <a:ext uri="{FF2B5EF4-FFF2-40B4-BE49-F238E27FC236}">
+                <a16:creationId xmlns:a16="http://schemas.microsoft.com/office/drawing/2014/main" id="{B3BED20B-F37B-6EBC-48A5-532A3C173FC5}"/>
+              </a:ext>
+            </a:extLst>
+          </p:cNvPr>
+          <p:cNvSpPr txBox="1"/>
+          <p:nvPr/>
+        </p:nvSpPr>
+        <p:spPr>
+          <a:xfrm>
+            <a:off x="3773384" y="3607177"/>
+            <a:ext cx="1597231" cy="2677656"/>
+          </a:xfrm>
+          <a:prstGeom prst="rect">
+            <a:avLst/>
+          </a:prstGeom>
+          <a:noFill/>
+        </p:spPr>
+        <p:txBody>
+          <a:bodyPr wrap="square" rtlCol="0">
+            <a:spAutoFit/>
+          </a:bodyPr>
+          <a:lstStyle/>
+          <a:p>
+            <a:pPr rtl="0">
+              <a:spcBef>
+                <a:spcPts val="0"/>
+              </a:spcBef>
+              <a:spcAft>
+                <a:spcPts val="0"/>
+              </a:spcAft>
+            </a:pPr>
+            <a:r>
+              <a:rPr lang="en-US" sz="1400" b="0" i="0" u="none" strike="noStrike" dirty="0">
+                <a:solidFill>
+                  <a:srgbClr val="000000"/>
+                </a:solidFill>
+                <a:effectLst/>
+                <a:latin typeface="Calibri" panose="020F0502020204030204" pitchFamily="34" charset="0"/>
+              </a:rPr>
+              <a:t>Clearly state all sources you used (books, websites, mentors, another team, etc.) and what you learned from each of them. What did you discover? How did this influence the rest of your Robot Design?</a:t>
+            </a:r>
+            <a:endParaRPr lang="en-US" sz="1400" b="0" dirty="0">
+              <a:effectLst/>
+            </a:endParaRPr>
+          </a:p>
+        </p:txBody>
+      </p:sp>
+      <p:sp>
+        <p:nvSpPr>
+          <p:cNvPr id="10" name="TextBox 9">
+            <a:extLst>
+              <a:ext uri="{FF2B5EF4-FFF2-40B4-BE49-F238E27FC236}">
+                <a16:creationId xmlns:a16="http://schemas.microsoft.com/office/drawing/2014/main" id="{04CC6AA0-BB51-4FF1-0008-F68C610965E6}"/>
+              </a:ext>
+            </a:extLst>
+          </p:cNvPr>
+          <p:cNvSpPr txBox="1"/>
+          <p:nvPr/>
+        </p:nvSpPr>
+        <p:spPr>
+          <a:xfrm>
+            <a:off x="5548395" y="3607177"/>
+            <a:ext cx="1597231" cy="2677656"/>
+          </a:xfrm>
+          <a:prstGeom prst="rect">
+            <a:avLst/>
+          </a:prstGeom>
+          <a:noFill/>
+        </p:spPr>
+        <p:txBody>
+          <a:bodyPr wrap="square" rtlCol="0">
+            <a:spAutoFit/>
+          </a:bodyPr>
+          <a:lstStyle/>
+          <a:p>
+            <a:pPr rtl="0">
+              <a:spcBef>
+                <a:spcPts val="0"/>
+              </a:spcBef>
+              <a:spcAft>
+                <a:spcPts val="0"/>
+              </a:spcAft>
+            </a:pPr>
+            <a:r>
+              <a:rPr lang="en-US" sz="1400" b="0" i="0" u="none" strike="noStrike" dirty="0">
+                <a:solidFill>
+                  <a:srgbClr val="000000"/>
+                </a:solidFill>
+                <a:effectLst/>
+                <a:latin typeface="Calibri" panose="020F0502020204030204" pitchFamily="34" charset="0"/>
+              </a:rPr>
+              <a:t>Clearly state all sources you used (books, websites, mentors, another team, etc.) and what you learned from each of them. What did you discover? How did this influence the rest of your Robot Design?</a:t>
+            </a:r>
+            <a:endParaRPr lang="en-US" sz="1400" b="0" dirty="0">
+              <a:effectLst/>
+            </a:endParaRPr>
+          </a:p>
+        </p:txBody>
+      </p:sp>
+      <p:sp>
+        <p:nvSpPr>
+          <p:cNvPr id="11" name="TextBox 10">
+            <a:extLst>
+              <a:ext uri="{FF2B5EF4-FFF2-40B4-BE49-F238E27FC236}">
+                <a16:creationId xmlns:a16="http://schemas.microsoft.com/office/drawing/2014/main" id="{33D4A833-C126-5734-6236-54DE2CF3312C}"/>
+              </a:ext>
+            </a:extLst>
+          </p:cNvPr>
+          <p:cNvSpPr txBox="1"/>
+          <p:nvPr/>
+        </p:nvSpPr>
+        <p:spPr>
+          <a:xfrm>
+            <a:off x="7323406" y="3607177"/>
+            <a:ext cx="1597231" cy="2677656"/>
+          </a:xfrm>
+          <a:prstGeom prst="rect">
+            <a:avLst/>
+          </a:prstGeom>
+          <a:noFill/>
+        </p:spPr>
+        <p:txBody>
+          <a:bodyPr wrap="square" rtlCol="0">
+            <a:spAutoFit/>
+          </a:bodyPr>
+          <a:lstStyle/>
+          <a:p>
+            <a:pPr rtl="0">
+              <a:spcBef>
+                <a:spcPts val="0"/>
+              </a:spcBef>
+              <a:spcAft>
+                <a:spcPts val="0"/>
+              </a:spcAft>
+            </a:pPr>
+            <a:r>
+              <a:rPr lang="en-US" sz="1400" b="0" i="0" u="none" strike="noStrike" dirty="0">
+                <a:solidFill>
+                  <a:srgbClr val="000000"/>
+                </a:solidFill>
+                <a:effectLst/>
+                <a:latin typeface="Calibri" panose="020F0502020204030204" pitchFamily="34" charset="0"/>
+              </a:rPr>
+              <a:t>Clearly state all sources you used (books, websites, mentors, another team, etc.) and what you learned from each of them. What did you discover? How did this influence the rest of your Robot Design?</a:t>
+            </a:r>
+            <a:endParaRPr lang="en-US" sz="1400" b="0" dirty="0">
+              <a:effectLst/>
+            </a:endParaRPr>
+          </a:p>
+        </p:txBody>
+      </p:sp>
+      <p:pic>
+        <p:nvPicPr>
+          <p:cNvPr id="3080" name="Picture 8">
+            <a:extLst>
+              <a:ext uri="{FF2B5EF4-FFF2-40B4-BE49-F238E27FC236}">
+                <a16:creationId xmlns:a16="http://schemas.microsoft.com/office/drawing/2014/main" id="{672541BD-9DEF-7C5F-CB87-57A4121867FA}"/>
+              </a:ext>
+            </a:extLst>
+          </p:cNvPr>
+          <p:cNvPicPr>
+            <a:picLocks noChangeAspect="1" noChangeArrowheads="1"/>
+          </p:cNvPicPr>
+          <p:nvPr/>
+        </p:nvPicPr>
+        <p:blipFill>
+          <a:blip r:embed="rId2">
+            <a:extLst>
+              <a:ext uri="{28A0092B-C50C-407E-A947-70E740481C1C}">
+                <a14:useLocalDpi xmlns:a14="http://schemas.microsoft.com/office/drawing/2010/main" val="0"/>
+              </a:ext>
+            </a:extLst>
+          </a:blip>
+          <a:srcRect/>
+          <a:stretch>
+            <a:fillRect/>
+          </a:stretch>
+        </p:blipFill>
+        <p:spPr bwMode="auto">
+          <a:xfrm>
+            <a:off x="7694257" y="1632545"/>
+            <a:ext cx="817303" cy="817303"/>
+          </a:xfrm>
+          <a:prstGeom prst="rect">
+            <a:avLst/>
+          </a:prstGeom>
+          <a:noFill/>
+          <a:extLst>
+            <a:ext uri="{909E8E84-426E-40DD-AFC4-6F175D3DCCD1}">
+              <a14:hiddenFill xmlns:a14="http://schemas.microsoft.com/office/drawing/2010/main">
+                <a:solidFill>
+                  <a:srgbClr val="FFFFFF"/>
+                </a:solidFill>
+              </a14:hiddenFill>
+            </a:ext>
+          </a:extLst>
+        </p:spPr>
+      </p:pic>
+      <p:pic>
+        <p:nvPicPr>
+          <p:cNvPr id="3084" name="Picture 12">
+            <a:extLst>
+              <a:ext uri="{FF2B5EF4-FFF2-40B4-BE49-F238E27FC236}">
+                <a16:creationId xmlns:a16="http://schemas.microsoft.com/office/drawing/2014/main" id="{199334F7-629E-813D-E9C7-ECC4593C6B70}"/>
+              </a:ext>
+            </a:extLst>
+          </p:cNvPr>
+          <p:cNvPicPr>
+            <a:picLocks noChangeAspect="1" noChangeArrowheads="1"/>
+          </p:cNvPicPr>
+          <p:nvPr/>
+        </p:nvPicPr>
+        <p:blipFill>
+          <a:blip r:embed="rId3">
+            <a:extLst>
+              <a:ext uri="{28A0092B-C50C-407E-A947-70E740481C1C}">
+                <a14:useLocalDpi xmlns:a14="http://schemas.microsoft.com/office/drawing/2010/main" val="0"/>
+              </a:ext>
+            </a:extLst>
+          </a:blip>
+          <a:srcRect/>
+          <a:stretch>
+            <a:fillRect/>
+          </a:stretch>
+        </p:blipFill>
+        <p:spPr bwMode="auto">
+          <a:xfrm>
+            <a:off x="5846443" y="1632545"/>
+            <a:ext cx="817303" cy="817303"/>
+          </a:xfrm>
+          <a:prstGeom prst="rect">
+            <a:avLst/>
+          </a:prstGeom>
+          <a:noFill/>
+          <a:extLst>
+            <a:ext uri="{909E8E84-426E-40DD-AFC4-6F175D3DCCD1}">
+              <a14:hiddenFill xmlns:a14="http://schemas.microsoft.com/office/drawing/2010/main">
+                <a:solidFill>
+                  <a:srgbClr val="FFFFFF"/>
+                </a:solidFill>
+              </a14:hiddenFill>
+            </a:ext>
+          </a:extLst>
+        </p:spPr>
+      </p:pic>
+      <p:pic>
+        <p:nvPicPr>
+          <p:cNvPr id="3086" name="Picture 14">
+            <a:extLst>
+              <a:ext uri="{FF2B5EF4-FFF2-40B4-BE49-F238E27FC236}">
+                <a16:creationId xmlns:a16="http://schemas.microsoft.com/office/drawing/2014/main" id="{CBA4955E-442C-F375-FB03-261749401472}"/>
+              </a:ext>
+            </a:extLst>
+          </p:cNvPr>
+          <p:cNvPicPr>
+            <a:picLocks noChangeAspect="1" noChangeArrowheads="1"/>
+          </p:cNvPicPr>
+          <p:nvPr/>
+        </p:nvPicPr>
+        <p:blipFill>
+          <a:blip r:embed="rId4">
+            <a:extLst>
+              <a:ext uri="{28A0092B-C50C-407E-A947-70E740481C1C}">
+                <a14:useLocalDpi xmlns:a14="http://schemas.microsoft.com/office/drawing/2010/main" val="0"/>
+              </a:ext>
+            </a:extLst>
+          </a:blip>
+          <a:srcRect/>
+          <a:stretch>
+            <a:fillRect/>
+          </a:stretch>
+        </p:blipFill>
+        <p:spPr bwMode="auto">
+          <a:xfrm>
+            <a:off x="2180189" y="1632545"/>
+            <a:ext cx="823590" cy="817303"/>
+          </a:xfrm>
+          <a:prstGeom prst="rect">
+            <a:avLst/>
+          </a:prstGeom>
+          <a:noFill/>
+          <a:extLst>
+            <a:ext uri="{909E8E84-426E-40DD-AFC4-6F175D3DCCD1}">
+              <a14:hiddenFill xmlns:a14="http://schemas.microsoft.com/office/drawing/2010/main">
+                <a:solidFill>
+                  <a:srgbClr val="FFFFFF"/>
+                </a:solidFill>
+              </a14:hiddenFill>
+            </a:ext>
+          </a:extLst>
+        </p:spPr>
+      </p:pic>
+      <p:pic>
+        <p:nvPicPr>
+          <p:cNvPr id="3088" name="Picture 16">
+            <a:extLst>
+              <a:ext uri="{FF2B5EF4-FFF2-40B4-BE49-F238E27FC236}">
+                <a16:creationId xmlns:a16="http://schemas.microsoft.com/office/drawing/2014/main" id="{7986E54E-4BEE-4DD6-03BA-1628554D4BB0}"/>
+              </a:ext>
+            </a:extLst>
+          </p:cNvPr>
+          <p:cNvPicPr>
+            <a:picLocks noChangeAspect="1" noChangeArrowheads="1"/>
+          </p:cNvPicPr>
+          <p:nvPr/>
+        </p:nvPicPr>
+        <p:blipFill rotWithShape="1">
+          <a:blip r:embed="rId5">
+            <a:extLst>
+              <a:ext uri="{28A0092B-C50C-407E-A947-70E740481C1C}">
+                <a14:useLocalDpi xmlns:a14="http://schemas.microsoft.com/office/drawing/2010/main" val="0"/>
+              </a:ext>
+            </a:extLst>
+          </a:blip>
+          <a:srcRect l="35001" t="57515" r="54411" b="9359"/>
+          <a:stretch/>
+        </p:blipFill>
+        <p:spPr bwMode="auto">
+          <a:xfrm>
+            <a:off x="531757" y="1632545"/>
+            <a:ext cx="880742" cy="856278"/>
+          </a:xfrm>
+          <a:prstGeom prst="rect">
+            <a:avLst/>
+          </a:prstGeom>
+          <a:noFill/>
+          <a:extLst>
+            <a:ext uri="{909E8E84-426E-40DD-AFC4-6F175D3DCCD1}">
+              <a14:hiddenFill xmlns:a14="http://schemas.microsoft.com/office/drawing/2010/main">
+                <a:solidFill>
+                  <a:srgbClr val="FFFFFF"/>
+                </a:solidFill>
+              </a14:hiddenFill>
+            </a:ext>
+          </a:extLst>
+        </p:spPr>
+      </p:pic>
+      <p:sp>
+        <p:nvSpPr>
+          <p:cNvPr id="15" name="TextBox 14">
+            <a:extLst>
+              <a:ext uri="{FF2B5EF4-FFF2-40B4-BE49-F238E27FC236}">
+                <a16:creationId xmlns:a16="http://schemas.microsoft.com/office/drawing/2014/main" id="{33E68599-5177-BC85-D1BC-3D7A34F2B452}"/>
+              </a:ext>
+            </a:extLst>
+          </p:cNvPr>
+          <p:cNvSpPr txBox="1"/>
+          <p:nvPr/>
+        </p:nvSpPr>
+        <p:spPr>
+          <a:xfrm>
+            <a:off x="113186" y="2527713"/>
+            <a:ext cx="1597231" cy="830997"/>
+          </a:xfrm>
+          <a:prstGeom prst="rect">
+            <a:avLst/>
+          </a:prstGeom>
+          <a:noFill/>
+        </p:spPr>
+        <p:txBody>
+          <a:bodyPr wrap="square">
+            <a:spAutoFit/>
+          </a:bodyPr>
+          <a:lstStyle/>
+          <a:p>
+            <a:pPr algn="ctr" rtl="0">
+              <a:spcBef>
+                <a:spcPts val="0"/>
+              </a:spcBef>
+              <a:spcAft>
+                <a:spcPts val="0"/>
+              </a:spcAft>
+            </a:pPr>
+            <a:r>
+              <a:rPr lang="en-US" sz="1600" b="1" i="0" u="none" strike="noStrike" dirty="0">
+                <a:solidFill>
+                  <a:srgbClr val="000000"/>
+                </a:solidFill>
+                <a:effectLst/>
+                <a:latin typeface="Calibri" panose="020F0502020204030204" pitchFamily="34" charset="0"/>
+              </a:rPr>
+              <a:t>Build and Coding Resources</a:t>
+            </a:r>
+            <a:endParaRPr lang="en-US" sz="1600" b="0" dirty="0">
+              <a:effectLst/>
+            </a:endParaRPr>
+          </a:p>
+        </p:txBody>
+      </p:sp>
+      <p:sp>
+        <p:nvSpPr>
+          <p:cNvPr id="16" name="TextBox 15">
+            <a:extLst>
+              <a:ext uri="{FF2B5EF4-FFF2-40B4-BE49-F238E27FC236}">
+                <a16:creationId xmlns:a16="http://schemas.microsoft.com/office/drawing/2014/main" id="{EEDE0659-496B-15B0-7925-6AA76AA2B8A6}"/>
+              </a:ext>
+            </a:extLst>
+          </p:cNvPr>
+          <p:cNvSpPr txBox="1"/>
+          <p:nvPr/>
+        </p:nvSpPr>
+        <p:spPr>
+          <a:xfrm>
+            <a:off x="1793369" y="2527713"/>
+            <a:ext cx="1597231" cy="1077218"/>
+          </a:xfrm>
+          <a:prstGeom prst="rect">
+            <a:avLst/>
+          </a:prstGeom>
+          <a:noFill/>
+        </p:spPr>
+        <p:txBody>
+          <a:bodyPr wrap="square">
+            <a:spAutoFit/>
+          </a:bodyPr>
+          <a:lstStyle/>
+          <a:p>
+            <a:pPr algn="ctr" rtl="0">
+              <a:spcBef>
+                <a:spcPts val="0"/>
+              </a:spcBef>
+              <a:spcAft>
+                <a:spcPts val="0"/>
+              </a:spcAft>
+            </a:pPr>
+            <a:r>
+              <a:rPr lang="en-US" sz="1600" b="1" i="0" u="none" strike="noStrike" dirty="0">
+                <a:solidFill>
+                  <a:srgbClr val="000000"/>
+                </a:solidFill>
+                <a:effectLst/>
+                <a:latin typeface="Calibri" panose="020F0502020204030204" pitchFamily="34" charset="0"/>
+              </a:rPr>
+              <a:t>All team members contributed ideas</a:t>
+            </a:r>
+            <a:endParaRPr lang="en-US" sz="1600" b="0" dirty="0">
+              <a:effectLst/>
+            </a:endParaRPr>
+          </a:p>
+        </p:txBody>
+      </p:sp>
+      <p:sp>
+        <p:nvSpPr>
+          <p:cNvPr id="17" name="TextBox 16">
+            <a:extLst>
+              <a:ext uri="{FF2B5EF4-FFF2-40B4-BE49-F238E27FC236}">
+                <a16:creationId xmlns:a16="http://schemas.microsoft.com/office/drawing/2014/main" id="{EB278C9C-EB24-D1EC-4BD1-68EA200BD6AB}"/>
+              </a:ext>
+            </a:extLst>
+          </p:cNvPr>
+          <p:cNvSpPr txBox="1"/>
+          <p:nvPr/>
+        </p:nvSpPr>
+        <p:spPr>
+          <a:xfrm>
+            <a:off x="3641183" y="2527713"/>
+            <a:ext cx="1597231" cy="584775"/>
+          </a:xfrm>
+          <a:prstGeom prst="rect">
+            <a:avLst/>
+          </a:prstGeom>
+          <a:noFill/>
+        </p:spPr>
+        <p:txBody>
+          <a:bodyPr wrap="square">
+            <a:spAutoFit/>
+          </a:bodyPr>
+          <a:lstStyle/>
+          <a:p>
+            <a:pPr algn="ctr" rtl="0">
+              <a:spcBef>
+                <a:spcPts val="0"/>
+              </a:spcBef>
+              <a:spcAft>
+                <a:spcPts val="0"/>
+              </a:spcAft>
+            </a:pPr>
+            <a:r>
+              <a:rPr lang="en-US" sz="1600" b="1" i="0" u="none" strike="noStrike" dirty="0">
+                <a:solidFill>
+                  <a:srgbClr val="000000"/>
+                </a:solidFill>
+                <a:effectLst/>
+                <a:latin typeface="Calibri" panose="020F0502020204030204" pitchFamily="34" charset="0"/>
+              </a:rPr>
+              <a:t>Improvements based on testing</a:t>
+            </a:r>
+            <a:endParaRPr lang="en-US" sz="1600" b="0" dirty="0">
+              <a:effectLst/>
+            </a:endParaRPr>
+          </a:p>
+        </p:txBody>
+      </p:sp>
+      <p:sp>
+        <p:nvSpPr>
+          <p:cNvPr id="18" name="TextBox 17">
+            <a:extLst>
+              <a:ext uri="{FF2B5EF4-FFF2-40B4-BE49-F238E27FC236}">
+                <a16:creationId xmlns:a16="http://schemas.microsoft.com/office/drawing/2014/main" id="{1A816C3C-5FC2-0E5E-D46C-BACAF775AAD5}"/>
+              </a:ext>
+            </a:extLst>
+          </p:cNvPr>
+          <p:cNvSpPr txBox="1"/>
+          <p:nvPr/>
+        </p:nvSpPr>
+        <p:spPr>
+          <a:xfrm>
+            <a:off x="5365156" y="2527713"/>
+            <a:ext cx="1597231" cy="584775"/>
+          </a:xfrm>
+          <a:prstGeom prst="rect">
+            <a:avLst/>
+          </a:prstGeom>
+          <a:noFill/>
+        </p:spPr>
+        <p:txBody>
+          <a:bodyPr wrap="square">
+            <a:spAutoFit/>
+          </a:bodyPr>
+          <a:lstStyle/>
+          <a:p>
+            <a:pPr algn="ctr" rtl="0">
+              <a:spcBef>
+                <a:spcPts val="0"/>
+              </a:spcBef>
+              <a:spcAft>
+                <a:spcPts val="0"/>
+              </a:spcAft>
+            </a:pPr>
+            <a:r>
+              <a:rPr lang="en-US" sz="1600" b="1" i="0" u="none" strike="noStrike" dirty="0">
+                <a:solidFill>
+                  <a:srgbClr val="000000"/>
+                </a:solidFill>
+                <a:effectLst/>
+                <a:latin typeface="Calibri" panose="020F0502020204030204" pitchFamily="34" charset="0"/>
+              </a:rPr>
+              <a:t>Process and lessons learned</a:t>
+            </a:r>
+            <a:endParaRPr lang="en-US" sz="1600" b="0" dirty="0">
+              <a:effectLst/>
+            </a:endParaRPr>
+          </a:p>
+        </p:txBody>
+      </p:sp>
+      <p:sp>
+        <p:nvSpPr>
+          <p:cNvPr id="19" name="TextBox 18">
+            <a:extLst>
+              <a:ext uri="{FF2B5EF4-FFF2-40B4-BE49-F238E27FC236}">
+                <a16:creationId xmlns:a16="http://schemas.microsoft.com/office/drawing/2014/main" id="{6CC4A2EE-B7ED-F06F-1EA9-E9AA4529197E}"/>
+              </a:ext>
+            </a:extLst>
+          </p:cNvPr>
+          <p:cNvSpPr txBox="1"/>
+          <p:nvPr/>
+        </p:nvSpPr>
+        <p:spPr>
+          <a:xfrm>
+            <a:off x="7209301" y="2527713"/>
+            <a:ext cx="1597231" cy="584775"/>
+          </a:xfrm>
+          <a:prstGeom prst="rect">
+            <a:avLst/>
+          </a:prstGeom>
+          <a:noFill/>
+        </p:spPr>
+        <p:txBody>
+          <a:bodyPr wrap="square">
+            <a:spAutoFit/>
+          </a:bodyPr>
+          <a:lstStyle/>
+          <a:p>
+            <a:pPr algn="ctr" rtl="0">
+              <a:spcBef>
+                <a:spcPts val="0"/>
+              </a:spcBef>
+              <a:spcAft>
+                <a:spcPts val="0"/>
+              </a:spcAft>
+            </a:pPr>
+            <a:r>
+              <a:rPr lang="en-US" sz="1600" b="1" i="0" u="none" strike="noStrike" dirty="0">
+                <a:solidFill>
+                  <a:srgbClr val="000000"/>
+                </a:solidFill>
+                <a:effectLst/>
+                <a:latin typeface="Calibri" panose="020F0502020204030204" pitchFamily="34" charset="0"/>
+              </a:rPr>
+              <a:t>Pride and Enthusiasm</a:t>
+            </a:r>
+            <a:endParaRPr lang="en-US" sz="1600" b="0" dirty="0">
+              <a:effectLst/>
+            </a:endParaRPr>
+          </a:p>
+        </p:txBody>
+      </p:sp>
+      <p:pic>
+        <p:nvPicPr>
+          <p:cNvPr id="20" name="Picture 12">
+            <a:extLst>
+              <a:ext uri="{FF2B5EF4-FFF2-40B4-BE49-F238E27FC236}">
+                <a16:creationId xmlns:a16="http://schemas.microsoft.com/office/drawing/2014/main" id="{2A61D318-D994-05F0-B725-4F338E1CD564}"/>
+              </a:ext>
+            </a:extLst>
+          </p:cNvPr>
+          <p:cNvPicPr>
+            <a:picLocks noChangeAspect="1" noChangeArrowheads="1"/>
+          </p:cNvPicPr>
+          <p:nvPr/>
+        </p:nvPicPr>
+        <p:blipFill>
+          <a:blip r:embed="rId3">
+            <a:extLst>
+              <a:ext uri="{28A0092B-C50C-407E-A947-70E740481C1C}">
+                <a14:useLocalDpi xmlns:a14="http://schemas.microsoft.com/office/drawing/2010/main" val="0"/>
+              </a:ext>
+            </a:extLst>
+          </a:blip>
+          <a:srcRect/>
+          <a:stretch>
+            <a:fillRect/>
+          </a:stretch>
+        </p:blipFill>
+        <p:spPr bwMode="auto">
+          <a:xfrm>
+            <a:off x="4122470" y="1632545"/>
+            <a:ext cx="817303" cy="817303"/>
+          </a:xfrm>
+          <a:prstGeom prst="rect">
+            <a:avLst/>
+          </a:prstGeom>
+          <a:noFill/>
+          <a:extLst>
+            <a:ext uri="{909E8E84-426E-40DD-AFC4-6F175D3DCCD1}">
+              <a14:hiddenFill xmlns:a14="http://schemas.microsoft.com/office/drawing/2010/main">
+                <a:solidFill>
+                  <a:srgbClr val="FFFFFF"/>
+                </a:solidFill>
+              </a14:hiddenFill>
+            </a:ext>
+          </a:extLst>
+        </p:spPr>
+      </p:pic>
+    </p:spTree>
+    <p:extLst>
+      <p:ext uri="{BB962C8B-B14F-4D97-AF65-F5344CB8AC3E}">
+        <p14:creationId xmlns:p14="http://schemas.microsoft.com/office/powerpoint/2010/main" val="3840574079"/>
+      </p:ext>
+    </p:extLst>
+  </p:cSld>
+  <p:clrMapOvr>
+    <a:masterClrMapping/>
+  </p:clrMapOvr>
+</p:sld>
+</file>
+
+<file path=ppt/slides/slide6.xml><?xml version="1.0" encoding="utf-8"?>
+<p:sld xmlns:a="http://schemas.openxmlformats.org/drawingml/2006/main" xmlns:r="http://schemas.openxmlformats.org/officeDocument/2006/relationships" xmlns:p="http://schemas.openxmlformats.org/presentationml/2006/main">
+  <p:cSld>
+    <p:spTree>
+      <p:nvGrpSpPr>
+        <p:cNvPr id="1" name=""/>
+        <p:cNvGrpSpPr/>
+        <p:nvPr/>
+      </p:nvGrpSpPr>
+      <p:grpSpPr>
+        <a:xfrm>
+          <a:off x="0" y="0"/>
+          <a:ext cx="0" cy="0"/>
+          <a:chOff x="0" y="0"/>
+          <a:chExt cx="0" cy="0"/>
+        </a:xfrm>
+      </p:grpSpPr>
+      <p:sp>
+        <p:nvSpPr>
+          <p:cNvPr id="2" name="Title 1">
+            <a:extLst>
+              <a:ext uri="{FF2B5EF4-FFF2-40B4-BE49-F238E27FC236}">
+                <a16:creationId xmlns:a16="http://schemas.microsoft.com/office/drawing/2014/main" id="{EE6A6B56-CD35-3806-BD41-3F5620A2A928}"/>
+              </a:ext>
+            </a:extLst>
+          </p:cNvPr>
+          <p:cNvSpPr>
+            <a:spLocks noGrp="1"/>
+          </p:cNvSpPr>
+          <p:nvPr>
+            <p:ph type="title"/>
+          </p:nvPr>
+        </p:nvSpPr>
+        <p:spPr/>
+        <p:txBody>
+          <a:bodyPr/>
+          <a:lstStyle/>
+          <a:p>
+            <a:r>
+              <a:rPr lang="en-US" dirty="0"/>
+              <a:t>MAPPING THE RUBRIC TO CORE VALUES PT. 2</a:t>
             </a:r>
           </a:p>
         </p:txBody>
@@ -8388,7 +7140,7 @@
           <p:cNvPr id="4" name="Footer Placeholder 3">
             <a:extLst>
               <a:ext uri="{FF2B5EF4-FFF2-40B4-BE49-F238E27FC236}">
-                <a16:creationId xmlns:a16="http://schemas.microsoft.com/office/drawing/2014/main" id="{BC8166A2-33C1-FF25-B1C1-CFF4707CB61A}"/>
+                <a16:creationId xmlns:a16="http://schemas.microsoft.com/office/drawing/2014/main" id="{50EB28A0-A0D0-E57B-7CCD-322ED80F4769}"/>
               </a:ext>
             </a:extLst>
           </p:cNvPr>
@@ -8406,7 +7158,7 @@
           <a:p>
             <a:r>
               <a:rPr lang="en-US"/>
-              <a:t>Copyright 2023, FLLTutorials.com. Last Update 5/29/2023</a:t>
+              <a:t>Copyright 2024, FLLTutorials.com. Last Update 8/06/2024</a:t>
             </a:r>
             <a:endParaRPr lang="en-US" dirty="0"/>
           </a:p>
@@ -8417,7 +7169,7 @@
           <p:cNvPr id="5" name="Slide Number Placeholder 4">
             <a:extLst>
               <a:ext uri="{FF2B5EF4-FFF2-40B4-BE49-F238E27FC236}">
-                <a16:creationId xmlns:a16="http://schemas.microsoft.com/office/drawing/2014/main" id="{F196F146-5DF5-7B89-6717-B98F357141DE}"/>
+                <a16:creationId xmlns:a16="http://schemas.microsoft.com/office/drawing/2014/main" id="{8FFE800A-0D88-5CB8-F224-8642ED940940}"/>
               </a:ext>
             </a:extLst>
           </p:cNvPr>
@@ -8436,16 +7188,1181 @@
             <a:fld id="{D57F1E4F-1CFF-5643-939E-217C01CDF565}" type="slidenum">
               <a:rPr lang="en-US" smtClean="0"/>
               <a:pPr/>
-              <a:t>9</a:t>
+              <a:t>6</a:t>
             </a:fld>
             <a:endParaRPr lang="en-US" dirty="0"/>
           </a:p>
         </p:txBody>
       </p:sp>
+      <p:sp>
+        <p:nvSpPr>
+          <p:cNvPr id="7" name="TextBox 6">
+            <a:extLst>
+              <a:ext uri="{FF2B5EF4-FFF2-40B4-BE49-F238E27FC236}">
+                <a16:creationId xmlns:a16="http://schemas.microsoft.com/office/drawing/2014/main" id="{EA223975-D84E-8EB7-4BBD-A70AB75F11C4}"/>
+              </a:ext>
+            </a:extLst>
+          </p:cNvPr>
+          <p:cNvSpPr txBox="1"/>
+          <p:nvPr/>
+        </p:nvSpPr>
+        <p:spPr>
+          <a:xfrm>
+            <a:off x="258463" y="3607177"/>
+            <a:ext cx="1597231" cy="2677656"/>
+          </a:xfrm>
+          <a:prstGeom prst="rect">
+            <a:avLst/>
+          </a:prstGeom>
+          <a:noFill/>
+        </p:spPr>
+        <p:txBody>
+          <a:bodyPr wrap="square" rtlCol="0">
+            <a:spAutoFit/>
+          </a:bodyPr>
+          <a:lstStyle/>
+          <a:p>
+            <a:pPr rtl="0">
+              <a:spcBef>
+                <a:spcPts val="0"/>
+              </a:spcBef>
+              <a:spcAft>
+                <a:spcPts val="0"/>
+              </a:spcAft>
+            </a:pPr>
+            <a:r>
+              <a:rPr lang="en-US" sz="1400" b="0" i="0" u="none" strike="noStrike" dirty="0">
+                <a:solidFill>
+                  <a:srgbClr val="000000"/>
+                </a:solidFill>
+                <a:effectLst/>
+                <a:latin typeface="Calibri" panose="020F0502020204030204" pitchFamily="34" charset="0"/>
+              </a:rPr>
+              <a:t>Clearly state all the different types of sources you used (survey, interview, field trip, articles, website, etc.) and what you learnt from each of them. How did they influence the rest of your Innovation Project?</a:t>
+            </a:r>
+            <a:endParaRPr lang="en-US" sz="1100" b="0" dirty="0">
+              <a:effectLst/>
+            </a:endParaRPr>
+          </a:p>
+        </p:txBody>
+      </p:sp>
+      <p:sp>
+        <p:nvSpPr>
+          <p:cNvPr id="8" name="TextBox 7">
+            <a:extLst>
+              <a:ext uri="{FF2B5EF4-FFF2-40B4-BE49-F238E27FC236}">
+                <a16:creationId xmlns:a16="http://schemas.microsoft.com/office/drawing/2014/main" id="{5F314640-0B13-6B7D-50D6-28729F53AFE9}"/>
+              </a:ext>
+            </a:extLst>
+          </p:cNvPr>
+          <p:cNvSpPr txBox="1"/>
+          <p:nvPr/>
+        </p:nvSpPr>
+        <p:spPr>
+          <a:xfrm>
+            <a:off x="1855694" y="3607177"/>
+            <a:ext cx="1597231" cy="2462213"/>
+          </a:xfrm>
+          <a:prstGeom prst="rect">
+            <a:avLst/>
+          </a:prstGeom>
+          <a:noFill/>
+        </p:spPr>
+        <p:txBody>
+          <a:bodyPr wrap="square" rtlCol="0">
+            <a:spAutoFit/>
+          </a:bodyPr>
+          <a:lstStyle/>
+          <a:p>
+            <a:pPr rtl="0">
+              <a:spcBef>
+                <a:spcPts val="0"/>
+              </a:spcBef>
+              <a:spcAft>
+                <a:spcPts val="0"/>
+              </a:spcAft>
+            </a:pPr>
+            <a:r>
+              <a:rPr lang="en-US" sz="1400" b="0" i="0" u="none" strike="noStrike" dirty="0">
+                <a:solidFill>
+                  <a:srgbClr val="000000"/>
+                </a:solidFill>
+                <a:effectLst/>
+                <a:latin typeface="Calibri" panose="020F0502020204030204" pitchFamily="34" charset="0"/>
+              </a:rPr>
+              <a:t>Share clearly with the judges how team members had different ideas on what problem to research and  even the solution. Share with them your Project Plan that gives everyone a role.</a:t>
+            </a:r>
+            <a:endParaRPr lang="en-US" sz="1100" b="0" dirty="0">
+              <a:effectLst/>
+            </a:endParaRPr>
+          </a:p>
+        </p:txBody>
+      </p:sp>
+      <p:sp>
+        <p:nvSpPr>
+          <p:cNvPr id="9" name="TextBox 8">
+            <a:extLst>
+              <a:ext uri="{FF2B5EF4-FFF2-40B4-BE49-F238E27FC236}">
+                <a16:creationId xmlns:a16="http://schemas.microsoft.com/office/drawing/2014/main" id="{B3BED20B-F37B-6EBC-48A5-532A3C173FC5}"/>
+              </a:ext>
+            </a:extLst>
+          </p:cNvPr>
+          <p:cNvSpPr txBox="1"/>
+          <p:nvPr/>
+        </p:nvSpPr>
+        <p:spPr>
+          <a:xfrm>
+            <a:off x="3773384" y="3607177"/>
+            <a:ext cx="1597231" cy="1600438"/>
+          </a:xfrm>
+          <a:prstGeom prst="rect">
+            <a:avLst/>
+          </a:prstGeom>
+          <a:noFill/>
+        </p:spPr>
+        <p:txBody>
+          <a:bodyPr wrap="square" rtlCol="0">
+            <a:spAutoFit/>
+          </a:bodyPr>
+          <a:lstStyle/>
+          <a:p>
+            <a:pPr rtl="0">
+              <a:spcBef>
+                <a:spcPts val="0"/>
+              </a:spcBef>
+              <a:spcAft>
+                <a:spcPts val="0"/>
+              </a:spcAft>
+            </a:pPr>
+            <a:r>
+              <a:rPr lang="en-US" sz="1400" b="0" i="0" u="none" strike="noStrike" dirty="0">
+                <a:solidFill>
+                  <a:srgbClr val="000000"/>
+                </a:solidFill>
+                <a:effectLst/>
+                <a:latin typeface="Calibri" panose="020F0502020204030204" pitchFamily="34" charset="0"/>
+              </a:rPr>
+              <a:t>Be clear about what the solution is and whom or what it will impact. Share any data to demonstrate and prove this.</a:t>
+            </a:r>
+            <a:endParaRPr lang="en-US" sz="1400" b="0" dirty="0">
+              <a:effectLst/>
+            </a:endParaRPr>
+          </a:p>
+        </p:txBody>
+      </p:sp>
+      <p:sp>
+        <p:nvSpPr>
+          <p:cNvPr id="10" name="TextBox 9">
+            <a:extLst>
+              <a:ext uri="{FF2B5EF4-FFF2-40B4-BE49-F238E27FC236}">
+                <a16:creationId xmlns:a16="http://schemas.microsoft.com/office/drawing/2014/main" id="{04CC6AA0-BB51-4FF1-0008-F68C610965E6}"/>
+              </a:ext>
+            </a:extLst>
+          </p:cNvPr>
+          <p:cNvSpPr txBox="1"/>
+          <p:nvPr/>
+        </p:nvSpPr>
+        <p:spPr>
+          <a:xfrm>
+            <a:off x="5548395" y="3607177"/>
+            <a:ext cx="1597231" cy="1600438"/>
+          </a:xfrm>
+          <a:prstGeom prst="rect">
+            <a:avLst/>
+          </a:prstGeom>
+          <a:noFill/>
+        </p:spPr>
+        <p:txBody>
+          <a:bodyPr wrap="square" rtlCol="0">
+            <a:spAutoFit/>
+          </a:bodyPr>
+          <a:lstStyle/>
+          <a:p>
+            <a:pPr rtl="0">
+              <a:spcBef>
+                <a:spcPts val="0"/>
+              </a:spcBef>
+              <a:spcAft>
+                <a:spcPts val="0"/>
+              </a:spcAft>
+            </a:pPr>
+            <a:r>
+              <a:rPr lang="en-US" sz="1400" b="0" i="0" u="none" strike="noStrike" dirty="0">
+                <a:solidFill>
+                  <a:srgbClr val="000000"/>
+                </a:solidFill>
+                <a:effectLst/>
+                <a:latin typeface="Calibri" panose="020F0502020204030204" pitchFamily="34" charset="0"/>
+              </a:rPr>
+              <a:t>Be clear about what the solution is and whom or what it will impact. Share any data to demonstrate/prove this.</a:t>
+            </a:r>
+            <a:endParaRPr lang="en-US" sz="1100" b="0" dirty="0">
+              <a:effectLst/>
+            </a:endParaRPr>
+          </a:p>
+        </p:txBody>
+      </p:sp>
+      <p:sp>
+        <p:nvSpPr>
+          <p:cNvPr id="11" name="TextBox 10">
+            <a:extLst>
+              <a:ext uri="{FF2B5EF4-FFF2-40B4-BE49-F238E27FC236}">
+                <a16:creationId xmlns:a16="http://schemas.microsoft.com/office/drawing/2014/main" id="{33D4A833-C126-5734-6236-54DE2CF3312C}"/>
+              </a:ext>
+            </a:extLst>
+          </p:cNvPr>
+          <p:cNvSpPr txBox="1"/>
+          <p:nvPr/>
+        </p:nvSpPr>
+        <p:spPr>
+          <a:xfrm>
+            <a:off x="7323406" y="3607177"/>
+            <a:ext cx="1597231" cy="1169551"/>
+          </a:xfrm>
+          <a:prstGeom prst="rect">
+            <a:avLst/>
+          </a:prstGeom>
+          <a:noFill/>
+        </p:spPr>
+        <p:txBody>
+          <a:bodyPr wrap="square" rtlCol="0">
+            <a:spAutoFit/>
+          </a:bodyPr>
+          <a:lstStyle/>
+          <a:p>
+            <a:pPr rtl="0">
+              <a:spcBef>
+                <a:spcPts val="0"/>
+              </a:spcBef>
+              <a:spcAft>
+                <a:spcPts val="0"/>
+              </a:spcAft>
+            </a:pPr>
+            <a:r>
+              <a:rPr lang="en-US" sz="1400" b="0" i="0" u="none" strike="noStrike" dirty="0">
+                <a:solidFill>
+                  <a:srgbClr val="000000"/>
+                </a:solidFill>
+                <a:effectLst/>
+                <a:latin typeface="Calibri" panose="020F0502020204030204" pitchFamily="34" charset="0"/>
+              </a:rPr>
+              <a:t>Be energetic and enthusiastic throughout your presentations and Q&amp;A. Get creative. </a:t>
+            </a:r>
+            <a:endParaRPr lang="en-US" sz="1100" b="0" dirty="0">
+              <a:effectLst/>
+            </a:endParaRPr>
+          </a:p>
+        </p:txBody>
+      </p:sp>
+      <p:pic>
+        <p:nvPicPr>
+          <p:cNvPr id="3080" name="Picture 8">
+            <a:extLst>
+              <a:ext uri="{FF2B5EF4-FFF2-40B4-BE49-F238E27FC236}">
+                <a16:creationId xmlns:a16="http://schemas.microsoft.com/office/drawing/2014/main" id="{672541BD-9DEF-7C5F-CB87-57A4121867FA}"/>
+              </a:ext>
+            </a:extLst>
+          </p:cNvPr>
+          <p:cNvPicPr>
+            <a:picLocks noChangeAspect="1" noChangeArrowheads="1"/>
+          </p:cNvPicPr>
+          <p:nvPr/>
+        </p:nvPicPr>
+        <p:blipFill>
+          <a:blip r:embed="rId2">
+            <a:extLst>
+              <a:ext uri="{28A0092B-C50C-407E-A947-70E740481C1C}">
+                <a14:useLocalDpi xmlns:a14="http://schemas.microsoft.com/office/drawing/2010/main" val="0"/>
+              </a:ext>
+            </a:extLst>
+          </a:blip>
+          <a:srcRect/>
+          <a:stretch>
+            <a:fillRect/>
+          </a:stretch>
+        </p:blipFill>
+        <p:spPr bwMode="auto">
+          <a:xfrm>
+            <a:off x="7694257" y="1632545"/>
+            <a:ext cx="817303" cy="817303"/>
+          </a:xfrm>
+          <a:prstGeom prst="rect">
+            <a:avLst/>
+          </a:prstGeom>
+          <a:noFill/>
+          <a:extLst>
+            <a:ext uri="{909E8E84-426E-40DD-AFC4-6F175D3DCCD1}">
+              <a14:hiddenFill xmlns:a14="http://schemas.microsoft.com/office/drawing/2010/main">
+                <a:solidFill>
+                  <a:srgbClr val="FFFFFF"/>
+                </a:solidFill>
+              </a14:hiddenFill>
+            </a:ext>
+          </a:extLst>
+        </p:spPr>
+      </p:pic>
+      <p:pic>
+        <p:nvPicPr>
+          <p:cNvPr id="3088" name="Picture 16">
+            <a:extLst>
+              <a:ext uri="{FF2B5EF4-FFF2-40B4-BE49-F238E27FC236}">
+                <a16:creationId xmlns:a16="http://schemas.microsoft.com/office/drawing/2014/main" id="{7986E54E-4BEE-4DD6-03BA-1628554D4BB0}"/>
+              </a:ext>
+            </a:extLst>
+          </p:cNvPr>
+          <p:cNvPicPr>
+            <a:picLocks noChangeAspect="1" noChangeArrowheads="1"/>
+          </p:cNvPicPr>
+          <p:nvPr/>
+        </p:nvPicPr>
+        <p:blipFill rotWithShape="1">
+          <a:blip r:embed="rId3">
+            <a:extLst>
+              <a:ext uri="{28A0092B-C50C-407E-A947-70E740481C1C}">
+                <a14:useLocalDpi xmlns:a14="http://schemas.microsoft.com/office/drawing/2010/main" val="0"/>
+              </a:ext>
+            </a:extLst>
+          </a:blip>
+          <a:srcRect l="35001" t="57515" r="54411" b="9359"/>
+          <a:stretch/>
+        </p:blipFill>
+        <p:spPr bwMode="auto">
+          <a:xfrm>
+            <a:off x="531757" y="1632545"/>
+            <a:ext cx="880742" cy="856278"/>
+          </a:xfrm>
+          <a:prstGeom prst="rect">
+            <a:avLst/>
+          </a:prstGeom>
+          <a:noFill/>
+          <a:extLst>
+            <a:ext uri="{909E8E84-426E-40DD-AFC4-6F175D3DCCD1}">
+              <a14:hiddenFill xmlns:a14="http://schemas.microsoft.com/office/drawing/2010/main">
+                <a:solidFill>
+                  <a:srgbClr val="FFFFFF"/>
+                </a:solidFill>
+              </a14:hiddenFill>
+            </a:ext>
+          </a:extLst>
+        </p:spPr>
+      </p:pic>
+      <p:sp>
+        <p:nvSpPr>
+          <p:cNvPr id="15" name="TextBox 14">
+            <a:extLst>
+              <a:ext uri="{FF2B5EF4-FFF2-40B4-BE49-F238E27FC236}">
+                <a16:creationId xmlns:a16="http://schemas.microsoft.com/office/drawing/2014/main" id="{33E68599-5177-BC85-D1BC-3D7A34F2B452}"/>
+              </a:ext>
+            </a:extLst>
+          </p:cNvPr>
+          <p:cNvSpPr txBox="1"/>
+          <p:nvPr/>
+        </p:nvSpPr>
+        <p:spPr>
+          <a:xfrm>
+            <a:off x="113186" y="2527713"/>
+            <a:ext cx="1597231" cy="830997"/>
+          </a:xfrm>
+          <a:prstGeom prst="rect">
+            <a:avLst/>
+          </a:prstGeom>
+          <a:noFill/>
+        </p:spPr>
+        <p:txBody>
+          <a:bodyPr wrap="square">
+            <a:spAutoFit/>
+          </a:bodyPr>
+          <a:lstStyle/>
+          <a:p>
+            <a:pPr algn="ctr" rtl="0">
+              <a:spcBef>
+                <a:spcPts val="0"/>
+              </a:spcBef>
+              <a:spcAft>
+                <a:spcPts val="0"/>
+              </a:spcAft>
+            </a:pPr>
+            <a:r>
+              <a:rPr lang="en-US" sz="1600" b="1" i="0" u="none" strike="noStrike" dirty="0">
+                <a:solidFill>
+                  <a:srgbClr val="000000"/>
+                </a:solidFill>
+                <a:effectLst/>
+                <a:latin typeface="Calibri" panose="020F0502020204030204" pitchFamily="34" charset="0"/>
+              </a:rPr>
+              <a:t>Research from a variety of sources</a:t>
+            </a:r>
+            <a:endParaRPr lang="en-US" sz="1400" b="0" dirty="0">
+              <a:effectLst/>
+            </a:endParaRPr>
+          </a:p>
+        </p:txBody>
+      </p:sp>
+      <p:sp>
+        <p:nvSpPr>
+          <p:cNvPr id="16" name="TextBox 15">
+            <a:extLst>
+              <a:ext uri="{FF2B5EF4-FFF2-40B4-BE49-F238E27FC236}">
+                <a16:creationId xmlns:a16="http://schemas.microsoft.com/office/drawing/2014/main" id="{EEDE0659-496B-15B0-7925-6AA76AA2B8A6}"/>
+              </a:ext>
+            </a:extLst>
+          </p:cNvPr>
+          <p:cNvSpPr txBox="1"/>
+          <p:nvPr/>
+        </p:nvSpPr>
+        <p:spPr>
+          <a:xfrm>
+            <a:off x="1793369" y="2527713"/>
+            <a:ext cx="1597231" cy="1077218"/>
+          </a:xfrm>
+          <a:prstGeom prst="rect">
+            <a:avLst/>
+          </a:prstGeom>
+          <a:noFill/>
+        </p:spPr>
+        <p:txBody>
+          <a:bodyPr wrap="square">
+            <a:spAutoFit/>
+          </a:bodyPr>
+          <a:lstStyle/>
+          <a:p>
+            <a:pPr algn="ctr" rtl="0">
+              <a:spcBef>
+                <a:spcPts val="0"/>
+              </a:spcBef>
+              <a:spcAft>
+                <a:spcPts val="0"/>
+              </a:spcAft>
+            </a:pPr>
+            <a:r>
+              <a:rPr lang="en-US" sz="1600" b="1" i="0" u="none" strike="noStrike" dirty="0">
+                <a:solidFill>
+                  <a:srgbClr val="000000"/>
+                </a:solidFill>
+                <a:effectLst/>
+                <a:latin typeface="Calibri" panose="020F0502020204030204" pitchFamily="34" charset="0"/>
+              </a:rPr>
+              <a:t>Development process that involved everyone</a:t>
+            </a:r>
+            <a:endParaRPr lang="en-US" sz="1400" b="0" dirty="0">
+              <a:effectLst/>
+            </a:endParaRPr>
+          </a:p>
+        </p:txBody>
+      </p:sp>
+      <p:sp>
+        <p:nvSpPr>
+          <p:cNvPr id="17" name="TextBox 16">
+            <a:extLst>
+              <a:ext uri="{FF2B5EF4-FFF2-40B4-BE49-F238E27FC236}">
+                <a16:creationId xmlns:a16="http://schemas.microsoft.com/office/drawing/2014/main" id="{EB278C9C-EB24-D1EC-4BD1-68EA200BD6AB}"/>
+              </a:ext>
+            </a:extLst>
+          </p:cNvPr>
+          <p:cNvSpPr txBox="1"/>
+          <p:nvPr/>
+        </p:nvSpPr>
+        <p:spPr>
+          <a:xfrm>
+            <a:off x="3641183" y="2527713"/>
+            <a:ext cx="1597231" cy="584775"/>
+          </a:xfrm>
+          <a:prstGeom prst="rect">
+            <a:avLst/>
+          </a:prstGeom>
+          <a:noFill/>
+        </p:spPr>
+        <p:txBody>
+          <a:bodyPr wrap="square">
+            <a:spAutoFit/>
+          </a:bodyPr>
+          <a:lstStyle/>
+          <a:p>
+            <a:pPr algn="ctr" rtl="0">
+              <a:spcBef>
+                <a:spcPts val="0"/>
+              </a:spcBef>
+              <a:spcAft>
+                <a:spcPts val="0"/>
+              </a:spcAft>
+            </a:pPr>
+            <a:r>
+              <a:rPr lang="en-US" sz="1600" b="1" i="0" u="none" strike="noStrike" dirty="0">
+                <a:solidFill>
+                  <a:srgbClr val="000000"/>
+                </a:solidFill>
+                <a:effectLst/>
+                <a:latin typeface="Calibri" panose="020F0502020204030204" pitchFamily="34" charset="0"/>
+              </a:rPr>
+              <a:t>Innovation in the Solution</a:t>
+            </a:r>
+            <a:endParaRPr lang="en-US" sz="1400" b="0" dirty="0">
+              <a:effectLst/>
+            </a:endParaRPr>
+          </a:p>
+        </p:txBody>
+      </p:sp>
+      <p:sp>
+        <p:nvSpPr>
+          <p:cNvPr id="18" name="TextBox 17">
+            <a:extLst>
+              <a:ext uri="{FF2B5EF4-FFF2-40B4-BE49-F238E27FC236}">
+                <a16:creationId xmlns:a16="http://schemas.microsoft.com/office/drawing/2014/main" id="{1A816C3C-5FC2-0E5E-D46C-BACAF775AAD5}"/>
+              </a:ext>
+            </a:extLst>
+          </p:cNvPr>
+          <p:cNvSpPr txBox="1"/>
+          <p:nvPr/>
+        </p:nvSpPr>
+        <p:spPr>
+          <a:xfrm>
+            <a:off x="5365156" y="2527713"/>
+            <a:ext cx="1597231" cy="584775"/>
+          </a:xfrm>
+          <a:prstGeom prst="rect">
+            <a:avLst/>
+          </a:prstGeom>
+          <a:noFill/>
+        </p:spPr>
+        <p:txBody>
+          <a:bodyPr wrap="square">
+            <a:spAutoFit/>
+          </a:bodyPr>
+          <a:lstStyle/>
+          <a:p>
+            <a:pPr algn="ctr" rtl="0">
+              <a:spcBef>
+                <a:spcPts val="0"/>
+              </a:spcBef>
+              <a:spcAft>
+                <a:spcPts val="0"/>
+              </a:spcAft>
+            </a:pPr>
+            <a:r>
+              <a:rPr lang="en-US" sz="1600" b="1" i="0" u="none" strike="noStrike" dirty="0">
+                <a:solidFill>
+                  <a:srgbClr val="000000"/>
+                </a:solidFill>
+                <a:effectLst/>
+                <a:latin typeface="Calibri" panose="020F0502020204030204" pitchFamily="34" charset="0"/>
+              </a:rPr>
+              <a:t>Solution and its impact</a:t>
+            </a:r>
+            <a:endParaRPr lang="en-US" sz="1400" b="0" dirty="0">
+              <a:effectLst/>
+            </a:endParaRPr>
+          </a:p>
+        </p:txBody>
+      </p:sp>
+      <p:sp>
+        <p:nvSpPr>
+          <p:cNvPr id="19" name="TextBox 18">
+            <a:extLst>
+              <a:ext uri="{FF2B5EF4-FFF2-40B4-BE49-F238E27FC236}">
+                <a16:creationId xmlns:a16="http://schemas.microsoft.com/office/drawing/2014/main" id="{6CC4A2EE-B7ED-F06F-1EA9-E9AA4529197E}"/>
+              </a:ext>
+            </a:extLst>
+          </p:cNvPr>
+          <p:cNvSpPr txBox="1"/>
+          <p:nvPr/>
+        </p:nvSpPr>
+        <p:spPr>
+          <a:xfrm>
+            <a:off x="7209301" y="2527713"/>
+            <a:ext cx="1597231" cy="584775"/>
+          </a:xfrm>
+          <a:prstGeom prst="rect">
+            <a:avLst/>
+          </a:prstGeom>
+          <a:noFill/>
+        </p:spPr>
+        <p:txBody>
+          <a:bodyPr wrap="square">
+            <a:spAutoFit/>
+          </a:bodyPr>
+          <a:lstStyle/>
+          <a:p>
+            <a:pPr algn="ctr" rtl="0">
+              <a:spcBef>
+                <a:spcPts val="0"/>
+              </a:spcBef>
+              <a:spcAft>
+                <a:spcPts val="0"/>
+              </a:spcAft>
+            </a:pPr>
+            <a:r>
+              <a:rPr lang="en-US" sz="1600" b="1" i="0" u="none" strike="noStrike" dirty="0">
+                <a:solidFill>
+                  <a:srgbClr val="000000"/>
+                </a:solidFill>
+                <a:effectLst/>
+                <a:latin typeface="Calibri" panose="020F0502020204030204" pitchFamily="34" charset="0"/>
+              </a:rPr>
+              <a:t>Pride and Enthusiasm</a:t>
+            </a:r>
+            <a:endParaRPr lang="en-US" sz="1600" b="0" dirty="0">
+              <a:effectLst/>
+            </a:endParaRPr>
+          </a:p>
+        </p:txBody>
+      </p:sp>
+      <p:pic>
+        <p:nvPicPr>
+          <p:cNvPr id="20" name="Picture 12">
+            <a:extLst>
+              <a:ext uri="{FF2B5EF4-FFF2-40B4-BE49-F238E27FC236}">
+                <a16:creationId xmlns:a16="http://schemas.microsoft.com/office/drawing/2014/main" id="{2A61D318-D994-05F0-B725-4F338E1CD564}"/>
+              </a:ext>
+            </a:extLst>
+          </p:cNvPr>
+          <p:cNvPicPr>
+            <a:picLocks noChangeAspect="1" noChangeArrowheads="1"/>
+          </p:cNvPicPr>
+          <p:nvPr/>
+        </p:nvPicPr>
+        <p:blipFill>
+          <a:blip r:embed="rId4">
+            <a:extLst>
+              <a:ext uri="{28A0092B-C50C-407E-A947-70E740481C1C}">
+                <a14:useLocalDpi xmlns:a14="http://schemas.microsoft.com/office/drawing/2010/main" val="0"/>
+              </a:ext>
+            </a:extLst>
+          </a:blip>
+          <a:srcRect/>
+          <a:stretch>
+            <a:fillRect/>
+          </a:stretch>
+        </p:blipFill>
+        <p:spPr bwMode="auto">
+          <a:xfrm>
+            <a:off x="4122470" y="1632545"/>
+            <a:ext cx="817303" cy="817303"/>
+          </a:xfrm>
+          <a:prstGeom prst="rect">
+            <a:avLst/>
+          </a:prstGeom>
+          <a:noFill/>
+          <a:extLst>
+            <a:ext uri="{909E8E84-426E-40DD-AFC4-6F175D3DCCD1}">
+              <a14:hiddenFill xmlns:a14="http://schemas.microsoft.com/office/drawing/2010/main">
+                <a:solidFill>
+                  <a:srgbClr val="FFFFFF"/>
+                </a:solidFill>
+              </a14:hiddenFill>
+            </a:ext>
+          </a:extLst>
+        </p:spPr>
+      </p:pic>
+      <p:pic>
+        <p:nvPicPr>
+          <p:cNvPr id="4098" name="Picture 2">
+            <a:extLst>
+              <a:ext uri="{FF2B5EF4-FFF2-40B4-BE49-F238E27FC236}">
+                <a16:creationId xmlns:a16="http://schemas.microsoft.com/office/drawing/2014/main" id="{27B05853-43E9-154D-06A3-49E25A662C71}"/>
+              </a:ext>
+            </a:extLst>
+          </p:cNvPr>
+          <p:cNvPicPr>
+            <a:picLocks noChangeAspect="1" noChangeArrowheads="1"/>
+          </p:cNvPicPr>
+          <p:nvPr/>
+        </p:nvPicPr>
+        <p:blipFill>
+          <a:blip r:embed="rId5">
+            <a:extLst>
+              <a:ext uri="{28A0092B-C50C-407E-A947-70E740481C1C}">
+                <a14:useLocalDpi xmlns:a14="http://schemas.microsoft.com/office/drawing/2010/main" val="0"/>
+              </a:ext>
+            </a:extLst>
+          </a:blip>
+          <a:srcRect/>
+          <a:stretch>
+            <a:fillRect/>
+          </a:stretch>
+        </p:blipFill>
+        <p:spPr bwMode="auto">
+          <a:xfrm>
+            <a:off x="5755119" y="1624372"/>
+            <a:ext cx="817303" cy="817303"/>
+          </a:xfrm>
+          <a:prstGeom prst="rect">
+            <a:avLst/>
+          </a:prstGeom>
+          <a:noFill/>
+          <a:extLst>
+            <a:ext uri="{909E8E84-426E-40DD-AFC4-6F175D3DCCD1}">
+              <a14:hiddenFill xmlns:a14="http://schemas.microsoft.com/office/drawing/2010/main">
+                <a:solidFill>
+                  <a:srgbClr val="FFFFFF"/>
+                </a:solidFill>
+              </a14:hiddenFill>
+            </a:ext>
+          </a:extLst>
+        </p:spPr>
+      </p:pic>
+      <p:pic>
+        <p:nvPicPr>
+          <p:cNvPr id="4100" name="Picture 4">
+            <a:extLst>
+              <a:ext uri="{FF2B5EF4-FFF2-40B4-BE49-F238E27FC236}">
+                <a16:creationId xmlns:a16="http://schemas.microsoft.com/office/drawing/2014/main" id="{C08F0F63-775C-67ED-AC95-677FC022BBF2}"/>
+              </a:ext>
+            </a:extLst>
+          </p:cNvPr>
+          <p:cNvPicPr>
+            <a:picLocks noChangeAspect="1" noChangeArrowheads="1"/>
+          </p:cNvPicPr>
+          <p:nvPr/>
+        </p:nvPicPr>
+        <p:blipFill>
+          <a:blip r:embed="rId6">
+            <a:extLst>
+              <a:ext uri="{28A0092B-C50C-407E-A947-70E740481C1C}">
+                <a14:useLocalDpi xmlns:a14="http://schemas.microsoft.com/office/drawing/2010/main" val="0"/>
+              </a:ext>
+            </a:extLst>
+          </a:blip>
+          <a:srcRect/>
+          <a:stretch>
+            <a:fillRect/>
+          </a:stretch>
+        </p:blipFill>
+        <p:spPr bwMode="auto">
+          <a:xfrm>
+            <a:off x="2183332" y="1647823"/>
+            <a:ext cx="817303" cy="817303"/>
+          </a:xfrm>
+          <a:prstGeom prst="rect">
+            <a:avLst/>
+          </a:prstGeom>
+          <a:noFill/>
+          <a:extLst>
+            <a:ext uri="{909E8E84-426E-40DD-AFC4-6F175D3DCCD1}">
+              <a14:hiddenFill xmlns:a14="http://schemas.microsoft.com/office/drawing/2010/main">
+                <a:solidFill>
+                  <a:srgbClr val="FFFFFF"/>
+                </a:solidFill>
+              </a14:hiddenFill>
+            </a:ext>
+          </a:extLst>
+        </p:spPr>
+      </p:pic>
     </p:spTree>
     <p:extLst>
       <p:ext uri="{BB962C8B-B14F-4D97-AF65-F5344CB8AC3E}">
-        <p14:creationId xmlns:p14="http://schemas.microsoft.com/office/powerpoint/2010/main" val="4020046001"/>
+        <p14:creationId xmlns:p14="http://schemas.microsoft.com/office/powerpoint/2010/main" val="1731498177"/>
+      </p:ext>
+    </p:extLst>
+  </p:cSld>
+  <p:clrMapOvr>
+    <a:masterClrMapping/>
+  </p:clrMapOvr>
+</p:sld>
+</file>
+
+<file path=ppt/slides/slide7.xml><?xml version="1.0" encoding="utf-8"?>
+<p:sld xmlns:a="http://schemas.openxmlformats.org/drawingml/2006/main" xmlns:r="http://schemas.openxmlformats.org/officeDocument/2006/relationships" xmlns:p="http://schemas.openxmlformats.org/presentationml/2006/main">
+  <p:cSld>
+    <p:spTree>
+      <p:nvGrpSpPr>
+        <p:cNvPr id="1" name="Shape 207"/>
+        <p:cNvGrpSpPr/>
+        <p:nvPr/>
+      </p:nvGrpSpPr>
+      <p:grpSpPr>
+        <a:xfrm>
+          <a:off x="0" y="0"/>
+          <a:ext cx="0" cy="0"/>
+          <a:chOff x="0" y="0"/>
+          <a:chExt cx="0" cy="0"/>
+        </a:xfrm>
+      </p:grpSpPr>
+      <p:sp>
+        <p:nvSpPr>
+          <p:cNvPr id="208" name="Shape 208"/>
+          <p:cNvSpPr txBox="1">
+            <a:spLocks noGrp="1"/>
+          </p:cNvSpPr>
+          <p:nvPr>
+            <p:ph type="title"/>
+          </p:nvPr>
+        </p:nvSpPr>
+        <p:spPr>
+          <a:prstGeom prst="rect">
+            <a:avLst/>
+          </a:prstGeom>
+          <a:noFill/>
+          <a:ln>
+            <a:noFill/>
+          </a:ln>
+        </p:spPr>
+        <p:txBody>
+          <a:bodyPr spcFirstLastPara="1" wrap="square" lIns="91425" tIns="45700" rIns="91425" bIns="45700" anchor="b" anchorCtr="0">
+            <a:noAutofit/>
+          </a:bodyPr>
+          <a:lstStyle/>
+          <a:p>
+            <a:pPr marL="0" marR="0" lvl="0" indent="0" algn="l" rtl="0">
+              <a:spcBef>
+                <a:spcPts val="0"/>
+              </a:spcBef>
+              <a:spcAft>
+                <a:spcPts val="0"/>
+              </a:spcAft>
+              <a:buClr>
+                <a:schemeClr val="lt1"/>
+              </a:buClr>
+              <a:buSzPts val="2800"/>
+              <a:buFont typeface="Cabin"/>
+              <a:buNone/>
+            </a:pPr>
+            <a:r>
+              <a:rPr lang="en-US" sz="2800" b="0" i="0" u="none" strike="noStrike" cap="none">
+                <a:solidFill>
+                  <a:schemeClr val="lt1"/>
+                </a:solidFill>
+                <a:latin typeface="Cabin"/>
+                <a:ea typeface="Cabin"/>
+                <a:cs typeface="Cabin"/>
+                <a:sym typeface="Cabin"/>
+              </a:rPr>
+              <a:t>CREDITS</a:t>
+            </a:r>
+            <a:endParaRPr/>
+          </a:p>
+        </p:txBody>
+      </p:sp>
+      <p:sp>
+        <p:nvSpPr>
+          <p:cNvPr id="209" name="Shape 209"/>
+          <p:cNvSpPr txBox="1">
+            <a:spLocks noGrp="1"/>
+          </p:cNvSpPr>
+          <p:nvPr>
+            <p:ph idx="1"/>
+          </p:nvPr>
+        </p:nvSpPr>
+        <p:spPr>
+          <a:prstGeom prst="rect">
+            <a:avLst/>
+          </a:prstGeom>
+          <a:noFill/>
+          <a:ln>
+            <a:noFill/>
+          </a:ln>
+        </p:spPr>
+        <p:txBody>
+          <a:bodyPr spcFirstLastPara="1" wrap="square" lIns="91425" tIns="45700" rIns="91425" bIns="45700" anchor="t" anchorCtr="0">
+            <a:noAutofit/>
+          </a:bodyPr>
+          <a:lstStyle/>
+          <a:p>
+            <a:pPr>
+              <a:spcBef>
+                <a:spcPts val="1160"/>
+              </a:spcBef>
+              <a:spcAft>
+                <a:spcPts val="0"/>
+              </a:spcAft>
+              <a:buSzPts val="2576"/>
+            </a:pPr>
+            <a:r>
+              <a:rPr lang="en-US" sz="2800" b="0" i="0" u="none" strike="noStrike" cap="none" dirty="0">
+                <a:solidFill>
+                  <a:schemeClr val="dk2"/>
+                </a:solidFill>
+                <a:latin typeface="Cabin"/>
+                <a:ea typeface="Cabin"/>
+                <a:cs typeface="Cabin"/>
+                <a:sym typeface="Cabin"/>
+              </a:rPr>
+              <a:t>More lessons for FIRST LEGO League are available at </a:t>
+            </a:r>
+            <a:r>
+              <a:rPr lang="en-US" sz="2800" b="0" i="0" u="sng" strike="noStrike" cap="none" dirty="0">
+                <a:solidFill>
+                  <a:schemeClr val="hlink"/>
+                </a:solidFill>
+                <a:latin typeface="Cabin"/>
+                <a:ea typeface="Cabin"/>
+                <a:cs typeface="Cabin"/>
+                <a:sym typeface="Cabin"/>
+                <a:hlinkClick r:id="rId3"/>
+              </a:rPr>
+              <a:t>www.flltutorials.com</a:t>
+            </a:r>
+            <a:endParaRPr sz="2800" b="0" i="0" u="none" strike="noStrike" cap="none" dirty="0">
+              <a:solidFill>
+                <a:srgbClr val="0070C0"/>
+              </a:solidFill>
+              <a:latin typeface="Cabin"/>
+              <a:ea typeface="Cabin"/>
+              <a:cs typeface="Cabin"/>
+              <a:sym typeface="Cabin"/>
+            </a:endParaRPr>
+          </a:p>
+          <a:p>
+            <a:pPr marL="306000" marR="0" lvl="0" indent="-142424" algn="l" rtl="0">
+              <a:spcBef>
+                <a:spcPts val="1160"/>
+              </a:spcBef>
+              <a:spcAft>
+                <a:spcPts val="0"/>
+              </a:spcAft>
+              <a:buClr>
+                <a:schemeClr val="accent2"/>
+              </a:buClr>
+              <a:buSzPts val="2576"/>
+              <a:buFont typeface="Noto Sans Symbols"/>
+              <a:buNone/>
+            </a:pPr>
+            <a:endParaRPr sz="2800" b="0" i="0" u="none" strike="noStrike" cap="none" dirty="0">
+              <a:solidFill>
+                <a:schemeClr val="dk2"/>
+              </a:solidFill>
+              <a:latin typeface="Cabin"/>
+              <a:ea typeface="Cabin"/>
+              <a:cs typeface="Cabin"/>
+              <a:sym typeface="Cabin"/>
+            </a:endParaRPr>
+          </a:p>
+          <a:p>
+            <a:pPr marL="306000" marR="0" lvl="0" indent="-95688" algn="l" rtl="0">
+              <a:spcBef>
+                <a:spcPts val="1320"/>
+              </a:spcBef>
+              <a:spcAft>
+                <a:spcPts val="0"/>
+              </a:spcAft>
+              <a:buClr>
+                <a:schemeClr val="accent2"/>
+              </a:buClr>
+              <a:buSzPts val="3312"/>
+              <a:buFont typeface="Noto Sans Symbols"/>
+              <a:buNone/>
+            </a:pPr>
+            <a:endParaRPr sz="3600" b="0" i="0" u="none" strike="noStrike" cap="none" dirty="0">
+              <a:solidFill>
+                <a:schemeClr val="dk2"/>
+              </a:solidFill>
+              <a:latin typeface="Cabin"/>
+              <a:ea typeface="Cabin"/>
+              <a:cs typeface="Cabin"/>
+              <a:sym typeface="Cabin"/>
+            </a:endParaRPr>
+          </a:p>
+        </p:txBody>
+      </p:sp>
+      <p:sp>
+        <p:nvSpPr>
+          <p:cNvPr id="211" name="Shape 211"/>
+          <p:cNvSpPr txBox="1">
+            <a:spLocks noGrp="1"/>
+          </p:cNvSpPr>
+          <p:nvPr>
+            <p:ph type="ftr" sz="quarter" idx="11"/>
+          </p:nvPr>
+        </p:nvSpPr>
+        <p:spPr>
+          <a:xfrm>
+            <a:off x="0" y="6492875"/>
+            <a:ext cx="6615113" cy="365125"/>
+          </a:xfrm>
+          <a:prstGeom prst="rect">
+            <a:avLst/>
+          </a:prstGeom>
+          <a:noFill/>
+          <a:ln>
+            <a:noFill/>
+          </a:ln>
+        </p:spPr>
+        <p:txBody>
+          <a:bodyPr spcFirstLastPara="1" wrap="square" lIns="91425" tIns="45700" rIns="91425" bIns="45700" anchor="t" anchorCtr="0">
+            <a:noAutofit/>
+          </a:bodyPr>
+          <a:lstStyle/>
+          <a:p>
+            <a:pPr marL="0" marR="0" lvl="0" indent="0" algn="l" rtl="0">
+              <a:spcBef>
+                <a:spcPts val="0"/>
+              </a:spcBef>
+              <a:spcAft>
+                <a:spcPts val="0"/>
+              </a:spcAft>
+              <a:buNone/>
+            </a:pPr>
+            <a:r>
+              <a:rPr lang="en-US" sz="1800" b="0" i="0" u="none" strike="noStrike" cap="none">
+                <a:solidFill>
+                  <a:srgbClr val="2D58AC"/>
+                </a:solidFill>
+                <a:latin typeface="Cabin"/>
+                <a:ea typeface="Cabin"/>
+                <a:cs typeface="Cabin"/>
+                <a:sym typeface="Cabin"/>
+              </a:rPr>
+              <a:t>Copyright 2024, FLLTutorials.com. Last Update 8/06/2024</a:t>
+            </a:r>
+            <a:endParaRPr sz="1800" b="0" i="0" u="none" strike="noStrike" cap="none" dirty="0">
+              <a:solidFill>
+                <a:srgbClr val="2D58AC"/>
+              </a:solidFill>
+              <a:latin typeface="Cabin"/>
+              <a:ea typeface="Cabin"/>
+              <a:cs typeface="Cabin"/>
+              <a:sym typeface="Cabin"/>
+            </a:endParaRPr>
+          </a:p>
+        </p:txBody>
+      </p:sp>
+      <p:sp>
+        <p:nvSpPr>
+          <p:cNvPr id="212" name="Shape 212"/>
+          <p:cNvSpPr txBox="1">
+            <a:spLocks noGrp="1"/>
+          </p:cNvSpPr>
+          <p:nvPr>
+            <p:ph type="sldNum" sz="quarter" idx="12"/>
+          </p:nvPr>
+        </p:nvSpPr>
+        <p:spPr>
+          <a:prstGeom prst="rect">
+            <a:avLst/>
+          </a:prstGeom>
+          <a:noFill/>
+          <a:ln>
+            <a:noFill/>
+          </a:ln>
+        </p:spPr>
+        <p:txBody>
+          <a:bodyPr spcFirstLastPara="1" wrap="square" lIns="91425" tIns="45700" rIns="91425" bIns="45700" anchor="t" anchorCtr="0">
+            <a:noAutofit/>
+          </a:bodyPr>
+          <a:lstStyle/>
+          <a:p>
+            <a:pPr marL="0" marR="0" lvl="0" indent="0" algn="l" rtl="0">
+              <a:spcBef>
+                <a:spcPts val="0"/>
+              </a:spcBef>
+              <a:spcAft>
+                <a:spcPts val="0"/>
+              </a:spcAft>
+              <a:buNone/>
+            </a:pPr>
+            <a:fld id="{00000000-1234-1234-1234-123412341234}" type="slidenum">
+              <a:rPr lang="en-US" sz="1800" b="0" i="0" u="none" strike="noStrike" cap="none">
+                <a:solidFill>
+                  <a:srgbClr val="2D58AC"/>
+                </a:solidFill>
+                <a:latin typeface="Cabin"/>
+                <a:ea typeface="Cabin"/>
+                <a:cs typeface="Cabin"/>
+                <a:sym typeface="Cabin"/>
+              </a:rPr>
+              <a:t>7</a:t>
+            </a:fld>
+            <a:endParaRPr sz="1800" b="0" i="0" u="none" strike="noStrike" cap="none">
+              <a:solidFill>
+                <a:srgbClr val="2D58AC"/>
+              </a:solidFill>
+              <a:latin typeface="Cabin"/>
+              <a:ea typeface="Cabin"/>
+              <a:cs typeface="Cabin"/>
+              <a:sym typeface="Cabin"/>
+            </a:endParaRPr>
+          </a:p>
+        </p:txBody>
+      </p:sp>
+      <p:sp>
+        <p:nvSpPr>
+          <p:cNvPr id="213" name="Shape 213"/>
+          <p:cNvSpPr txBox="1"/>
+          <p:nvPr/>
+        </p:nvSpPr>
+        <p:spPr>
+          <a:xfrm>
+            <a:off x="572568" y="5047077"/>
+            <a:ext cx="7989752" cy="830997"/>
+          </a:xfrm>
+          <a:prstGeom prst="rect">
+            <a:avLst/>
+          </a:prstGeom>
+          <a:noFill/>
+          <a:ln>
+            <a:noFill/>
+          </a:ln>
+        </p:spPr>
+        <p:txBody>
+          <a:bodyPr spcFirstLastPara="1" wrap="square" lIns="91425" tIns="45700" rIns="91425" bIns="45700" anchor="t" anchorCtr="0">
+            <a:noAutofit/>
+          </a:bodyPr>
+          <a:lstStyle/>
+          <a:p>
+            <a:pPr marL="0" marR="0" lvl="0" indent="0" algn="ctr" rtl="0">
+              <a:spcBef>
+                <a:spcPts val="0"/>
+              </a:spcBef>
+              <a:spcAft>
+                <a:spcPts val="0"/>
+              </a:spcAft>
+              <a:buNone/>
+            </a:pPr>
+            <a:r>
+              <a:rPr lang="en-US" sz="2400" b="0" i="0" u="sng" strike="noStrike" cap="none">
+                <a:solidFill>
+                  <a:schemeClr val="hlink"/>
+                </a:solidFill>
+                <a:latin typeface="Cabin"/>
+                <a:ea typeface="Cabin"/>
+                <a:cs typeface="Cabin"/>
+                <a:sym typeface="Cabin"/>
+                <a:hlinkClick r:id="rId4"/>
+              </a:rPr>
+              <a:t>Creative Commons Attribution-NonCommercial-ShareAlike 4.0 International License</a:t>
+            </a:r>
+            <a:endParaRPr sz="2400" b="0" i="0" u="none" strike="noStrike" cap="none">
+              <a:solidFill>
+                <a:schemeClr val="dk1"/>
+              </a:solidFill>
+              <a:latin typeface="Cabin"/>
+              <a:ea typeface="Cabin"/>
+              <a:cs typeface="Cabin"/>
+              <a:sym typeface="Cabin"/>
+            </a:endParaRPr>
+          </a:p>
+        </p:txBody>
+      </p:sp>
+      <p:pic>
+        <p:nvPicPr>
+          <p:cNvPr id="214" name="Shape 214"/>
+          <p:cNvPicPr preferRelativeResize="0"/>
+          <p:nvPr/>
+        </p:nvPicPr>
+        <p:blipFill rotWithShape="1">
+          <a:blip r:embed="rId5">
+            <a:alphaModFix/>
+          </a:blip>
+          <a:srcRect/>
+          <a:stretch/>
+        </p:blipFill>
+        <p:spPr>
+          <a:xfrm>
+            <a:off x="3486559" y="4035813"/>
+            <a:ext cx="2552700" cy="889000"/>
+          </a:xfrm>
+          <a:prstGeom prst="rect">
+            <a:avLst/>
+          </a:prstGeom>
+          <a:noFill/>
+          <a:ln>
+            <a:noFill/>
+          </a:ln>
+        </p:spPr>
+      </p:pic>
+    </p:spTree>
+    <p:extLst>
+      <p:ext uri="{BB962C8B-B14F-4D97-AF65-F5344CB8AC3E}">
+        <p14:creationId xmlns:p14="http://schemas.microsoft.com/office/powerpoint/2010/main" val="4210231749"/>
       </p:ext>
     </p:extLst>
   </p:cSld>
